--- a/03-Sound/01_Pro_ucitele/Prezentace/31-zvuk.pptx
+++ b/03-Sound/01_Pro_ucitele/Prezentace/31-zvuk.pptx
@@ -4313,7 +4313,7 @@
         <p:spPr>
           <a:xfrm>
             <a:off x="504000" y="301320"/>
-            <a:ext cx="9072000" cy="1261800"/>
+            <a:ext cx="9071640" cy="1261440"/>
           </a:xfrm>
           <a:prstGeom prst="rect">
             <a:avLst/>
@@ -4322,14 +4322,13 @@
         <p:txBody>
           <a:bodyPr lIns="0" rIns="0" tIns="0" bIns="0" anchor="ctr"/>
           <a:p>
-            <a:pPr algn="ctr"/>
-            <a:r>
-              <a:rPr b="0" lang="cs-CZ" sz="4400" spc="-1" strike="noStrike">
+            <a:r>
+              <a:rPr b="0" lang="cs-CZ" sz="1800" spc="-1" strike="noStrike">
                 <a:latin typeface="Arial"/>
               </a:rPr>
               <a:t>Klikněte pro úpravu formátu textu nadpisu</a:t>
             </a:r>
-            <a:endParaRPr b="0" lang="cs-CZ" sz="4400" spc="-1" strike="noStrike">
+            <a:endParaRPr b="0" lang="cs-CZ" sz="1800" spc="-1" strike="noStrike">
               <a:latin typeface="Arial"/>
             </a:endParaRPr>
           </a:p>
@@ -4821,7 +4820,7 @@
         <p:spPr>
           <a:xfrm>
             <a:off x="504360" y="3528000"/>
-            <a:ext cx="9069120" cy="827640"/>
+            <a:ext cx="9068760" cy="827280"/>
           </a:xfrm>
           <a:prstGeom prst="rect">
             <a:avLst/>
@@ -4872,7 +4871,7 @@
         <p:spPr>
           <a:xfrm>
             <a:off x="1728000" y="1080000"/>
-            <a:ext cx="6117480" cy="939960"/>
+            <a:ext cx="6117120" cy="939600"/>
           </a:xfrm>
           <a:prstGeom prst="rect">
             <a:avLst/>
@@ -4970,7 +4969,7 @@
         <p:spPr>
           <a:xfrm>
             <a:off x="504000" y="301320"/>
-            <a:ext cx="9071280" cy="849960"/>
+            <a:ext cx="9070920" cy="849600"/>
           </a:xfrm>
           <a:prstGeom prst="rect">
             <a:avLst/>
@@ -4996,7 +4995,7 @@
         <p:spPr>
           <a:xfrm>
             <a:off x="504000" y="1768680"/>
-            <a:ext cx="9071280" cy="4383360"/>
+            <a:ext cx="9070920" cy="4383000"/>
           </a:xfrm>
           <a:prstGeom prst="rect">
             <a:avLst/>
@@ -5017,7 +5016,7 @@
             <a:normAutofit/>
           </a:bodyPr>
           <a:p>
-            <a:pPr marL="432000" indent="-323280">
+            <a:pPr marL="432000" indent="-322920">
               <a:lnSpc>
                 <a:spcPct val="100000"/>
               </a:lnSpc>
@@ -5050,14 +5049,14 @@
       </p:sp>
       <p:sp>
         <p:nvSpPr>
-          <p:cNvPr id="118" name="TextShape 3"/>
-          <p:cNvSpPr txBox="1"/>
+          <p:cNvPr id="118" name="CustomShape 3"/>
+          <p:cNvSpPr/>
           <p:nvPr/>
         </p:nvSpPr>
         <p:spPr>
           <a:xfrm>
             <a:off x="576000" y="72000"/>
-            <a:ext cx="9072000" cy="1261800"/>
+            <a:ext cx="9071640" cy="1261440"/>
           </a:xfrm>
           <a:prstGeom prst="rect">
             <a:avLst/>
@@ -5067,10 +5066,20 @@
             <a:noFill/>
           </a:ln>
         </p:spPr>
+        <p:style>
+          <a:lnRef idx="0"/>
+          <a:fillRef idx="0"/>
+          <a:effectRef idx="0"/>
+          <a:fontRef idx="minor"/>
+        </p:style>
         <p:txBody>
           <a:bodyPr lIns="0" rIns="0" tIns="0" bIns="0" anchor="ctr"/>
           <a:p>
-            <a:pPr algn="ctr"/>
+            <a:pPr algn="ctr">
+              <a:lnSpc>
+                <a:spcPct val="100000"/>
+              </a:lnSpc>
+            </a:pPr>
             <a:r>
               <a:rPr b="0" lang="cs-CZ" sz="4400" spc="-1" strike="noStrike">
                 <a:latin typeface="Arial"/>
@@ -5096,7 +5105,7 @@
         <p:spPr>
           <a:xfrm>
             <a:off x="1584000" y="1728000"/>
-            <a:ext cx="6970320" cy="5227920"/>
+            <a:ext cx="6969960" cy="5227560"/>
           </a:xfrm>
           <a:prstGeom prst="rect">
             <a:avLst/>
@@ -5164,7 +5173,7 @@
         <p:spPr>
           <a:xfrm>
             <a:off x="504000" y="72000"/>
-            <a:ext cx="9069120" cy="861480"/>
+            <a:ext cx="9068760" cy="861120"/>
           </a:xfrm>
           <a:prstGeom prst="rect">
             <a:avLst/>
@@ -5213,7 +5222,7 @@
         <p:spPr>
           <a:xfrm>
             <a:off x="504000" y="1769040"/>
-            <a:ext cx="9069120" cy="4382280"/>
+            <a:ext cx="9068760" cy="4381920"/>
           </a:xfrm>
           <a:prstGeom prst="rect">
             <a:avLst/>
@@ -5234,62 +5243,50 @@
             <a:normAutofit/>
           </a:bodyPr>
           <a:p>
-            <a:r>
-              <a:rPr b="0" lang="cs-CZ" sz="3200" spc="-1" strike="noStrike">
-                <a:solidFill>
-                  <a:srgbClr val="000000"/>
-                </a:solidFill>
-                <a:latin typeface="Courier New"/>
-                <a:ea typeface="DejaVu Sans"/>
-              </a:rPr>
-              <a:t>from microbit import *</a:t>
-            </a:r>
-            <a:endParaRPr b="0" lang="cs-CZ" sz="3200" spc="-1" strike="noStrike">
-              <a:latin typeface="Arial"/>
-            </a:endParaRPr>
-          </a:p>
-          <a:p>
-            <a:r>
-              <a:rPr b="0" lang="cs-CZ" sz="3200" spc="-1" strike="noStrike">
-                <a:solidFill>
-                  <a:srgbClr val="000000"/>
-                </a:solidFill>
-                <a:latin typeface="Courier New"/>
-                <a:ea typeface="DejaVu Sans"/>
-              </a:rPr>
-              <a:t>import music</a:t>
-            </a:r>
-            <a:endParaRPr b="0" lang="cs-CZ" sz="3200" spc="-1" strike="noStrike">
-              <a:latin typeface="Arial"/>
-            </a:endParaRPr>
-          </a:p>
-          <a:p>
-            <a:endParaRPr b="0" lang="cs-CZ" sz="3200" spc="-1" strike="noStrike">
-              <a:latin typeface="Arial"/>
-            </a:endParaRPr>
-          </a:p>
-          <a:p>
-            <a:r>
-              <a:rPr b="0" lang="cs-CZ" sz="3200" spc="-1" strike="noStrike">
-                <a:solidFill>
-                  <a:srgbClr val="000000"/>
-                </a:solidFill>
-                <a:latin typeface="Courier New"/>
-                <a:ea typeface="DejaVu Sans"/>
-              </a:rPr>
-              <a:t>music.play(music.NYAN)</a:t>
-            </a:r>
-            <a:endParaRPr b="0" lang="cs-CZ" sz="3200" spc="-1" strike="noStrike">
-              <a:latin typeface="Arial"/>
-            </a:endParaRPr>
-          </a:p>
-          <a:p>
-            <a:endParaRPr b="0" lang="cs-CZ" sz="3200" spc="-1" strike="noStrike">
-              <a:latin typeface="Arial"/>
-            </a:endParaRPr>
-          </a:p>
-          <a:p>
-            <a:pPr marL="216000" indent="-216000">
+            <a:pPr>
+              <a:lnSpc>
+                <a:spcPct val="100000"/>
+              </a:lnSpc>
+            </a:pPr>
+            <a:endParaRPr b="0" lang="cs-CZ" sz="1800" spc="-1" strike="noStrike">
+              <a:latin typeface="Arial"/>
+            </a:endParaRPr>
+          </a:p>
+          <a:p>
+            <a:pPr>
+              <a:lnSpc>
+                <a:spcPct val="100000"/>
+              </a:lnSpc>
+            </a:pPr>
+            <a:endParaRPr b="0" lang="cs-CZ" sz="1800" spc="-1" strike="noStrike">
+              <a:latin typeface="Arial"/>
+            </a:endParaRPr>
+          </a:p>
+          <a:p>
+            <a:pPr>
+              <a:lnSpc>
+                <a:spcPct val="100000"/>
+              </a:lnSpc>
+            </a:pPr>
+            <a:endParaRPr b="0" lang="cs-CZ" sz="1800" spc="-1" strike="noStrike">
+              <a:latin typeface="Arial"/>
+            </a:endParaRPr>
+          </a:p>
+          <a:p>
+            <a:pPr>
+              <a:lnSpc>
+                <a:spcPct val="100000"/>
+              </a:lnSpc>
+            </a:pPr>
+            <a:endParaRPr b="0" lang="cs-CZ" sz="1800" spc="-1" strike="noStrike">
+              <a:latin typeface="Arial"/>
+            </a:endParaRPr>
+          </a:p>
+          <a:p>
+            <a:pPr marL="216000" indent="-215640">
+              <a:lnSpc>
+                <a:spcPct val="100000"/>
+              </a:lnSpc>
               <a:buClr>
                 <a:srgbClr val="000000"/>
               </a:buClr>
@@ -5312,7 +5309,10 @@
             </a:endParaRPr>
           </a:p>
           <a:p>
-            <a:pPr lvl="1" marL="432000" indent="-216000">
+            <a:pPr lvl="1" marL="432000" indent="-215640">
+              <a:lnSpc>
+                <a:spcPct val="100000"/>
+              </a:lnSpc>
               <a:buClr>
                 <a:srgbClr val="000000"/>
               </a:buClr>
@@ -5335,7 +5335,10 @@
             </a:endParaRPr>
           </a:p>
           <a:p>
-            <a:pPr lvl="1" marL="432000" indent="-216000">
+            <a:pPr lvl="1" marL="432000" indent="-215640">
+              <a:lnSpc>
+                <a:spcPct val="100000"/>
+              </a:lnSpc>
               <a:buClr>
                 <a:srgbClr val="000000"/>
               </a:buClr>
@@ -5358,7 +5361,10 @@
             </a:endParaRPr>
           </a:p>
           <a:p>
-            <a:pPr lvl="1" marL="432000" indent="-216000">
+            <a:pPr lvl="1" marL="432000" indent="-215640">
+              <a:lnSpc>
+                <a:spcPct val="100000"/>
+              </a:lnSpc>
               <a:buClr>
                 <a:srgbClr val="000000"/>
               </a:buClr>
@@ -5375,6 +5381,213 @@
                 <a:ea typeface="DejaVu Sans"/>
               </a:rPr>
               <a:t>Zkuste jiná sluchátka</a:t>
+            </a:r>
+            <a:endParaRPr b="0" lang="cs-CZ" sz="3200" spc="-1" strike="noStrike">
+              <a:latin typeface="Arial"/>
+            </a:endParaRPr>
+          </a:p>
+        </p:txBody>
+      </p:sp>
+      <p:sp>
+        <p:nvSpPr>
+          <p:cNvPr id="122" name="TextShape 3"/>
+          <p:cNvSpPr txBox="1"/>
+          <p:nvPr/>
+        </p:nvSpPr>
+        <p:spPr>
+          <a:xfrm>
+            <a:off x="648000" y="1584000"/>
+            <a:ext cx="8136000" cy="1471680"/>
+          </a:xfrm>
+          <a:prstGeom prst="rect">
+            <a:avLst/>
+          </a:prstGeom>
+          <a:solidFill>
+            <a:srgbClr val="dddddd"/>
+          </a:solidFill>
+          <a:ln>
+            <a:solidFill>
+              <a:srgbClr val="000000"/>
+            </a:solidFill>
+          </a:ln>
+        </p:spPr>
+        <p:txBody>
+          <a:bodyPr lIns="90000" rIns="90000" tIns="45000" bIns="45000"/>
+          <a:p>
+            <a:pPr>
+              <a:lnSpc>
+                <a:spcPct val="100000"/>
+              </a:lnSpc>
+            </a:pPr>
+            <a:r>
+              <a:rPr b="0" lang="cs-CZ" sz="3200" spc="-1" strike="noStrike">
+                <a:solidFill>
+                  <a:srgbClr val="008000"/>
+                </a:solidFill>
+                <a:latin typeface="Courier New"/>
+                <a:ea typeface="DejaVu Sans"/>
+              </a:rPr>
+              <a:t>from</a:t>
+            </a:r>
+            <a:r>
+              <a:rPr b="0" lang="cs-CZ" sz="3200" spc="-1" strike="noStrike">
+                <a:solidFill>
+                  <a:srgbClr val="000000"/>
+                </a:solidFill>
+                <a:latin typeface="Courier New"/>
+                <a:ea typeface="DejaVu Sans"/>
+              </a:rPr>
+              <a:t> </a:t>
+            </a:r>
+            <a:r>
+              <a:rPr b="0" lang="cs-CZ" sz="3200" spc="-1" strike="noStrike">
+                <a:solidFill>
+                  <a:srgbClr val="0000ff"/>
+                </a:solidFill>
+                <a:latin typeface="Courier New"/>
+                <a:ea typeface="DejaVu Sans"/>
+              </a:rPr>
+              <a:t>microbit</a:t>
+            </a:r>
+            <a:r>
+              <a:rPr b="0" lang="cs-CZ" sz="3200" spc="-1" strike="noStrike">
+                <a:solidFill>
+                  <a:srgbClr val="000000"/>
+                </a:solidFill>
+                <a:latin typeface="Courier New"/>
+                <a:ea typeface="DejaVu Sans"/>
+              </a:rPr>
+              <a:t> </a:t>
+            </a:r>
+            <a:r>
+              <a:rPr b="0" lang="cs-CZ" sz="3200" spc="-1" strike="noStrike">
+                <a:solidFill>
+                  <a:srgbClr val="008000"/>
+                </a:solidFill>
+                <a:latin typeface="Courier New"/>
+                <a:ea typeface="DejaVu Sans"/>
+              </a:rPr>
+              <a:t>import</a:t>
+            </a:r>
+            <a:r>
+              <a:rPr b="0" lang="cs-CZ" sz="3200" spc="-1" strike="noStrike">
+                <a:solidFill>
+                  <a:srgbClr val="000000"/>
+                </a:solidFill>
+                <a:latin typeface="Courier New"/>
+                <a:ea typeface="DejaVu Sans"/>
+              </a:rPr>
+              <a:t> </a:t>
+            </a:r>
+            <a:r>
+              <a:rPr b="0" lang="cs-CZ" sz="3200" spc="-1" strike="noStrike">
+                <a:solidFill>
+                  <a:srgbClr val="666666"/>
+                </a:solidFill>
+                <a:latin typeface="Courier New"/>
+                <a:ea typeface="DejaVu Sans"/>
+              </a:rPr>
+              <a:t>*</a:t>
+            </a:r>
+            <a:endParaRPr b="0" lang="cs-CZ" sz="3200" spc="-1" strike="noStrike">
+              <a:latin typeface="Arial"/>
+            </a:endParaRPr>
+          </a:p>
+          <a:p>
+            <a:pPr>
+              <a:lnSpc>
+                <a:spcPct val="100000"/>
+              </a:lnSpc>
+            </a:pPr>
+            <a:r>
+              <a:rPr b="0" lang="cs-CZ" sz="3200" spc="-1" strike="noStrike">
+                <a:solidFill>
+                  <a:srgbClr val="008000"/>
+                </a:solidFill>
+                <a:latin typeface="Courier New"/>
+                <a:ea typeface="DejaVu Sans"/>
+              </a:rPr>
+              <a:t>import</a:t>
+            </a:r>
+            <a:r>
+              <a:rPr b="0" lang="cs-CZ" sz="3200" spc="-1" strike="noStrike">
+                <a:solidFill>
+                  <a:srgbClr val="000000"/>
+                </a:solidFill>
+                <a:latin typeface="Courier New"/>
+                <a:ea typeface="DejaVu Sans"/>
+              </a:rPr>
+              <a:t> </a:t>
+            </a:r>
+            <a:r>
+              <a:rPr b="0" lang="cs-CZ" sz="3200" spc="-1" strike="noStrike">
+                <a:solidFill>
+                  <a:srgbClr val="0000ff"/>
+                </a:solidFill>
+                <a:latin typeface="Courier New"/>
+                <a:ea typeface="DejaVu Sans"/>
+              </a:rPr>
+              <a:t>music</a:t>
+            </a:r>
+            <a:endParaRPr b="0" lang="cs-CZ" sz="3200" spc="-1" strike="noStrike">
+              <a:latin typeface="Arial"/>
+            </a:endParaRPr>
+          </a:p>
+          <a:p>
+            <a:pPr>
+              <a:lnSpc>
+                <a:spcPct val="100000"/>
+              </a:lnSpc>
+            </a:pPr>
+            <a:r>
+              <a:rPr b="0" lang="cs-CZ" sz="3200" spc="-1" strike="noStrike">
+                <a:solidFill>
+                  <a:srgbClr val="000000"/>
+                </a:solidFill>
+                <a:latin typeface="Courier New"/>
+                <a:ea typeface="DejaVu Sans"/>
+              </a:rPr>
+              <a:t>music</a:t>
+            </a:r>
+            <a:r>
+              <a:rPr b="0" lang="cs-CZ" sz="3200" spc="-1" strike="noStrike">
+                <a:solidFill>
+                  <a:srgbClr val="666666"/>
+                </a:solidFill>
+                <a:latin typeface="Courier New"/>
+                <a:ea typeface="DejaVu Sans"/>
+              </a:rPr>
+              <a:t>.</a:t>
+            </a:r>
+            <a:r>
+              <a:rPr b="0" lang="cs-CZ" sz="3200" spc="-1" strike="noStrike">
+                <a:solidFill>
+                  <a:srgbClr val="000000"/>
+                </a:solidFill>
+                <a:latin typeface="Courier New"/>
+                <a:ea typeface="DejaVu Sans"/>
+              </a:rPr>
+              <a:t>play(music</a:t>
+            </a:r>
+            <a:r>
+              <a:rPr b="0" lang="cs-CZ" sz="3200" spc="-1" strike="noStrike">
+                <a:solidFill>
+                  <a:srgbClr val="666666"/>
+                </a:solidFill>
+                <a:latin typeface="Courier New"/>
+                <a:ea typeface="DejaVu Sans"/>
+              </a:rPr>
+              <a:t>.</a:t>
+            </a:r>
+            <a:r>
+              <a:rPr b="0" lang="cs-CZ" sz="3200" spc="-1" strike="noStrike">
+                <a:solidFill>
+                  <a:srgbClr val="000000"/>
+                </a:solidFill>
+                <a:latin typeface="Courier New"/>
+                <a:ea typeface="DejaVu Sans"/>
+              </a:rPr>
+              <a:t>NYAN)</a:t>
             </a:r>
             <a:endParaRPr b="0" lang="cs-CZ" sz="3200" spc="-1" strike="noStrike">
               <a:latin typeface="Arial"/>
@@ -5433,14 +5646,14 @@
       </p:grpSpPr>
       <p:sp>
         <p:nvSpPr>
-          <p:cNvPr id="122" name="CustomShape 1"/>
+          <p:cNvPr id="123" name="CustomShape 1"/>
           <p:cNvSpPr/>
           <p:nvPr/>
         </p:nvSpPr>
         <p:spPr>
           <a:xfrm>
             <a:off x="576000" y="72000"/>
-            <a:ext cx="9069120" cy="861480"/>
+            <a:ext cx="9068760" cy="861120"/>
           </a:xfrm>
           <a:prstGeom prst="rect">
             <a:avLst/>
@@ -5482,21 +5695,25 @@
       </p:sp>
       <p:sp>
         <p:nvSpPr>
-          <p:cNvPr id="123" name="CustomShape 2"/>
+          <p:cNvPr id="124" name="CustomShape 2"/>
           <p:cNvSpPr/>
           <p:nvPr/>
         </p:nvSpPr>
         <p:spPr>
           <a:xfrm>
             <a:off x="504000" y="1769040"/>
-            <a:ext cx="9069120" cy="4382280"/>
-          </a:xfrm>
-          <a:prstGeom prst="rect">
-            <a:avLst/>
-          </a:prstGeom>
-          <a:noFill/>
+            <a:ext cx="9068760" cy="4381920"/>
+          </a:xfrm>
+          <a:prstGeom prst="rect">
+            <a:avLst/>
+          </a:prstGeom>
+          <a:solidFill>
+            <a:srgbClr val="dddddd"/>
+          </a:solidFill>
           <a:ln>
-            <a:noFill/>
+            <a:solidFill>
+              <a:srgbClr val="3465a4"/>
+            </a:solidFill>
           </a:ln>
         </p:spPr>
         <p:style>
@@ -5510,18 +5727,17 @@
             <a:normAutofit/>
           </a:bodyPr>
           <a:p>
-            <a:pPr marL="609480" indent="-228600">
+            <a:pPr marL="609480" indent="-228240">
               <a:lnSpc>
                 <a:spcPct val="100000"/>
               </a:lnSpc>
             </a:pPr>
             <a:endParaRPr b="0" lang="cs-CZ" sz="1800" spc="-1" strike="noStrike">
-              <a:latin typeface="Courier New"/>
-              <a:ea typeface="Noto Sans CJK SC Regular"/>
-            </a:endParaRPr>
-          </a:p>
-          <a:p>
-            <a:pPr>
+              <a:latin typeface="Arial"/>
+            </a:endParaRPr>
+          </a:p>
+          <a:p>
+            <a:pPr marL="609480" indent="-228240">
               <a:lnSpc>
                 <a:spcPct val="100000"/>
               </a:lnSpc>
@@ -5535,20 +5751,89 @@
             <a:r>
               <a:rPr b="0" lang="cs-CZ" sz="3200" spc="-1" strike="noStrike">
                 <a:solidFill>
+                  <a:srgbClr val="008000"/>
+                </a:solidFill>
+                <a:latin typeface="Courier New"/>
+                <a:ea typeface="DejaVu Sans"/>
+              </a:rPr>
+              <a:t>fro</a:t>
+            </a:r>
+            <a:r>
+              <a:rPr b="0" lang="cs-CZ" sz="3200" spc="-1" strike="noStrike">
+                <a:solidFill>
                   <a:srgbClr val="000000"/>
                 </a:solidFill>
                 <a:latin typeface="Courier New"/>
                 <a:ea typeface="DejaVu Sans"/>
               </a:rPr>
-              <a:t>from microbit import *</a:t>
-            </a:r>
-            <a:endParaRPr b="0" lang="cs-CZ" sz="3200" spc="-1" strike="noStrike">
-              <a:latin typeface="Arial"/>
-              <a:ea typeface="Noto Sans CJK SC Regular"/>
-            </a:endParaRPr>
-          </a:p>
-          <a:p>
-            <a:pPr>
+              <a:t>m</a:t>
+            </a:r>
+            <a:r>
+              <a:rPr b="0" lang="cs-CZ" sz="3200" spc="-1" strike="noStrike">
+                <a:solidFill>
+                  <a:srgbClr val="0000ff"/>
+                </a:solidFill>
+                <a:latin typeface="Courier New"/>
+                <a:ea typeface="DejaVu Sans"/>
+              </a:rPr>
+              <a:t> microbi</a:t>
+            </a:r>
+            <a:r>
+              <a:rPr b="0" lang="cs-CZ" sz="3200" spc="-1" strike="noStrike">
+                <a:solidFill>
+                  <a:srgbClr val="000000"/>
+                </a:solidFill>
+                <a:latin typeface="Courier New"/>
+                <a:ea typeface="DejaVu Sans"/>
+              </a:rPr>
+              <a:t>t</a:t>
+            </a:r>
+            <a:r>
+              <a:rPr b="0" lang="cs-CZ" sz="3200" spc="-1" strike="noStrike">
+                <a:solidFill>
+                  <a:srgbClr val="008000"/>
+                </a:solidFill>
+                <a:latin typeface="Courier New"/>
+                <a:ea typeface="DejaVu Sans"/>
+              </a:rPr>
+              <a:t> impor</a:t>
+            </a:r>
+            <a:r>
+              <a:rPr b="0" lang="cs-CZ" sz="3200" spc="-1" strike="noStrike">
+                <a:solidFill>
+                  <a:srgbClr val="000000"/>
+                </a:solidFill>
+                <a:latin typeface="Courier New"/>
+                <a:ea typeface="DejaVu Sans"/>
+              </a:rPr>
+              <a:t>t</a:t>
+            </a:r>
+            <a:r>
+              <a:rPr b="0" lang="cs-CZ" sz="3200" spc="-1" strike="noStrike">
+                <a:solidFill>
+                  <a:srgbClr val="666666"/>
+                </a:solidFill>
+                <a:latin typeface="Courier New"/>
+                <a:ea typeface="DejaVu Sans"/>
+              </a:rPr>
+              <a:t> </a:t>
+            </a:r>
+            <a:r>
+              <a:rPr b="0" lang="cs-CZ" sz="3200" spc="-1" strike="noStrike">
+                <a:solidFill>
+                  <a:srgbClr val="000000"/>
+                </a:solidFill>
+                <a:latin typeface="Courier New"/>
+                <a:ea typeface="DejaVu Sans"/>
+              </a:rPr>
+              <a:t>*</a:t>
+            </a:r>
+            <a:endParaRPr b="0" lang="cs-CZ" sz="3200" spc="-1" strike="noStrike">
+              <a:latin typeface="Arial"/>
+            </a:endParaRPr>
+          </a:p>
+          <a:p>
+            <a:pPr marL="609480" indent="-228240">
               <a:lnSpc>
                 <a:spcPct val="100000"/>
               </a:lnSpc>
@@ -5561,18 +5846,50 @@
             </a:pPr>
             <a:r>
               <a:rPr b="0" lang="cs-CZ" sz="3200" spc="-1" strike="noStrike">
+                <a:solidFill>
+                  <a:srgbClr val="008000"/>
+                </a:solidFill>
                 <a:latin typeface="Courier New"/>
                 <a:ea typeface="Noto Sans CJK SC Regular"/>
               </a:rPr>
-              <a:t>import music</a:t>
-            </a:r>
-            <a:endParaRPr b="0" lang="cs-CZ" sz="3200" spc="-1" strike="noStrike">
-              <a:latin typeface="Arial"/>
-              <a:ea typeface="Noto Sans CJK SC Regular"/>
-            </a:endParaRPr>
-          </a:p>
-          <a:p>
-            <a:pPr>
+              <a:t>impor</a:t>
+            </a:r>
+            <a:r>
+              <a:rPr b="0" lang="cs-CZ" sz="3200" spc="-1" strike="noStrike">
+                <a:solidFill>
+                  <a:srgbClr val="000000"/>
+                </a:solidFill>
+                <a:latin typeface="Courier New"/>
+                <a:ea typeface="Noto Sans CJK SC Regular"/>
+              </a:rPr>
+              <a:t>t</a:t>
+            </a:r>
+            <a:r>
+              <a:rPr b="0" lang="cs-CZ" sz="3200" spc="-1" strike="noStrike">
+                <a:solidFill>
+                  <a:srgbClr val="0000ff"/>
+                </a:solidFill>
+                <a:latin typeface="Courier New"/>
+                <a:ea typeface="Noto Sans CJK SC Regular"/>
+              </a:rPr>
+              <a:t> musi</a:t>
+            </a:r>
+            <a:r>
+              <a:rPr b="0" lang="cs-CZ" sz="3200" spc="-1" strike="noStrike">
+                <a:solidFill>
+                  <a:srgbClr val="000000"/>
+                </a:solidFill>
+                <a:latin typeface="Courier New"/>
+                <a:ea typeface="Noto Sans CJK SC Regular"/>
+              </a:rPr>
+              <a:t>c</a:t>
+            </a:r>
+            <a:endParaRPr b="0" lang="cs-CZ" sz="3200" spc="-1" strike="noStrike">
+              <a:latin typeface="Arial"/>
+            </a:endParaRPr>
+          </a:p>
+          <a:p>
+            <a:pPr marL="609480" indent="-228240">
               <a:lnSpc>
                 <a:spcPct val="100000"/>
               </a:lnSpc>
@@ -5583,13 +5900,52 @@
                 <a:spcPts val="283"/>
               </a:spcAft>
             </a:pPr>
-            <a:endParaRPr b="0" lang="cs-CZ" sz="3200" spc="-1" strike="noStrike">
-              <a:latin typeface="Arial"/>
-              <a:ea typeface="Noto Sans CJK SC Regular"/>
-            </a:endParaRPr>
-          </a:p>
-          <a:p>
-            <a:pPr>
+            <a:r>
+              <a:rPr b="0" lang="cs-CZ" sz="3200" spc="-1" strike="noStrike">
+                <a:solidFill>
+                  <a:srgbClr val="008000"/>
+                </a:solidFill>
+                <a:latin typeface="Courier New"/>
+                <a:ea typeface="DejaVu Sans"/>
+              </a:rPr>
+              <a:t>whil</a:t>
+            </a:r>
+            <a:r>
+              <a:rPr b="0" lang="cs-CZ" sz="3200" spc="-1" strike="noStrike">
+                <a:solidFill>
+                  <a:srgbClr val="000000"/>
+                </a:solidFill>
+                <a:latin typeface="Courier New"/>
+                <a:ea typeface="DejaVu Sans"/>
+              </a:rPr>
+              <a:t>e</a:t>
+            </a:r>
+            <a:r>
+              <a:rPr b="0" lang="cs-CZ" sz="3200" spc="-1" strike="noStrike">
+                <a:solidFill>
+                  <a:srgbClr val="008000"/>
+                </a:solidFill>
+                <a:latin typeface="Courier New"/>
+                <a:ea typeface="DejaVu Sans"/>
+              </a:rPr>
+              <a:t> Tru</a:t>
+            </a:r>
+            <a:r>
+              <a:rPr b="0" lang="cs-CZ" sz="3200" spc="-1" strike="noStrike">
+                <a:solidFill>
+                  <a:srgbClr val="000000"/>
+                </a:solidFill>
+                <a:latin typeface="Courier New"/>
+                <a:ea typeface="DejaVu Sans"/>
+              </a:rPr>
+              <a:t>e:</a:t>
+            </a:r>
+            <a:endParaRPr b="0" lang="cs-CZ" sz="3200" spc="-1" strike="noStrike">
+              <a:latin typeface="Arial"/>
+            </a:endParaRPr>
+          </a:p>
+          <a:p>
+            <a:pPr marL="609480" indent="-228240">
               <a:lnSpc>
                 <a:spcPct val="100000"/>
               </a:lnSpc>
@@ -5608,15 +5964,64 @@
                 <a:latin typeface="Courier New"/>
                 <a:ea typeface="DejaVu Sans"/>
               </a:rPr>
-              <a:t>while True:</a:t>
-            </a:r>
-            <a:endParaRPr b="0" lang="cs-CZ" sz="3200" spc="-1" strike="noStrike">
-              <a:latin typeface="Arial"/>
-              <a:ea typeface="Noto Sans CJK SC Regular"/>
-            </a:endParaRPr>
-          </a:p>
-          <a:p>
-            <a:pPr>
+              <a:t>   </a:t>
+            </a:r>
+            <a:r>
+              <a:rPr b="0" lang="cs-CZ" sz="3200" spc="-1" strike="noStrike">
+                <a:solidFill>
+                  <a:srgbClr val="008000"/>
+                </a:solidFill>
+                <a:latin typeface="Courier New"/>
+                <a:ea typeface="DejaVu Sans"/>
+              </a:rPr>
+              <a:t> </a:t>
+            </a:r>
+            <a:r>
+              <a:rPr b="0" lang="cs-CZ" sz="3200" spc="-1" strike="noStrike">
+                <a:solidFill>
+                  <a:srgbClr val="008000"/>
+                </a:solidFill>
+                <a:latin typeface="Courier New"/>
+                <a:ea typeface="DejaVu Sans"/>
+              </a:rPr>
+              <a:t>i</a:t>
+            </a:r>
+            <a:r>
+              <a:rPr b="0" lang="cs-CZ" sz="3200" spc="-1" strike="noStrike">
+                <a:solidFill>
+                  <a:srgbClr val="000000"/>
+                </a:solidFill>
+                <a:latin typeface="Courier New"/>
+                <a:ea typeface="DejaVu Sans"/>
+              </a:rPr>
+              <a:t>f button_</a:t>
+            </a:r>
+            <a:r>
+              <a:rPr b="0" lang="cs-CZ" sz="3200" spc="-1" strike="noStrike">
+                <a:solidFill>
+                  <a:srgbClr val="666666"/>
+                </a:solidFill>
+                <a:latin typeface="Courier New"/>
+                <a:ea typeface="DejaVu Sans"/>
+              </a:rPr>
+              <a:t>a</a:t>
+            </a:r>
+            <a:r>
+              <a:rPr b="0" lang="cs-CZ" sz="3200" spc="-1" strike="noStrike">
+                <a:solidFill>
+                  <a:srgbClr val="000000"/>
+                </a:solidFill>
+                <a:latin typeface="Courier New"/>
+                <a:ea typeface="DejaVu Sans"/>
+              </a:rPr>
+              <a:t>.is_pressed():</a:t>
+            </a:r>
+            <a:endParaRPr b="0" lang="cs-CZ" sz="3200" spc="-1" strike="noStrike">
+              <a:latin typeface="Arial"/>
+            </a:endParaRPr>
+          </a:p>
+          <a:p>
+            <a:pPr marL="609480" indent="-228240">
               <a:lnSpc>
                 <a:spcPct val="100000"/>
               </a:lnSpc>
@@ -5635,7 +6040,7 @@
                 <a:latin typeface="Courier New"/>
                 <a:ea typeface="DejaVu Sans"/>
               </a:rPr>
-              <a:t>    </a:t>
+              <a:t>        </a:t>
             </a:r>
             <a:r>
               <a:rPr b="0" lang="cs-CZ" sz="3200" spc="-1" strike="noStrike">
@@ -5645,15 +6050,54 @@
                 <a:latin typeface="Courier New"/>
                 <a:ea typeface="DejaVu Sans"/>
               </a:rPr>
-              <a:t>if button_a.is_pressed():</a:t>
-            </a:r>
-            <a:endParaRPr b="0" lang="cs-CZ" sz="3200" spc="-1" strike="noStrike">
-              <a:latin typeface="Arial"/>
-              <a:ea typeface="Noto Sans CJK SC Regular"/>
-            </a:endParaRPr>
-          </a:p>
-          <a:p>
-            <a:pPr>
+              <a:t>displa</a:t>
+            </a:r>
+            <a:r>
+              <a:rPr b="0" lang="cs-CZ" sz="3200" spc="-1" strike="noStrike">
+                <a:solidFill>
+                  <a:srgbClr val="666666"/>
+                </a:solidFill>
+                <a:latin typeface="Courier New"/>
+                <a:ea typeface="DejaVu Sans"/>
+              </a:rPr>
+              <a:t>y</a:t>
+            </a:r>
+            <a:r>
+              <a:rPr b="0" lang="cs-CZ" sz="3200" spc="-1" strike="noStrike">
+                <a:solidFill>
+                  <a:srgbClr val="000000"/>
+                </a:solidFill>
+                <a:latin typeface="Courier New"/>
+                <a:ea typeface="DejaVu Sans"/>
+              </a:rPr>
+              <a:t>.show(Imag</a:t>
+            </a:r>
+            <a:r>
+              <a:rPr b="0" lang="cs-CZ" sz="3200" spc="-1" strike="noStrike">
+                <a:solidFill>
+                  <a:srgbClr val="666666"/>
+                </a:solidFill>
+                <a:latin typeface="Courier New"/>
+                <a:ea typeface="DejaVu Sans"/>
+              </a:rPr>
+              <a:t>e</a:t>
+            </a:r>
+            <a:r>
+              <a:rPr b="0" lang="cs-CZ" sz="3200" spc="-1" strike="noStrike">
+                <a:solidFill>
+                  <a:srgbClr val="000000"/>
+                </a:solidFill>
+                <a:latin typeface="Courier New"/>
+                <a:ea typeface="DejaVu Sans"/>
+              </a:rPr>
+              <a:t>.HAPPY)</a:t>
+            </a:r>
+            <a:endParaRPr b="0" lang="cs-CZ" sz="3200" spc="-1" strike="noStrike">
+              <a:latin typeface="Arial"/>
+            </a:endParaRPr>
+          </a:p>
+          <a:p>
+            <a:pPr marL="609480" indent="-228240">
               <a:lnSpc>
                 <a:spcPct val="100000"/>
               </a:lnSpc>
@@ -5682,15 +6126,54 @@
                 <a:latin typeface="Courier New"/>
                 <a:ea typeface="DejaVu Sans"/>
               </a:rPr>
-              <a:t>display.show(Image.HAPPY)</a:t>
-            </a:r>
-            <a:endParaRPr b="0" lang="cs-CZ" sz="3200" spc="-1" strike="noStrike">
-              <a:latin typeface="Arial"/>
-              <a:ea typeface="Noto Sans CJK SC Regular"/>
-            </a:endParaRPr>
-          </a:p>
-          <a:p>
-            <a:pPr>
+              <a:t>musi</a:t>
+            </a:r>
+            <a:r>
+              <a:rPr b="0" lang="cs-CZ" sz="3200" spc="-1" strike="noStrike">
+                <a:solidFill>
+                  <a:srgbClr val="666666"/>
+                </a:solidFill>
+                <a:latin typeface="Courier New"/>
+                <a:ea typeface="DejaVu Sans"/>
+              </a:rPr>
+              <a:t>c</a:t>
+            </a:r>
+            <a:r>
+              <a:rPr b="0" lang="cs-CZ" sz="3200" spc="-1" strike="noStrike">
+                <a:solidFill>
+                  <a:srgbClr val="000000"/>
+                </a:solidFill>
+                <a:latin typeface="Courier New"/>
+                <a:ea typeface="DejaVu Sans"/>
+              </a:rPr>
+              <a:t>.play(musi</a:t>
+            </a:r>
+            <a:r>
+              <a:rPr b="0" lang="cs-CZ" sz="3200" spc="-1" strike="noStrike">
+                <a:solidFill>
+                  <a:srgbClr val="666666"/>
+                </a:solidFill>
+                <a:latin typeface="Courier New"/>
+                <a:ea typeface="DejaVu Sans"/>
+              </a:rPr>
+              <a:t>c</a:t>
+            </a:r>
+            <a:r>
+              <a:rPr b="0" lang="cs-CZ" sz="3200" spc="-1" strike="noStrike">
+                <a:solidFill>
+                  <a:srgbClr val="000000"/>
+                </a:solidFill>
+                <a:latin typeface="Courier New"/>
+                <a:ea typeface="DejaVu Sans"/>
+              </a:rPr>
+              <a:t>.POWER_UP)</a:t>
+            </a:r>
+            <a:endParaRPr b="0" lang="cs-CZ" sz="3200" spc="-1" strike="noStrike">
+              <a:latin typeface="Arial"/>
+            </a:endParaRPr>
+          </a:p>
+          <a:p>
+            <a:pPr marL="609480" indent="-228240">
               <a:lnSpc>
                 <a:spcPct val="100000"/>
               </a:lnSpc>
@@ -5709,7 +6192,27 @@
                 <a:latin typeface="Courier New"/>
                 <a:ea typeface="DejaVu Sans"/>
               </a:rPr>
-              <a:t>        </a:t>
+              <a:t>   </a:t>
+            </a:r>
+            <a:r>
+              <a:rPr b="0" lang="cs-CZ" sz="3200" spc="-1" strike="noStrike">
+                <a:solidFill>
+                  <a:srgbClr val="008000"/>
+                </a:solidFill>
+                <a:latin typeface="Courier New"/>
+                <a:ea typeface="DejaVu Sans"/>
+              </a:rPr>
+              <a:t> </a:t>
+            </a:r>
+            <a:r>
+              <a:rPr b="0" lang="cs-CZ" sz="3200" spc="-1" strike="noStrike">
+                <a:solidFill>
+                  <a:srgbClr val="008000"/>
+                </a:solidFill>
+                <a:latin typeface="Courier New"/>
+                <a:ea typeface="DejaVu Sans"/>
+              </a:rPr>
+              <a:t>i</a:t>
             </a:r>
             <a:r>
               <a:rPr b="0" lang="cs-CZ" sz="3200" spc="-1" strike="noStrike">
@@ -5719,15 +6222,34 @@
                 <a:latin typeface="Courier New"/>
                 <a:ea typeface="DejaVu Sans"/>
               </a:rPr>
-              <a:t>music.play(music.POWER_UP)</a:t>
-            </a:r>
-            <a:endParaRPr b="0" lang="cs-CZ" sz="3200" spc="-1" strike="noStrike">
-              <a:latin typeface="Arial"/>
-              <a:ea typeface="Noto Sans CJK SC Regular"/>
-            </a:endParaRPr>
-          </a:p>
-          <a:p>
-            <a:pPr>
+              <a:t>f button_</a:t>
+            </a:r>
+            <a:r>
+              <a:rPr b="0" lang="cs-CZ" sz="3200" spc="-1" strike="noStrike">
+                <a:solidFill>
+                  <a:srgbClr val="666666"/>
+                </a:solidFill>
+                <a:latin typeface="Courier New"/>
+                <a:ea typeface="DejaVu Sans"/>
+              </a:rPr>
+              <a:t>b</a:t>
+            </a:r>
+            <a:r>
+              <a:rPr b="0" lang="cs-CZ" sz="3200" spc="-1" strike="noStrike">
+                <a:solidFill>
+                  <a:srgbClr val="000000"/>
+                </a:solidFill>
+                <a:latin typeface="Courier New"/>
+                <a:ea typeface="DejaVu Sans"/>
+              </a:rPr>
+              <a:t>.is_pressed():</a:t>
+            </a:r>
+            <a:endParaRPr b="0" lang="cs-CZ" sz="3200" spc="-1" strike="noStrike">
+              <a:latin typeface="Arial"/>
+            </a:endParaRPr>
+          </a:p>
+          <a:p>
+            <a:pPr marL="609480" indent="-228240">
               <a:lnSpc>
                 <a:spcPct val="100000"/>
               </a:lnSpc>
@@ -5746,7 +6268,7 @@
                 <a:latin typeface="Courier New"/>
                 <a:ea typeface="DejaVu Sans"/>
               </a:rPr>
-              <a:t>    </a:t>
+              <a:t>        </a:t>
             </a:r>
             <a:r>
               <a:rPr b="0" lang="cs-CZ" sz="3200" spc="-1" strike="noStrike">
@@ -5756,15 +6278,54 @@
                 <a:latin typeface="Courier New"/>
                 <a:ea typeface="DejaVu Sans"/>
               </a:rPr>
-              <a:t>if button_b.is_pressed():</a:t>
-            </a:r>
-            <a:endParaRPr b="0" lang="cs-CZ" sz="3200" spc="-1" strike="noStrike">
-              <a:latin typeface="Arial"/>
-              <a:ea typeface="Noto Sans CJK SC Regular"/>
-            </a:endParaRPr>
-          </a:p>
-          <a:p>
-            <a:pPr>
+              <a:t>displa</a:t>
+            </a:r>
+            <a:r>
+              <a:rPr b="0" lang="cs-CZ" sz="3200" spc="-1" strike="noStrike">
+                <a:solidFill>
+                  <a:srgbClr val="666666"/>
+                </a:solidFill>
+                <a:latin typeface="Courier New"/>
+                <a:ea typeface="DejaVu Sans"/>
+              </a:rPr>
+              <a:t>y</a:t>
+            </a:r>
+            <a:r>
+              <a:rPr b="0" lang="cs-CZ" sz="3200" spc="-1" strike="noStrike">
+                <a:solidFill>
+                  <a:srgbClr val="000000"/>
+                </a:solidFill>
+                <a:latin typeface="Courier New"/>
+                <a:ea typeface="DejaVu Sans"/>
+              </a:rPr>
+              <a:t>.show(Imag</a:t>
+            </a:r>
+            <a:r>
+              <a:rPr b="0" lang="cs-CZ" sz="3200" spc="-1" strike="noStrike">
+                <a:solidFill>
+                  <a:srgbClr val="666666"/>
+                </a:solidFill>
+                <a:latin typeface="Courier New"/>
+                <a:ea typeface="DejaVu Sans"/>
+              </a:rPr>
+              <a:t>e</a:t>
+            </a:r>
+            <a:r>
+              <a:rPr b="0" lang="cs-CZ" sz="3200" spc="-1" strike="noStrike">
+                <a:solidFill>
+                  <a:srgbClr val="000000"/>
+                </a:solidFill>
+                <a:latin typeface="Courier New"/>
+                <a:ea typeface="DejaVu Sans"/>
+              </a:rPr>
+              <a:t>.SAD)</a:t>
+            </a:r>
+            <a:endParaRPr b="0" lang="cs-CZ" sz="3200" spc="-1" strike="noStrike">
+              <a:latin typeface="Arial"/>
+            </a:endParaRPr>
+          </a:p>
+          <a:p>
+            <a:pPr marL="609480" indent="-228240">
               <a:lnSpc>
                 <a:spcPct val="100000"/>
               </a:lnSpc>
@@ -5793,15 +6354,54 @@
                 <a:latin typeface="Courier New"/>
                 <a:ea typeface="DejaVu Sans"/>
               </a:rPr>
-              <a:t>display.show(Image.SAD)</a:t>
-            </a:r>
-            <a:endParaRPr b="0" lang="cs-CZ" sz="3200" spc="-1" strike="noStrike">
-              <a:latin typeface="Arial"/>
-              <a:ea typeface="Noto Sans CJK SC Regular"/>
-            </a:endParaRPr>
-          </a:p>
-          <a:p>
-            <a:pPr>
+              <a:t>musi</a:t>
+            </a:r>
+            <a:r>
+              <a:rPr b="0" lang="cs-CZ" sz="3200" spc="-1" strike="noStrike">
+                <a:solidFill>
+                  <a:srgbClr val="666666"/>
+                </a:solidFill>
+                <a:latin typeface="Courier New"/>
+                <a:ea typeface="DejaVu Sans"/>
+              </a:rPr>
+              <a:t>c</a:t>
+            </a:r>
+            <a:r>
+              <a:rPr b="0" lang="cs-CZ" sz="3200" spc="-1" strike="noStrike">
+                <a:solidFill>
+                  <a:srgbClr val="000000"/>
+                </a:solidFill>
+                <a:latin typeface="Courier New"/>
+                <a:ea typeface="DejaVu Sans"/>
+              </a:rPr>
+              <a:t>.play(musi</a:t>
+            </a:r>
+            <a:r>
+              <a:rPr b="0" lang="cs-CZ" sz="3200" spc="-1" strike="noStrike">
+                <a:solidFill>
+                  <a:srgbClr val="666666"/>
+                </a:solidFill>
+                <a:latin typeface="Courier New"/>
+                <a:ea typeface="DejaVu Sans"/>
+              </a:rPr>
+              <a:t>c</a:t>
+            </a:r>
+            <a:r>
+              <a:rPr b="0" lang="cs-CZ" sz="3200" spc="-1" strike="noStrike">
+                <a:solidFill>
+                  <a:srgbClr val="000000"/>
+                </a:solidFill>
+                <a:latin typeface="Courier New"/>
+                <a:ea typeface="DejaVu Sans"/>
+              </a:rPr>
+              <a:t>.POWER_DOWN)</a:t>
+            </a:r>
+            <a:endParaRPr b="0" lang="cs-CZ" sz="3200" spc="-1" strike="noStrike">
+              <a:latin typeface="Arial"/>
+            </a:endParaRPr>
+          </a:p>
+          <a:p>
+            <a:pPr marL="609480" indent="-228240">
               <a:lnSpc>
                 <a:spcPct val="100000"/>
               </a:lnSpc>
@@ -5820,7 +6420,7 @@
                 <a:latin typeface="Courier New"/>
                 <a:ea typeface="DejaVu Sans"/>
               </a:rPr>
-              <a:t>        </a:t>
+              <a:t>    </a:t>
             </a:r>
             <a:r>
               <a:rPr b="0" lang="cs-CZ" sz="3200" spc="-1" strike="noStrike">
@@ -5830,25 +6430,18 @@
                 <a:latin typeface="Courier New"/>
                 <a:ea typeface="DejaVu Sans"/>
               </a:rPr>
-              <a:t>music.play(music.POWER_DOWN)</a:t>
-            </a:r>
-            <a:endParaRPr b="0" lang="cs-CZ" sz="3200" spc="-1" strike="noStrike">
-              <a:latin typeface="Arial"/>
-              <a:ea typeface="Noto Sans CJK SC Regular"/>
-            </a:endParaRPr>
-          </a:p>
-          <a:p>
-            <a:pPr>
-              <a:lnSpc>
-                <a:spcPct val="100000"/>
-              </a:lnSpc>
-              <a:spcBef>
-                <a:spcPts val="283"/>
-              </a:spcBef>
-              <a:spcAft>
-                <a:spcPts val="283"/>
-              </a:spcAft>
-            </a:pPr>
+              <a:t>displa</a:t>
+            </a:r>
+            <a:r>
+              <a:rPr b="0" lang="cs-CZ" sz="3200" spc="-1" strike="noStrike">
+                <a:solidFill>
+                  <a:srgbClr val="666666"/>
+                </a:solidFill>
+                <a:latin typeface="Courier New"/>
+                <a:ea typeface="DejaVu Sans"/>
+              </a:rPr>
+              <a:t>y</a:t>
+            </a:r>
             <a:r>
               <a:rPr b="0" lang="cs-CZ" sz="3200" spc="-1" strike="noStrike">
                 <a:solidFill>
@@ -5857,21 +6450,10 @@
                 <a:latin typeface="Courier New"/>
                 <a:ea typeface="DejaVu Sans"/>
               </a:rPr>
-              <a:t>    </a:t>
-            </a:r>
-            <a:r>
-              <a:rPr b="0" lang="cs-CZ" sz="3200" spc="-1" strike="noStrike">
-                <a:solidFill>
-                  <a:srgbClr val="000000"/>
-                </a:solidFill>
-                <a:latin typeface="Courier New"/>
-                <a:ea typeface="DejaVu Sans"/>
-              </a:rPr>
-              <a:t>display.clear()</a:t>
-            </a:r>
-            <a:endParaRPr b="0" lang="cs-CZ" sz="3200" spc="-1" strike="noStrike">
-              <a:latin typeface="Arial"/>
-              <a:ea typeface="Noto Sans CJK SC Regular"/>
+              <a:t>.clear()</a:t>
+            </a:r>
+            <a:endParaRPr b="0" lang="cs-CZ" sz="3200" spc="-1" strike="noStrike">
+              <a:latin typeface="Arial"/>
             </a:endParaRPr>
           </a:p>
         </p:txBody>

--- a/03-Sound/01_Pro_ucitele/Prezentace/31-zvuk.pptx
+++ b/03-Sound/01_Pro_ucitele/Prezentace/31-zvuk.pptx
@@ -1,24 +1,119 @@
 
 <file path=ppt/presentation.xml><?xml version="1.0" encoding="utf-8"?>
-<p:presentation xmlns:a="http://schemas.openxmlformats.org/drawingml/2006/main" xmlns:p="http://schemas.openxmlformats.org/presentationml/2006/main" xmlns:r="http://schemas.openxmlformats.org/officeDocument/2006/relationships" xmlns:p14="http://schemas.microsoft.com/office/powerpoint/2010/main" xmlns:p15="http://schemas.microsoft.com/office/powerpoint/2012/main" xmlns:mc="http://schemas.openxmlformats.org/markup-compatibility/2006">
+<p:presentation xmlns:a="http://schemas.openxmlformats.org/drawingml/2006/main" xmlns:r="http://schemas.openxmlformats.org/officeDocument/2006/relationships" xmlns:p="http://schemas.openxmlformats.org/presentationml/2006/main">
   <p:sldMasterIdLst>
-    <p:sldMasterId id="2147483648" r:id="rId2"/>
-    <p:sldMasterId id="2147483661" r:id="rId3"/>
-    <p:sldMasterId id="2147483674" r:id="rId4"/>
+    <p:sldMasterId id="2147483648" r:id="rId1"/>
+    <p:sldMasterId id="2147483661" r:id="rId2"/>
+    <p:sldMasterId id="2147483674" r:id="rId3"/>
   </p:sldMasterIdLst>
   <p:sldIdLst>
-    <p:sldId id="256" r:id="rId5"/>
-    <p:sldId id="257" r:id="rId6"/>
-    <p:sldId id="258" r:id="rId7"/>
-    <p:sldId id="259" r:id="rId8"/>
+    <p:sldId id="256" r:id="rId4"/>
+    <p:sldId id="257" r:id="rId5"/>
+    <p:sldId id="258" r:id="rId6"/>
+    <p:sldId id="259" r:id="rId7"/>
   </p:sldIdLst>
   <p:sldSz cx="10080625" cy="7559675"/>
-  <p:notesSz cx="7559675" cy="10691812"/>
+  <p:notesSz cx="7559675" cy="10691813"/>
+  <p:defaultTextStyle>
+    <a:defPPr>
+      <a:defRPr lang="cs-CZ"/>
+    </a:defPPr>
+    <a:lvl1pPr marL="0" algn="l" defTabSz="914400" rtl="0" eaLnBrk="1" latinLnBrk="0" hangingPunct="1">
+      <a:defRPr sz="1800" kern="1200">
+        <a:solidFill>
+          <a:schemeClr val="tx1"/>
+        </a:solidFill>
+        <a:latin typeface="+mn-lt"/>
+        <a:ea typeface="+mn-ea"/>
+        <a:cs typeface="+mn-cs"/>
+      </a:defRPr>
+    </a:lvl1pPr>
+    <a:lvl2pPr marL="457200" algn="l" defTabSz="914400" rtl="0" eaLnBrk="1" latinLnBrk="0" hangingPunct="1">
+      <a:defRPr sz="1800" kern="1200">
+        <a:solidFill>
+          <a:schemeClr val="tx1"/>
+        </a:solidFill>
+        <a:latin typeface="+mn-lt"/>
+        <a:ea typeface="+mn-ea"/>
+        <a:cs typeface="+mn-cs"/>
+      </a:defRPr>
+    </a:lvl2pPr>
+    <a:lvl3pPr marL="914400" algn="l" defTabSz="914400" rtl="0" eaLnBrk="1" latinLnBrk="0" hangingPunct="1">
+      <a:defRPr sz="1800" kern="1200">
+        <a:solidFill>
+          <a:schemeClr val="tx1"/>
+        </a:solidFill>
+        <a:latin typeface="+mn-lt"/>
+        <a:ea typeface="+mn-ea"/>
+        <a:cs typeface="+mn-cs"/>
+      </a:defRPr>
+    </a:lvl3pPr>
+    <a:lvl4pPr marL="1371600" algn="l" defTabSz="914400" rtl="0" eaLnBrk="1" latinLnBrk="0" hangingPunct="1">
+      <a:defRPr sz="1800" kern="1200">
+        <a:solidFill>
+          <a:schemeClr val="tx1"/>
+        </a:solidFill>
+        <a:latin typeface="+mn-lt"/>
+        <a:ea typeface="+mn-ea"/>
+        <a:cs typeface="+mn-cs"/>
+      </a:defRPr>
+    </a:lvl4pPr>
+    <a:lvl5pPr marL="1828800" algn="l" defTabSz="914400" rtl="0" eaLnBrk="1" latinLnBrk="0" hangingPunct="1">
+      <a:defRPr sz="1800" kern="1200">
+        <a:solidFill>
+          <a:schemeClr val="tx1"/>
+        </a:solidFill>
+        <a:latin typeface="+mn-lt"/>
+        <a:ea typeface="+mn-ea"/>
+        <a:cs typeface="+mn-cs"/>
+      </a:defRPr>
+    </a:lvl5pPr>
+    <a:lvl6pPr marL="2286000" algn="l" defTabSz="914400" rtl="0" eaLnBrk="1" latinLnBrk="0" hangingPunct="1">
+      <a:defRPr sz="1800" kern="1200">
+        <a:solidFill>
+          <a:schemeClr val="tx1"/>
+        </a:solidFill>
+        <a:latin typeface="+mn-lt"/>
+        <a:ea typeface="+mn-ea"/>
+        <a:cs typeface="+mn-cs"/>
+      </a:defRPr>
+    </a:lvl6pPr>
+    <a:lvl7pPr marL="2743200" algn="l" defTabSz="914400" rtl="0" eaLnBrk="1" latinLnBrk="0" hangingPunct="1">
+      <a:defRPr sz="1800" kern="1200">
+        <a:solidFill>
+          <a:schemeClr val="tx1"/>
+        </a:solidFill>
+        <a:latin typeface="+mn-lt"/>
+        <a:ea typeface="+mn-ea"/>
+        <a:cs typeface="+mn-cs"/>
+      </a:defRPr>
+    </a:lvl7pPr>
+    <a:lvl8pPr marL="3200400" algn="l" defTabSz="914400" rtl="0" eaLnBrk="1" latinLnBrk="0" hangingPunct="1">
+      <a:defRPr sz="1800" kern="1200">
+        <a:solidFill>
+          <a:schemeClr val="tx1"/>
+        </a:solidFill>
+        <a:latin typeface="+mn-lt"/>
+        <a:ea typeface="+mn-ea"/>
+        <a:cs typeface="+mn-cs"/>
+      </a:defRPr>
+    </a:lvl8pPr>
+    <a:lvl9pPr marL="3657600" algn="l" defTabSz="914400" rtl="0" eaLnBrk="1" latinLnBrk="0" hangingPunct="1">
+      <a:defRPr sz="1800" kern="1200">
+        <a:solidFill>
+          <a:schemeClr val="tx1"/>
+        </a:solidFill>
+        <a:latin typeface="+mn-lt"/>
+        <a:ea typeface="+mn-ea"/>
+        <a:cs typeface="+mn-cs"/>
+      </a:defRPr>
+    </a:lvl9pPr>
+  </p:defaultTextStyle>
 </p:presentation>
 </file>
 
 <file path=ppt/slideLayouts/slideLayout1.xml><?xml version="1.0" encoding="utf-8"?>
-<p:sldLayout xmlns:a="http://schemas.openxmlformats.org/drawingml/2006/main" xmlns:p="http://schemas.openxmlformats.org/presentationml/2006/main" xmlns:r="http://schemas.openxmlformats.org/officeDocument/2006/relationships" xmlns:p14="http://schemas.microsoft.com/office/powerpoint/2010/main" xmlns:p15="http://schemas.microsoft.com/office/powerpoint/2012/main" xmlns:mc="http://schemas.openxmlformats.org/markup-compatibility/2006" type="blank" preserve="1">
+<p:sldLayout xmlns:a="http://schemas.openxmlformats.org/drawingml/2006/main" xmlns:r="http://schemas.openxmlformats.org/officeDocument/2006/relationships" xmlns:p="http://schemas.openxmlformats.org/presentationml/2006/main" type="blank" preserve="1">
   <p:cSld name="Blank Slide">
     <p:spTree>
       <p:nvGrpSpPr>
@@ -36,11 +131,14 @@
       </p:grpSpPr>
     </p:spTree>
   </p:cSld>
+  <p:clrMapOvr>
+    <a:masterClrMapping/>
+  </p:clrMapOvr>
 </p:sldLayout>
 </file>
 
 <file path=ppt/slideLayouts/slideLayout10.xml><?xml version="1.0" encoding="utf-8"?>
-<p:sldLayout xmlns:a="http://schemas.openxmlformats.org/drawingml/2006/main" xmlns:p="http://schemas.openxmlformats.org/presentationml/2006/main" xmlns:r="http://schemas.openxmlformats.org/officeDocument/2006/relationships" xmlns:p14="http://schemas.microsoft.com/office/powerpoint/2010/main" xmlns:p15="http://schemas.microsoft.com/office/powerpoint/2012/main" xmlns:mc="http://schemas.openxmlformats.org/markup-compatibility/2006" type="objOverTx" preserve="1">
+<p:sldLayout xmlns:a="http://schemas.openxmlformats.org/drawingml/2006/main" xmlns:r="http://schemas.openxmlformats.org/officeDocument/2006/relationships" xmlns:p="http://schemas.openxmlformats.org/presentationml/2006/main" type="objOverTx" preserve="1">
   <p:cSld name="Title, Content over Content">
     <p:spTree>
       <p:nvGrpSpPr>
@@ -76,10 +174,11 @@
           </a:prstGeom>
         </p:spPr>
         <p:txBody>
-          <a:bodyPr lIns="0" rIns="0" tIns="0" bIns="0" anchor="ctr"/>
+          <a:bodyPr lIns="0" tIns="0" rIns="0" bIns="0" anchor="ctr"/>
+          <a:lstStyle/>
           <a:p>
             <a:pPr algn="ctr"/>
-            <a:endParaRPr b="0" lang="cs-CZ" sz="4400" spc="-1" strike="noStrike">
+            <a:endParaRPr lang="cs-CZ" sz="4400" b="0" strike="noStrike" spc="-1">
               <a:latin typeface="Arial"/>
             </a:endParaRPr>
           </a:p>
@@ -105,11 +204,12 @@
           </a:prstGeom>
         </p:spPr>
         <p:txBody>
-          <a:bodyPr lIns="0" rIns="0" tIns="0" bIns="0">
+          <a:bodyPr lIns="0" tIns="0" rIns="0" bIns="0">
             <a:normAutofit/>
           </a:bodyPr>
-          <a:p>
-            <a:endParaRPr b="0" lang="cs-CZ" sz="3200" spc="-1" strike="noStrike">
+          <a:lstStyle/>
+          <a:p>
+            <a:endParaRPr lang="cs-CZ" sz="3200" b="0" strike="noStrike" spc="-1">
               <a:latin typeface="Arial"/>
             </a:endParaRPr>
           </a:p>
@@ -135,11 +235,12 @@
           </a:prstGeom>
         </p:spPr>
         <p:txBody>
-          <a:bodyPr lIns="0" rIns="0" tIns="0" bIns="0">
+          <a:bodyPr lIns="0" tIns="0" rIns="0" bIns="0">
             <a:normAutofit/>
           </a:bodyPr>
-          <a:p>
-            <a:endParaRPr b="0" lang="cs-CZ" sz="3200" spc="-1" strike="noStrike">
+          <a:lstStyle/>
+          <a:p>
+            <a:endParaRPr lang="cs-CZ" sz="3200" b="0" strike="noStrike" spc="-1">
               <a:latin typeface="Arial"/>
             </a:endParaRPr>
           </a:p>
@@ -147,11 +248,14 @@
       </p:sp>
     </p:spTree>
   </p:cSld>
+  <p:clrMapOvr>
+    <a:masterClrMapping/>
+  </p:clrMapOvr>
 </p:sldLayout>
 </file>
 
 <file path=ppt/slideLayouts/slideLayout11.xml><?xml version="1.0" encoding="utf-8"?>
-<p:sldLayout xmlns:a="http://schemas.openxmlformats.org/drawingml/2006/main" xmlns:p="http://schemas.openxmlformats.org/presentationml/2006/main" xmlns:r="http://schemas.openxmlformats.org/officeDocument/2006/relationships" xmlns:p14="http://schemas.microsoft.com/office/powerpoint/2010/main" xmlns:p15="http://schemas.microsoft.com/office/powerpoint/2012/main" xmlns:mc="http://schemas.openxmlformats.org/markup-compatibility/2006" type="fourObj" preserve="1">
+<p:sldLayout xmlns:a="http://schemas.openxmlformats.org/drawingml/2006/main" xmlns:r="http://schemas.openxmlformats.org/officeDocument/2006/relationships" xmlns:p="http://schemas.openxmlformats.org/presentationml/2006/main" type="fourObj" preserve="1">
   <p:cSld name="Title, 4 Content">
     <p:spTree>
       <p:nvGrpSpPr>
@@ -187,10 +291,11 @@
           </a:prstGeom>
         </p:spPr>
         <p:txBody>
-          <a:bodyPr lIns="0" rIns="0" tIns="0" bIns="0" anchor="ctr"/>
+          <a:bodyPr lIns="0" tIns="0" rIns="0" bIns="0" anchor="ctr"/>
+          <a:lstStyle/>
           <a:p>
             <a:pPr algn="ctr"/>
-            <a:endParaRPr b="0" lang="cs-CZ" sz="4400" spc="-1" strike="noStrike">
+            <a:endParaRPr lang="cs-CZ" sz="4400" b="0" strike="noStrike" spc="-1">
               <a:latin typeface="Arial"/>
             </a:endParaRPr>
           </a:p>
@@ -216,11 +321,12 @@
           </a:prstGeom>
         </p:spPr>
         <p:txBody>
-          <a:bodyPr lIns="0" rIns="0" tIns="0" bIns="0">
+          <a:bodyPr lIns="0" tIns="0" rIns="0" bIns="0">
             <a:normAutofit/>
           </a:bodyPr>
-          <a:p>
-            <a:endParaRPr b="0" lang="cs-CZ" sz="3200" spc="-1" strike="noStrike">
+          <a:lstStyle/>
+          <a:p>
+            <a:endParaRPr lang="cs-CZ" sz="3200" b="0" strike="noStrike" spc="-1">
               <a:latin typeface="Arial"/>
             </a:endParaRPr>
           </a:p>
@@ -246,11 +352,12 @@
           </a:prstGeom>
         </p:spPr>
         <p:txBody>
-          <a:bodyPr lIns="0" rIns="0" tIns="0" bIns="0">
+          <a:bodyPr lIns="0" tIns="0" rIns="0" bIns="0">
             <a:normAutofit/>
           </a:bodyPr>
-          <a:p>
-            <a:endParaRPr b="0" lang="cs-CZ" sz="3200" spc="-1" strike="noStrike">
+          <a:lstStyle/>
+          <a:p>
+            <a:endParaRPr lang="cs-CZ" sz="3200" b="0" strike="noStrike" spc="-1">
               <a:latin typeface="Arial"/>
             </a:endParaRPr>
           </a:p>
@@ -276,11 +383,12 @@
           </a:prstGeom>
         </p:spPr>
         <p:txBody>
-          <a:bodyPr lIns="0" rIns="0" tIns="0" bIns="0">
+          <a:bodyPr lIns="0" tIns="0" rIns="0" bIns="0">
             <a:normAutofit/>
           </a:bodyPr>
-          <a:p>
-            <a:endParaRPr b="0" lang="cs-CZ" sz="3200" spc="-1" strike="noStrike">
+          <a:lstStyle/>
+          <a:p>
+            <a:endParaRPr lang="cs-CZ" sz="3200" b="0" strike="noStrike" spc="-1">
               <a:latin typeface="Arial"/>
             </a:endParaRPr>
           </a:p>
@@ -306,11 +414,12 @@
           </a:prstGeom>
         </p:spPr>
         <p:txBody>
-          <a:bodyPr lIns="0" rIns="0" tIns="0" bIns="0">
+          <a:bodyPr lIns="0" tIns="0" rIns="0" bIns="0">
             <a:normAutofit/>
           </a:bodyPr>
-          <a:p>
-            <a:endParaRPr b="0" lang="cs-CZ" sz="3200" spc="-1" strike="noStrike">
+          <a:lstStyle/>
+          <a:p>
+            <a:endParaRPr lang="cs-CZ" sz="3200" b="0" strike="noStrike" spc="-1">
               <a:latin typeface="Arial"/>
             </a:endParaRPr>
           </a:p>
@@ -318,11 +427,14 @@
       </p:sp>
     </p:spTree>
   </p:cSld>
+  <p:clrMapOvr>
+    <a:masterClrMapping/>
+  </p:clrMapOvr>
 </p:sldLayout>
 </file>
 
 <file path=ppt/slideLayouts/slideLayout12.xml><?xml version="1.0" encoding="utf-8"?>
-<p:sldLayout xmlns:a="http://schemas.openxmlformats.org/drawingml/2006/main" xmlns:p="http://schemas.openxmlformats.org/presentationml/2006/main" xmlns:r="http://schemas.openxmlformats.org/officeDocument/2006/relationships" xmlns:p14="http://schemas.microsoft.com/office/powerpoint/2010/main" xmlns:p15="http://schemas.microsoft.com/office/powerpoint/2012/main" xmlns:mc="http://schemas.openxmlformats.org/markup-compatibility/2006" type="blank" preserve="1">
+<p:sldLayout xmlns:a="http://schemas.openxmlformats.org/drawingml/2006/main" xmlns:r="http://schemas.openxmlformats.org/officeDocument/2006/relationships" xmlns:p="http://schemas.openxmlformats.org/presentationml/2006/main" type="blank" preserve="1">
   <p:cSld name="Title, 6 Content">
     <p:spTree>
       <p:nvGrpSpPr>
@@ -358,10 +470,11 @@
           </a:prstGeom>
         </p:spPr>
         <p:txBody>
-          <a:bodyPr lIns="0" rIns="0" tIns="0" bIns="0" anchor="ctr"/>
+          <a:bodyPr lIns="0" tIns="0" rIns="0" bIns="0" anchor="ctr"/>
+          <a:lstStyle/>
           <a:p>
             <a:pPr algn="ctr"/>
-            <a:endParaRPr b="0" lang="cs-CZ" sz="4400" spc="-1" strike="noStrike">
+            <a:endParaRPr lang="cs-CZ" sz="4400" b="0" strike="noStrike" spc="-1">
               <a:latin typeface="Arial"/>
             </a:endParaRPr>
           </a:p>
@@ -387,11 +500,12 @@
           </a:prstGeom>
         </p:spPr>
         <p:txBody>
-          <a:bodyPr lIns="0" rIns="0" tIns="0" bIns="0">
+          <a:bodyPr lIns="0" tIns="0" rIns="0" bIns="0">
             <a:normAutofit/>
           </a:bodyPr>
-          <a:p>
-            <a:endParaRPr b="0" lang="cs-CZ" sz="3200" spc="-1" strike="noStrike">
+          <a:lstStyle/>
+          <a:p>
+            <a:endParaRPr lang="cs-CZ" sz="3200" b="0" strike="noStrike" spc="-1">
               <a:latin typeface="Arial"/>
             </a:endParaRPr>
           </a:p>
@@ -417,11 +531,12 @@
           </a:prstGeom>
         </p:spPr>
         <p:txBody>
-          <a:bodyPr lIns="0" rIns="0" tIns="0" bIns="0">
+          <a:bodyPr lIns="0" tIns="0" rIns="0" bIns="0">
             <a:normAutofit/>
           </a:bodyPr>
-          <a:p>
-            <a:endParaRPr b="0" lang="cs-CZ" sz="3200" spc="-1" strike="noStrike">
+          <a:lstStyle/>
+          <a:p>
+            <a:endParaRPr lang="cs-CZ" sz="3200" b="0" strike="noStrike" spc="-1">
               <a:latin typeface="Arial"/>
             </a:endParaRPr>
           </a:p>
@@ -447,11 +562,12 @@
           </a:prstGeom>
         </p:spPr>
         <p:txBody>
-          <a:bodyPr lIns="0" rIns="0" tIns="0" bIns="0">
+          <a:bodyPr lIns="0" tIns="0" rIns="0" bIns="0">
             <a:normAutofit/>
           </a:bodyPr>
-          <a:p>
-            <a:endParaRPr b="0" lang="cs-CZ" sz="3200" spc="-1" strike="noStrike">
+          <a:lstStyle/>
+          <a:p>
+            <a:endParaRPr lang="cs-CZ" sz="3200" b="0" strike="noStrike" spc="-1">
               <a:latin typeface="Arial"/>
             </a:endParaRPr>
           </a:p>
@@ -477,11 +593,12 @@
           </a:prstGeom>
         </p:spPr>
         <p:txBody>
-          <a:bodyPr lIns="0" rIns="0" tIns="0" bIns="0">
+          <a:bodyPr lIns="0" tIns="0" rIns="0" bIns="0">
             <a:normAutofit/>
           </a:bodyPr>
-          <a:p>
-            <a:endParaRPr b="0" lang="cs-CZ" sz="3200" spc="-1" strike="noStrike">
+          <a:lstStyle/>
+          <a:p>
+            <a:endParaRPr lang="cs-CZ" sz="3200" b="0" strike="noStrike" spc="-1">
               <a:latin typeface="Arial"/>
             </a:endParaRPr>
           </a:p>
@@ -507,11 +624,12 @@
           </a:prstGeom>
         </p:spPr>
         <p:txBody>
-          <a:bodyPr lIns="0" rIns="0" tIns="0" bIns="0">
+          <a:bodyPr lIns="0" tIns="0" rIns="0" bIns="0">
             <a:normAutofit/>
           </a:bodyPr>
-          <a:p>
-            <a:endParaRPr b="0" lang="cs-CZ" sz="3200" spc="-1" strike="noStrike">
+          <a:lstStyle/>
+          <a:p>
+            <a:endParaRPr lang="cs-CZ" sz="3200" b="0" strike="noStrike" spc="-1">
               <a:latin typeface="Arial"/>
             </a:endParaRPr>
           </a:p>
@@ -537,11 +655,12 @@
           </a:prstGeom>
         </p:spPr>
         <p:txBody>
-          <a:bodyPr lIns="0" rIns="0" tIns="0" bIns="0">
+          <a:bodyPr lIns="0" tIns="0" rIns="0" bIns="0">
             <a:normAutofit/>
           </a:bodyPr>
-          <a:p>
-            <a:endParaRPr b="0" lang="cs-CZ" sz="3200" spc="-1" strike="noStrike">
+          <a:lstStyle/>
+          <a:p>
+            <a:endParaRPr lang="cs-CZ" sz="3200" b="0" strike="noStrike" spc="-1">
               <a:latin typeface="Arial"/>
             </a:endParaRPr>
           </a:p>
@@ -549,11 +668,14 @@
       </p:sp>
     </p:spTree>
   </p:cSld>
+  <p:clrMapOvr>
+    <a:masterClrMapping/>
+  </p:clrMapOvr>
 </p:sldLayout>
 </file>
 
 <file path=ppt/slideLayouts/slideLayout13.xml><?xml version="1.0" encoding="utf-8"?>
-<p:sldLayout xmlns:a="http://schemas.openxmlformats.org/drawingml/2006/main" xmlns:p="http://schemas.openxmlformats.org/presentationml/2006/main" xmlns:r="http://schemas.openxmlformats.org/officeDocument/2006/relationships" xmlns:p14="http://schemas.microsoft.com/office/powerpoint/2010/main" xmlns:p15="http://schemas.microsoft.com/office/powerpoint/2012/main" xmlns:mc="http://schemas.openxmlformats.org/markup-compatibility/2006" type="blank" preserve="1">
+<p:sldLayout xmlns:a="http://schemas.openxmlformats.org/drawingml/2006/main" xmlns:r="http://schemas.openxmlformats.org/officeDocument/2006/relationships" xmlns:p="http://schemas.openxmlformats.org/presentationml/2006/main" type="blank" preserve="1">
   <p:cSld name="Blank Slide">
     <p:spTree>
       <p:nvGrpSpPr>
@@ -571,11 +693,14 @@
       </p:grpSpPr>
     </p:spTree>
   </p:cSld>
+  <p:clrMapOvr>
+    <a:masterClrMapping/>
+  </p:clrMapOvr>
 </p:sldLayout>
 </file>
 
 <file path=ppt/slideLayouts/slideLayout14.xml><?xml version="1.0" encoding="utf-8"?>
-<p:sldLayout xmlns:a="http://schemas.openxmlformats.org/drawingml/2006/main" xmlns:p="http://schemas.openxmlformats.org/presentationml/2006/main" xmlns:r="http://schemas.openxmlformats.org/officeDocument/2006/relationships" xmlns:p14="http://schemas.microsoft.com/office/powerpoint/2010/main" xmlns:p15="http://schemas.microsoft.com/office/powerpoint/2012/main" xmlns:mc="http://schemas.openxmlformats.org/markup-compatibility/2006" type="tx" preserve="1">
+<p:sldLayout xmlns:a="http://schemas.openxmlformats.org/drawingml/2006/main" xmlns:r="http://schemas.openxmlformats.org/officeDocument/2006/relationships" xmlns:p="http://schemas.openxmlformats.org/presentationml/2006/main" type="tx" preserve="1">
   <p:cSld name="Title Slide">
     <p:spTree>
       <p:nvGrpSpPr>
@@ -611,10 +736,11 @@
           </a:prstGeom>
         </p:spPr>
         <p:txBody>
-          <a:bodyPr lIns="0" rIns="0" tIns="0" bIns="0" anchor="ctr"/>
+          <a:bodyPr lIns="0" tIns="0" rIns="0" bIns="0" anchor="ctr"/>
+          <a:lstStyle/>
           <a:p>
             <a:pPr algn="ctr"/>
-            <a:endParaRPr b="0" lang="cs-CZ" sz="4400" spc="-1" strike="noStrike">
+            <a:endParaRPr lang="cs-CZ" sz="4400" b="0" strike="noStrike" spc="-1">
               <a:latin typeface="Arial"/>
             </a:endParaRPr>
           </a:p>
@@ -640,10 +766,11 @@
           </a:prstGeom>
         </p:spPr>
         <p:txBody>
-          <a:bodyPr lIns="0" rIns="0" tIns="0" bIns="0" anchor="ctr"/>
+          <a:bodyPr lIns="0" tIns="0" rIns="0" bIns="0" anchor="ctr"/>
+          <a:lstStyle/>
           <a:p>
             <a:pPr algn="ctr"/>
-            <a:endParaRPr b="0" lang="cs-CZ" sz="3200" spc="-1" strike="noStrike">
+            <a:endParaRPr lang="cs-CZ" sz="3200" b="0" strike="noStrike" spc="-1">
               <a:latin typeface="Arial"/>
             </a:endParaRPr>
           </a:p>
@@ -651,11 +778,14 @@
       </p:sp>
     </p:spTree>
   </p:cSld>
+  <p:clrMapOvr>
+    <a:masterClrMapping/>
+  </p:clrMapOvr>
 </p:sldLayout>
 </file>
 
 <file path=ppt/slideLayouts/slideLayout15.xml><?xml version="1.0" encoding="utf-8"?>
-<p:sldLayout xmlns:a="http://schemas.openxmlformats.org/drawingml/2006/main" xmlns:p="http://schemas.openxmlformats.org/presentationml/2006/main" xmlns:r="http://schemas.openxmlformats.org/officeDocument/2006/relationships" xmlns:p14="http://schemas.microsoft.com/office/powerpoint/2010/main" xmlns:p15="http://schemas.microsoft.com/office/powerpoint/2012/main" xmlns:mc="http://schemas.openxmlformats.org/markup-compatibility/2006" type="obj" preserve="1">
+<p:sldLayout xmlns:a="http://schemas.openxmlformats.org/drawingml/2006/main" xmlns:r="http://schemas.openxmlformats.org/officeDocument/2006/relationships" xmlns:p="http://schemas.openxmlformats.org/presentationml/2006/main" type="obj" preserve="1">
   <p:cSld name="Title, Content">
     <p:spTree>
       <p:nvGrpSpPr>
@@ -691,10 +821,11 @@
           </a:prstGeom>
         </p:spPr>
         <p:txBody>
-          <a:bodyPr lIns="0" rIns="0" tIns="0" bIns="0" anchor="ctr"/>
+          <a:bodyPr lIns="0" tIns="0" rIns="0" bIns="0" anchor="ctr"/>
+          <a:lstStyle/>
           <a:p>
             <a:pPr algn="ctr"/>
-            <a:endParaRPr b="0" lang="cs-CZ" sz="4400" spc="-1" strike="noStrike">
+            <a:endParaRPr lang="cs-CZ" sz="4400" b="0" strike="noStrike" spc="-1">
               <a:latin typeface="Arial"/>
             </a:endParaRPr>
           </a:p>
@@ -720,11 +851,12 @@
           </a:prstGeom>
         </p:spPr>
         <p:txBody>
-          <a:bodyPr lIns="0" rIns="0" tIns="0" bIns="0">
+          <a:bodyPr lIns="0" tIns="0" rIns="0" bIns="0">
             <a:normAutofit/>
           </a:bodyPr>
-          <a:p>
-            <a:endParaRPr b="0" lang="cs-CZ" sz="3200" spc="-1" strike="noStrike">
+          <a:lstStyle/>
+          <a:p>
+            <a:endParaRPr lang="cs-CZ" sz="3200" b="0" strike="noStrike" spc="-1">
               <a:latin typeface="Arial"/>
             </a:endParaRPr>
           </a:p>
@@ -732,11 +864,14 @@
       </p:sp>
     </p:spTree>
   </p:cSld>
+  <p:clrMapOvr>
+    <a:masterClrMapping/>
+  </p:clrMapOvr>
 </p:sldLayout>
 </file>
 
 <file path=ppt/slideLayouts/slideLayout16.xml><?xml version="1.0" encoding="utf-8"?>
-<p:sldLayout xmlns:a="http://schemas.openxmlformats.org/drawingml/2006/main" xmlns:p="http://schemas.openxmlformats.org/presentationml/2006/main" xmlns:r="http://schemas.openxmlformats.org/officeDocument/2006/relationships" xmlns:p14="http://schemas.microsoft.com/office/powerpoint/2010/main" xmlns:p15="http://schemas.microsoft.com/office/powerpoint/2012/main" xmlns:mc="http://schemas.openxmlformats.org/markup-compatibility/2006" type="twoObj" preserve="1">
+<p:sldLayout xmlns:a="http://schemas.openxmlformats.org/drawingml/2006/main" xmlns:r="http://schemas.openxmlformats.org/officeDocument/2006/relationships" xmlns:p="http://schemas.openxmlformats.org/presentationml/2006/main" type="twoObj" preserve="1">
   <p:cSld name="Title, 2 Content">
     <p:spTree>
       <p:nvGrpSpPr>
@@ -772,10 +907,11 @@
           </a:prstGeom>
         </p:spPr>
         <p:txBody>
-          <a:bodyPr lIns="0" rIns="0" tIns="0" bIns="0" anchor="ctr"/>
+          <a:bodyPr lIns="0" tIns="0" rIns="0" bIns="0" anchor="ctr"/>
+          <a:lstStyle/>
           <a:p>
             <a:pPr algn="ctr"/>
-            <a:endParaRPr b="0" lang="cs-CZ" sz="4400" spc="-1" strike="noStrike">
+            <a:endParaRPr lang="cs-CZ" sz="4400" b="0" strike="noStrike" spc="-1">
               <a:latin typeface="Arial"/>
             </a:endParaRPr>
           </a:p>
@@ -801,11 +937,12 @@
           </a:prstGeom>
         </p:spPr>
         <p:txBody>
-          <a:bodyPr lIns="0" rIns="0" tIns="0" bIns="0">
+          <a:bodyPr lIns="0" tIns="0" rIns="0" bIns="0">
             <a:normAutofit/>
           </a:bodyPr>
-          <a:p>
-            <a:endParaRPr b="0" lang="cs-CZ" sz="3200" spc="-1" strike="noStrike">
+          <a:lstStyle/>
+          <a:p>
+            <a:endParaRPr lang="cs-CZ" sz="3200" b="0" strike="noStrike" spc="-1">
               <a:latin typeface="Arial"/>
             </a:endParaRPr>
           </a:p>
@@ -831,11 +968,12 @@
           </a:prstGeom>
         </p:spPr>
         <p:txBody>
-          <a:bodyPr lIns="0" rIns="0" tIns="0" bIns="0">
+          <a:bodyPr lIns="0" tIns="0" rIns="0" bIns="0">
             <a:normAutofit/>
           </a:bodyPr>
-          <a:p>
-            <a:endParaRPr b="0" lang="cs-CZ" sz="3200" spc="-1" strike="noStrike">
+          <a:lstStyle/>
+          <a:p>
+            <a:endParaRPr lang="cs-CZ" sz="3200" b="0" strike="noStrike" spc="-1">
               <a:latin typeface="Arial"/>
             </a:endParaRPr>
           </a:p>
@@ -843,11 +981,14 @@
       </p:sp>
     </p:spTree>
   </p:cSld>
+  <p:clrMapOvr>
+    <a:masterClrMapping/>
+  </p:clrMapOvr>
 </p:sldLayout>
 </file>
 
 <file path=ppt/slideLayouts/slideLayout17.xml><?xml version="1.0" encoding="utf-8"?>
-<p:sldLayout xmlns:a="http://schemas.openxmlformats.org/drawingml/2006/main" xmlns:p="http://schemas.openxmlformats.org/presentationml/2006/main" xmlns:r="http://schemas.openxmlformats.org/officeDocument/2006/relationships" xmlns:p14="http://schemas.microsoft.com/office/powerpoint/2010/main" xmlns:p15="http://schemas.microsoft.com/office/powerpoint/2012/main" xmlns:mc="http://schemas.openxmlformats.org/markup-compatibility/2006" type="titleOnly" preserve="1">
+<p:sldLayout xmlns:a="http://schemas.openxmlformats.org/drawingml/2006/main" xmlns:r="http://schemas.openxmlformats.org/officeDocument/2006/relationships" xmlns:p="http://schemas.openxmlformats.org/presentationml/2006/main" type="titleOnly" preserve="1">
   <p:cSld name="Title Only">
     <p:spTree>
       <p:nvGrpSpPr>
@@ -883,10 +1024,11 @@
           </a:prstGeom>
         </p:spPr>
         <p:txBody>
-          <a:bodyPr lIns="0" rIns="0" tIns="0" bIns="0" anchor="ctr"/>
+          <a:bodyPr lIns="0" tIns="0" rIns="0" bIns="0" anchor="ctr"/>
+          <a:lstStyle/>
           <a:p>
             <a:pPr algn="ctr"/>
-            <a:endParaRPr b="0" lang="cs-CZ" sz="4400" spc="-1" strike="noStrike">
+            <a:endParaRPr lang="cs-CZ" sz="4400" b="0" strike="noStrike" spc="-1">
               <a:latin typeface="Arial"/>
             </a:endParaRPr>
           </a:p>
@@ -894,11 +1036,14 @@
       </p:sp>
     </p:spTree>
   </p:cSld>
+  <p:clrMapOvr>
+    <a:masterClrMapping/>
+  </p:clrMapOvr>
 </p:sldLayout>
 </file>
 
 <file path=ppt/slideLayouts/slideLayout18.xml><?xml version="1.0" encoding="utf-8"?>
-<p:sldLayout xmlns:a="http://schemas.openxmlformats.org/drawingml/2006/main" xmlns:p="http://schemas.openxmlformats.org/presentationml/2006/main" xmlns:r="http://schemas.openxmlformats.org/officeDocument/2006/relationships" xmlns:p14="http://schemas.microsoft.com/office/powerpoint/2010/main" xmlns:p15="http://schemas.microsoft.com/office/powerpoint/2012/main" xmlns:mc="http://schemas.openxmlformats.org/markup-compatibility/2006" type="objOnly" preserve="1">
+<p:sldLayout xmlns:a="http://schemas.openxmlformats.org/drawingml/2006/main" xmlns:r="http://schemas.openxmlformats.org/officeDocument/2006/relationships" xmlns:p="http://schemas.openxmlformats.org/presentationml/2006/main" type="objOnly" preserve="1">
   <p:cSld name="Centered Text">
     <p:spTree>
       <p:nvGrpSpPr>
@@ -934,10 +1079,11 @@
           </a:prstGeom>
         </p:spPr>
         <p:txBody>
-          <a:bodyPr lIns="0" rIns="0" tIns="0" bIns="0" anchor="ctr"/>
+          <a:bodyPr lIns="0" tIns="0" rIns="0" bIns="0" anchor="ctr"/>
+          <a:lstStyle/>
           <a:p>
             <a:pPr algn="ctr"/>
-            <a:endParaRPr b="0" lang="cs-CZ" sz="3200" spc="-1" strike="noStrike">
+            <a:endParaRPr lang="cs-CZ" sz="3200" b="0" strike="noStrike" spc="-1">
               <a:latin typeface="Arial"/>
             </a:endParaRPr>
           </a:p>
@@ -945,11 +1091,14 @@
       </p:sp>
     </p:spTree>
   </p:cSld>
+  <p:clrMapOvr>
+    <a:masterClrMapping/>
+  </p:clrMapOvr>
 </p:sldLayout>
 </file>
 
 <file path=ppt/slideLayouts/slideLayout19.xml><?xml version="1.0" encoding="utf-8"?>
-<p:sldLayout xmlns:a="http://schemas.openxmlformats.org/drawingml/2006/main" xmlns:p="http://schemas.openxmlformats.org/presentationml/2006/main" xmlns:r="http://schemas.openxmlformats.org/officeDocument/2006/relationships" xmlns:p14="http://schemas.microsoft.com/office/powerpoint/2010/main" xmlns:p15="http://schemas.microsoft.com/office/powerpoint/2012/main" xmlns:mc="http://schemas.openxmlformats.org/markup-compatibility/2006" type="twoObjAndObj" preserve="1">
+<p:sldLayout xmlns:a="http://schemas.openxmlformats.org/drawingml/2006/main" xmlns:r="http://schemas.openxmlformats.org/officeDocument/2006/relationships" xmlns:p="http://schemas.openxmlformats.org/presentationml/2006/main" type="twoObjAndObj" preserve="1">
   <p:cSld name="Title, 2 Content and Content">
     <p:spTree>
       <p:nvGrpSpPr>
@@ -985,10 +1134,11 @@
           </a:prstGeom>
         </p:spPr>
         <p:txBody>
-          <a:bodyPr lIns="0" rIns="0" tIns="0" bIns="0" anchor="ctr"/>
+          <a:bodyPr lIns="0" tIns="0" rIns="0" bIns="0" anchor="ctr"/>
+          <a:lstStyle/>
           <a:p>
             <a:pPr algn="ctr"/>
-            <a:endParaRPr b="0" lang="cs-CZ" sz="4400" spc="-1" strike="noStrike">
+            <a:endParaRPr lang="cs-CZ" sz="4400" b="0" strike="noStrike" spc="-1">
               <a:latin typeface="Arial"/>
             </a:endParaRPr>
           </a:p>
@@ -1014,11 +1164,12 @@
           </a:prstGeom>
         </p:spPr>
         <p:txBody>
-          <a:bodyPr lIns="0" rIns="0" tIns="0" bIns="0">
+          <a:bodyPr lIns="0" tIns="0" rIns="0" bIns="0">
             <a:normAutofit/>
           </a:bodyPr>
-          <a:p>
-            <a:endParaRPr b="0" lang="cs-CZ" sz="3200" spc="-1" strike="noStrike">
+          <a:lstStyle/>
+          <a:p>
+            <a:endParaRPr lang="cs-CZ" sz="3200" b="0" strike="noStrike" spc="-1">
               <a:latin typeface="Arial"/>
             </a:endParaRPr>
           </a:p>
@@ -1044,11 +1195,12 @@
           </a:prstGeom>
         </p:spPr>
         <p:txBody>
-          <a:bodyPr lIns="0" rIns="0" tIns="0" bIns="0">
+          <a:bodyPr lIns="0" tIns="0" rIns="0" bIns="0">
             <a:normAutofit/>
           </a:bodyPr>
-          <a:p>
-            <a:endParaRPr b="0" lang="cs-CZ" sz="3200" spc="-1" strike="noStrike">
+          <a:lstStyle/>
+          <a:p>
+            <a:endParaRPr lang="cs-CZ" sz="3200" b="0" strike="noStrike" spc="-1">
               <a:latin typeface="Arial"/>
             </a:endParaRPr>
           </a:p>
@@ -1074,11 +1226,12 @@
           </a:prstGeom>
         </p:spPr>
         <p:txBody>
-          <a:bodyPr lIns="0" rIns="0" tIns="0" bIns="0">
+          <a:bodyPr lIns="0" tIns="0" rIns="0" bIns="0">
             <a:normAutofit/>
           </a:bodyPr>
-          <a:p>
-            <a:endParaRPr b="0" lang="cs-CZ" sz="3200" spc="-1" strike="noStrike">
+          <a:lstStyle/>
+          <a:p>
+            <a:endParaRPr lang="cs-CZ" sz="3200" b="0" strike="noStrike" spc="-1">
               <a:latin typeface="Arial"/>
             </a:endParaRPr>
           </a:p>
@@ -1086,11 +1239,14 @@
       </p:sp>
     </p:spTree>
   </p:cSld>
+  <p:clrMapOvr>
+    <a:masterClrMapping/>
+  </p:clrMapOvr>
 </p:sldLayout>
 </file>
 
 <file path=ppt/slideLayouts/slideLayout2.xml><?xml version="1.0" encoding="utf-8"?>
-<p:sldLayout xmlns:a="http://schemas.openxmlformats.org/drawingml/2006/main" xmlns:p="http://schemas.openxmlformats.org/presentationml/2006/main" xmlns:r="http://schemas.openxmlformats.org/officeDocument/2006/relationships" xmlns:p14="http://schemas.microsoft.com/office/powerpoint/2010/main" xmlns:p15="http://schemas.microsoft.com/office/powerpoint/2012/main" xmlns:mc="http://schemas.openxmlformats.org/markup-compatibility/2006" type="tx" preserve="1">
+<p:sldLayout xmlns:a="http://schemas.openxmlformats.org/drawingml/2006/main" xmlns:r="http://schemas.openxmlformats.org/officeDocument/2006/relationships" xmlns:p="http://schemas.openxmlformats.org/presentationml/2006/main" type="tx" preserve="1">
   <p:cSld name="Title Slide">
     <p:spTree>
       <p:nvGrpSpPr>
@@ -1126,10 +1282,11 @@
           </a:prstGeom>
         </p:spPr>
         <p:txBody>
-          <a:bodyPr lIns="0" rIns="0" tIns="0" bIns="0" anchor="ctr"/>
+          <a:bodyPr lIns="0" tIns="0" rIns="0" bIns="0" anchor="ctr"/>
+          <a:lstStyle/>
           <a:p>
             <a:pPr algn="ctr"/>
-            <a:endParaRPr b="0" lang="cs-CZ" sz="4400" spc="-1" strike="noStrike">
+            <a:endParaRPr lang="cs-CZ" sz="4400" b="0" strike="noStrike" spc="-1">
               <a:latin typeface="Arial"/>
             </a:endParaRPr>
           </a:p>
@@ -1155,10 +1312,11 @@
           </a:prstGeom>
         </p:spPr>
         <p:txBody>
-          <a:bodyPr lIns="0" rIns="0" tIns="0" bIns="0" anchor="ctr"/>
+          <a:bodyPr lIns="0" tIns="0" rIns="0" bIns="0" anchor="ctr"/>
+          <a:lstStyle/>
           <a:p>
             <a:pPr algn="ctr"/>
-            <a:endParaRPr b="0" lang="cs-CZ" sz="3200" spc="-1" strike="noStrike">
+            <a:endParaRPr lang="cs-CZ" sz="3200" b="0" strike="noStrike" spc="-1">
               <a:latin typeface="Arial"/>
             </a:endParaRPr>
           </a:p>
@@ -1166,11 +1324,14 @@
       </p:sp>
     </p:spTree>
   </p:cSld>
+  <p:clrMapOvr>
+    <a:masterClrMapping/>
+  </p:clrMapOvr>
 </p:sldLayout>
 </file>
 
 <file path=ppt/slideLayouts/slideLayout20.xml><?xml version="1.0" encoding="utf-8"?>
-<p:sldLayout xmlns:a="http://schemas.openxmlformats.org/drawingml/2006/main" xmlns:p="http://schemas.openxmlformats.org/presentationml/2006/main" xmlns:r="http://schemas.openxmlformats.org/officeDocument/2006/relationships" xmlns:p14="http://schemas.microsoft.com/office/powerpoint/2010/main" xmlns:p15="http://schemas.microsoft.com/office/powerpoint/2012/main" xmlns:mc="http://schemas.openxmlformats.org/markup-compatibility/2006" type="objAndTwoObj" preserve="1">
+<p:sldLayout xmlns:a="http://schemas.openxmlformats.org/drawingml/2006/main" xmlns:r="http://schemas.openxmlformats.org/officeDocument/2006/relationships" xmlns:p="http://schemas.openxmlformats.org/presentationml/2006/main" type="objAndTwoObj" preserve="1">
   <p:cSld name="Title Content and 2 Content">
     <p:spTree>
       <p:nvGrpSpPr>
@@ -1206,10 +1367,11 @@
           </a:prstGeom>
         </p:spPr>
         <p:txBody>
-          <a:bodyPr lIns="0" rIns="0" tIns="0" bIns="0" anchor="ctr"/>
+          <a:bodyPr lIns="0" tIns="0" rIns="0" bIns="0" anchor="ctr"/>
+          <a:lstStyle/>
           <a:p>
             <a:pPr algn="ctr"/>
-            <a:endParaRPr b="0" lang="cs-CZ" sz="4400" spc="-1" strike="noStrike">
+            <a:endParaRPr lang="cs-CZ" sz="4400" b="0" strike="noStrike" spc="-1">
               <a:latin typeface="Arial"/>
             </a:endParaRPr>
           </a:p>
@@ -1235,11 +1397,12 @@
           </a:prstGeom>
         </p:spPr>
         <p:txBody>
-          <a:bodyPr lIns="0" rIns="0" tIns="0" bIns="0">
+          <a:bodyPr lIns="0" tIns="0" rIns="0" bIns="0">
             <a:normAutofit/>
           </a:bodyPr>
-          <a:p>
-            <a:endParaRPr b="0" lang="cs-CZ" sz="3200" spc="-1" strike="noStrike">
+          <a:lstStyle/>
+          <a:p>
+            <a:endParaRPr lang="cs-CZ" sz="3200" b="0" strike="noStrike" spc="-1">
               <a:latin typeface="Arial"/>
             </a:endParaRPr>
           </a:p>
@@ -1265,11 +1428,12 @@
           </a:prstGeom>
         </p:spPr>
         <p:txBody>
-          <a:bodyPr lIns="0" rIns="0" tIns="0" bIns="0">
+          <a:bodyPr lIns="0" tIns="0" rIns="0" bIns="0">
             <a:normAutofit/>
           </a:bodyPr>
-          <a:p>
-            <a:endParaRPr b="0" lang="cs-CZ" sz="3200" spc="-1" strike="noStrike">
+          <a:lstStyle/>
+          <a:p>
+            <a:endParaRPr lang="cs-CZ" sz="3200" b="0" strike="noStrike" spc="-1">
               <a:latin typeface="Arial"/>
             </a:endParaRPr>
           </a:p>
@@ -1295,11 +1459,12 @@
           </a:prstGeom>
         </p:spPr>
         <p:txBody>
-          <a:bodyPr lIns="0" rIns="0" tIns="0" bIns="0">
+          <a:bodyPr lIns="0" tIns="0" rIns="0" bIns="0">
             <a:normAutofit/>
           </a:bodyPr>
-          <a:p>
-            <a:endParaRPr b="0" lang="cs-CZ" sz="3200" spc="-1" strike="noStrike">
+          <a:lstStyle/>
+          <a:p>
+            <a:endParaRPr lang="cs-CZ" sz="3200" b="0" strike="noStrike" spc="-1">
               <a:latin typeface="Arial"/>
             </a:endParaRPr>
           </a:p>
@@ -1307,11 +1472,14 @@
       </p:sp>
     </p:spTree>
   </p:cSld>
+  <p:clrMapOvr>
+    <a:masterClrMapping/>
+  </p:clrMapOvr>
 </p:sldLayout>
 </file>
 
 <file path=ppt/slideLayouts/slideLayout21.xml><?xml version="1.0" encoding="utf-8"?>
-<p:sldLayout xmlns:a="http://schemas.openxmlformats.org/drawingml/2006/main" xmlns:p="http://schemas.openxmlformats.org/presentationml/2006/main" xmlns:r="http://schemas.openxmlformats.org/officeDocument/2006/relationships" xmlns:p14="http://schemas.microsoft.com/office/powerpoint/2010/main" xmlns:p15="http://schemas.microsoft.com/office/powerpoint/2012/main" xmlns:mc="http://schemas.openxmlformats.org/markup-compatibility/2006" type="twoObjOverTx" preserve="1">
+<p:sldLayout xmlns:a="http://schemas.openxmlformats.org/drawingml/2006/main" xmlns:r="http://schemas.openxmlformats.org/officeDocument/2006/relationships" xmlns:p="http://schemas.openxmlformats.org/presentationml/2006/main" type="twoObjOverTx" preserve="1">
   <p:cSld name="Title, 2 Content over Content">
     <p:spTree>
       <p:nvGrpSpPr>
@@ -1347,10 +1515,11 @@
           </a:prstGeom>
         </p:spPr>
         <p:txBody>
-          <a:bodyPr lIns="0" rIns="0" tIns="0" bIns="0" anchor="ctr"/>
+          <a:bodyPr lIns="0" tIns="0" rIns="0" bIns="0" anchor="ctr"/>
+          <a:lstStyle/>
           <a:p>
             <a:pPr algn="ctr"/>
-            <a:endParaRPr b="0" lang="cs-CZ" sz="4400" spc="-1" strike="noStrike">
+            <a:endParaRPr lang="cs-CZ" sz="4400" b="0" strike="noStrike" spc="-1">
               <a:latin typeface="Arial"/>
             </a:endParaRPr>
           </a:p>
@@ -1376,11 +1545,12 @@
           </a:prstGeom>
         </p:spPr>
         <p:txBody>
-          <a:bodyPr lIns="0" rIns="0" tIns="0" bIns="0">
+          <a:bodyPr lIns="0" tIns="0" rIns="0" bIns="0">
             <a:normAutofit/>
           </a:bodyPr>
-          <a:p>
-            <a:endParaRPr b="0" lang="cs-CZ" sz="3200" spc="-1" strike="noStrike">
+          <a:lstStyle/>
+          <a:p>
+            <a:endParaRPr lang="cs-CZ" sz="3200" b="0" strike="noStrike" spc="-1">
               <a:latin typeface="Arial"/>
             </a:endParaRPr>
           </a:p>
@@ -1406,11 +1576,12 @@
           </a:prstGeom>
         </p:spPr>
         <p:txBody>
-          <a:bodyPr lIns="0" rIns="0" tIns="0" bIns="0">
+          <a:bodyPr lIns="0" tIns="0" rIns="0" bIns="0">
             <a:normAutofit/>
           </a:bodyPr>
-          <a:p>
-            <a:endParaRPr b="0" lang="cs-CZ" sz="3200" spc="-1" strike="noStrike">
+          <a:lstStyle/>
+          <a:p>
+            <a:endParaRPr lang="cs-CZ" sz="3200" b="0" strike="noStrike" spc="-1">
               <a:latin typeface="Arial"/>
             </a:endParaRPr>
           </a:p>
@@ -1436,11 +1607,12 @@
           </a:prstGeom>
         </p:spPr>
         <p:txBody>
-          <a:bodyPr lIns="0" rIns="0" tIns="0" bIns="0">
+          <a:bodyPr lIns="0" tIns="0" rIns="0" bIns="0">
             <a:normAutofit/>
           </a:bodyPr>
-          <a:p>
-            <a:endParaRPr b="0" lang="cs-CZ" sz="3200" spc="-1" strike="noStrike">
+          <a:lstStyle/>
+          <a:p>
+            <a:endParaRPr lang="cs-CZ" sz="3200" b="0" strike="noStrike" spc="-1">
               <a:latin typeface="Arial"/>
             </a:endParaRPr>
           </a:p>
@@ -1448,11 +1620,14 @@
       </p:sp>
     </p:spTree>
   </p:cSld>
+  <p:clrMapOvr>
+    <a:masterClrMapping/>
+  </p:clrMapOvr>
 </p:sldLayout>
 </file>
 
 <file path=ppt/slideLayouts/slideLayout22.xml><?xml version="1.0" encoding="utf-8"?>
-<p:sldLayout xmlns:a="http://schemas.openxmlformats.org/drawingml/2006/main" xmlns:p="http://schemas.openxmlformats.org/presentationml/2006/main" xmlns:r="http://schemas.openxmlformats.org/officeDocument/2006/relationships" xmlns:p14="http://schemas.microsoft.com/office/powerpoint/2010/main" xmlns:p15="http://schemas.microsoft.com/office/powerpoint/2012/main" xmlns:mc="http://schemas.openxmlformats.org/markup-compatibility/2006" type="objOverTx" preserve="1">
+<p:sldLayout xmlns:a="http://schemas.openxmlformats.org/drawingml/2006/main" xmlns:r="http://schemas.openxmlformats.org/officeDocument/2006/relationships" xmlns:p="http://schemas.openxmlformats.org/presentationml/2006/main" type="objOverTx" preserve="1">
   <p:cSld name="Title, Content over Content">
     <p:spTree>
       <p:nvGrpSpPr>
@@ -1488,10 +1663,11 @@
           </a:prstGeom>
         </p:spPr>
         <p:txBody>
-          <a:bodyPr lIns="0" rIns="0" tIns="0" bIns="0" anchor="ctr"/>
+          <a:bodyPr lIns="0" tIns="0" rIns="0" bIns="0" anchor="ctr"/>
+          <a:lstStyle/>
           <a:p>
             <a:pPr algn="ctr"/>
-            <a:endParaRPr b="0" lang="cs-CZ" sz="4400" spc="-1" strike="noStrike">
+            <a:endParaRPr lang="cs-CZ" sz="4400" b="0" strike="noStrike" spc="-1">
               <a:latin typeface="Arial"/>
             </a:endParaRPr>
           </a:p>
@@ -1517,11 +1693,12 @@
           </a:prstGeom>
         </p:spPr>
         <p:txBody>
-          <a:bodyPr lIns="0" rIns="0" tIns="0" bIns="0">
+          <a:bodyPr lIns="0" tIns="0" rIns="0" bIns="0">
             <a:normAutofit/>
           </a:bodyPr>
-          <a:p>
-            <a:endParaRPr b="0" lang="cs-CZ" sz="3200" spc="-1" strike="noStrike">
+          <a:lstStyle/>
+          <a:p>
+            <a:endParaRPr lang="cs-CZ" sz="3200" b="0" strike="noStrike" spc="-1">
               <a:latin typeface="Arial"/>
             </a:endParaRPr>
           </a:p>
@@ -1547,11 +1724,12 @@
           </a:prstGeom>
         </p:spPr>
         <p:txBody>
-          <a:bodyPr lIns="0" rIns="0" tIns="0" bIns="0">
+          <a:bodyPr lIns="0" tIns="0" rIns="0" bIns="0">
             <a:normAutofit/>
           </a:bodyPr>
-          <a:p>
-            <a:endParaRPr b="0" lang="cs-CZ" sz="3200" spc="-1" strike="noStrike">
+          <a:lstStyle/>
+          <a:p>
+            <a:endParaRPr lang="cs-CZ" sz="3200" b="0" strike="noStrike" spc="-1">
               <a:latin typeface="Arial"/>
             </a:endParaRPr>
           </a:p>
@@ -1559,11 +1737,14 @@
       </p:sp>
     </p:spTree>
   </p:cSld>
+  <p:clrMapOvr>
+    <a:masterClrMapping/>
+  </p:clrMapOvr>
 </p:sldLayout>
 </file>
 
 <file path=ppt/slideLayouts/slideLayout23.xml><?xml version="1.0" encoding="utf-8"?>
-<p:sldLayout xmlns:a="http://schemas.openxmlformats.org/drawingml/2006/main" xmlns:p="http://schemas.openxmlformats.org/presentationml/2006/main" xmlns:r="http://schemas.openxmlformats.org/officeDocument/2006/relationships" xmlns:p14="http://schemas.microsoft.com/office/powerpoint/2010/main" xmlns:p15="http://schemas.microsoft.com/office/powerpoint/2012/main" xmlns:mc="http://schemas.openxmlformats.org/markup-compatibility/2006" type="fourObj" preserve="1">
+<p:sldLayout xmlns:a="http://schemas.openxmlformats.org/drawingml/2006/main" xmlns:r="http://schemas.openxmlformats.org/officeDocument/2006/relationships" xmlns:p="http://schemas.openxmlformats.org/presentationml/2006/main" type="fourObj" preserve="1">
   <p:cSld name="Title, 4 Content">
     <p:spTree>
       <p:nvGrpSpPr>
@@ -1599,10 +1780,11 @@
           </a:prstGeom>
         </p:spPr>
         <p:txBody>
-          <a:bodyPr lIns="0" rIns="0" tIns="0" bIns="0" anchor="ctr"/>
+          <a:bodyPr lIns="0" tIns="0" rIns="0" bIns="0" anchor="ctr"/>
+          <a:lstStyle/>
           <a:p>
             <a:pPr algn="ctr"/>
-            <a:endParaRPr b="0" lang="cs-CZ" sz="4400" spc="-1" strike="noStrike">
+            <a:endParaRPr lang="cs-CZ" sz="4400" b="0" strike="noStrike" spc="-1">
               <a:latin typeface="Arial"/>
             </a:endParaRPr>
           </a:p>
@@ -1628,11 +1810,12 @@
           </a:prstGeom>
         </p:spPr>
         <p:txBody>
-          <a:bodyPr lIns="0" rIns="0" tIns="0" bIns="0">
+          <a:bodyPr lIns="0" tIns="0" rIns="0" bIns="0">
             <a:normAutofit/>
           </a:bodyPr>
-          <a:p>
-            <a:endParaRPr b="0" lang="cs-CZ" sz="3200" spc="-1" strike="noStrike">
+          <a:lstStyle/>
+          <a:p>
+            <a:endParaRPr lang="cs-CZ" sz="3200" b="0" strike="noStrike" spc="-1">
               <a:latin typeface="Arial"/>
             </a:endParaRPr>
           </a:p>
@@ -1658,11 +1841,12 @@
           </a:prstGeom>
         </p:spPr>
         <p:txBody>
-          <a:bodyPr lIns="0" rIns="0" tIns="0" bIns="0">
+          <a:bodyPr lIns="0" tIns="0" rIns="0" bIns="0">
             <a:normAutofit/>
           </a:bodyPr>
-          <a:p>
-            <a:endParaRPr b="0" lang="cs-CZ" sz="3200" spc="-1" strike="noStrike">
+          <a:lstStyle/>
+          <a:p>
+            <a:endParaRPr lang="cs-CZ" sz="3200" b="0" strike="noStrike" spc="-1">
               <a:latin typeface="Arial"/>
             </a:endParaRPr>
           </a:p>
@@ -1688,11 +1872,12 @@
           </a:prstGeom>
         </p:spPr>
         <p:txBody>
-          <a:bodyPr lIns="0" rIns="0" tIns="0" bIns="0">
+          <a:bodyPr lIns="0" tIns="0" rIns="0" bIns="0">
             <a:normAutofit/>
           </a:bodyPr>
-          <a:p>
-            <a:endParaRPr b="0" lang="cs-CZ" sz="3200" spc="-1" strike="noStrike">
+          <a:lstStyle/>
+          <a:p>
+            <a:endParaRPr lang="cs-CZ" sz="3200" b="0" strike="noStrike" spc="-1">
               <a:latin typeface="Arial"/>
             </a:endParaRPr>
           </a:p>
@@ -1718,11 +1903,12 @@
           </a:prstGeom>
         </p:spPr>
         <p:txBody>
-          <a:bodyPr lIns="0" rIns="0" tIns="0" bIns="0">
+          <a:bodyPr lIns="0" tIns="0" rIns="0" bIns="0">
             <a:normAutofit/>
           </a:bodyPr>
-          <a:p>
-            <a:endParaRPr b="0" lang="cs-CZ" sz="3200" spc="-1" strike="noStrike">
+          <a:lstStyle/>
+          <a:p>
+            <a:endParaRPr lang="cs-CZ" sz="3200" b="0" strike="noStrike" spc="-1">
               <a:latin typeface="Arial"/>
             </a:endParaRPr>
           </a:p>
@@ -1730,11 +1916,14 @@
       </p:sp>
     </p:spTree>
   </p:cSld>
+  <p:clrMapOvr>
+    <a:masterClrMapping/>
+  </p:clrMapOvr>
 </p:sldLayout>
 </file>
 
 <file path=ppt/slideLayouts/slideLayout24.xml><?xml version="1.0" encoding="utf-8"?>
-<p:sldLayout xmlns:a="http://schemas.openxmlformats.org/drawingml/2006/main" xmlns:p="http://schemas.openxmlformats.org/presentationml/2006/main" xmlns:r="http://schemas.openxmlformats.org/officeDocument/2006/relationships" xmlns:p14="http://schemas.microsoft.com/office/powerpoint/2010/main" xmlns:p15="http://schemas.microsoft.com/office/powerpoint/2012/main" xmlns:mc="http://schemas.openxmlformats.org/markup-compatibility/2006" type="blank" preserve="1">
+<p:sldLayout xmlns:a="http://schemas.openxmlformats.org/drawingml/2006/main" xmlns:r="http://schemas.openxmlformats.org/officeDocument/2006/relationships" xmlns:p="http://schemas.openxmlformats.org/presentationml/2006/main" type="blank" preserve="1">
   <p:cSld name="Title, 6 Content">
     <p:spTree>
       <p:nvGrpSpPr>
@@ -1770,10 +1959,11 @@
           </a:prstGeom>
         </p:spPr>
         <p:txBody>
-          <a:bodyPr lIns="0" rIns="0" tIns="0" bIns="0" anchor="ctr"/>
+          <a:bodyPr lIns="0" tIns="0" rIns="0" bIns="0" anchor="ctr"/>
+          <a:lstStyle/>
           <a:p>
             <a:pPr algn="ctr"/>
-            <a:endParaRPr b="0" lang="cs-CZ" sz="4400" spc="-1" strike="noStrike">
+            <a:endParaRPr lang="cs-CZ" sz="4400" b="0" strike="noStrike" spc="-1">
               <a:latin typeface="Arial"/>
             </a:endParaRPr>
           </a:p>
@@ -1799,11 +1989,12 @@
           </a:prstGeom>
         </p:spPr>
         <p:txBody>
-          <a:bodyPr lIns="0" rIns="0" tIns="0" bIns="0">
+          <a:bodyPr lIns="0" tIns="0" rIns="0" bIns="0">
             <a:normAutofit/>
           </a:bodyPr>
-          <a:p>
-            <a:endParaRPr b="0" lang="cs-CZ" sz="3200" spc="-1" strike="noStrike">
+          <a:lstStyle/>
+          <a:p>
+            <a:endParaRPr lang="cs-CZ" sz="3200" b="0" strike="noStrike" spc="-1">
               <a:latin typeface="Arial"/>
             </a:endParaRPr>
           </a:p>
@@ -1829,11 +2020,12 @@
           </a:prstGeom>
         </p:spPr>
         <p:txBody>
-          <a:bodyPr lIns="0" rIns="0" tIns="0" bIns="0">
+          <a:bodyPr lIns="0" tIns="0" rIns="0" bIns="0">
             <a:normAutofit/>
           </a:bodyPr>
-          <a:p>
-            <a:endParaRPr b="0" lang="cs-CZ" sz="3200" spc="-1" strike="noStrike">
+          <a:lstStyle/>
+          <a:p>
+            <a:endParaRPr lang="cs-CZ" sz="3200" b="0" strike="noStrike" spc="-1">
               <a:latin typeface="Arial"/>
             </a:endParaRPr>
           </a:p>
@@ -1859,11 +2051,12 @@
           </a:prstGeom>
         </p:spPr>
         <p:txBody>
-          <a:bodyPr lIns="0" rIns="0" tIns="0" bIns="0">
+          <a:bodyPr lIns="0" tIns="0" rIns="0" bIns="0">
             <a:normAutofit/>
           </a:bodyPr>
-          <a:p>
-            <a:endParaRPr b="0" lang="cs-CZ" sz="3200" spc="-1" strike="noStrike">
+          <a:lstStyle/>
+          <a:p>
+            <a:endParaRPr lang="cs-CZ" sz="3200" b="0" strike="noStrike" spc="-1">
               <a:latin typeface="Arial"/>
             </a:endParaRPr>
           </a:p>
@@ -1889,11 +2082,12 @@
           </a:prstGeom>
         </p:spPr>
         <p:txBody>
-          <a:bodyPr lIns="0" rIns="0" tIns="0" bIns="0">
+          <a:bodyPr lIns="0" tIns="0" rIns="0" bIns="0">
             <a:normAutofit/>
           </a:bodyPr>
-          <a:p>
-            <a:endParaRPr b="0" lang="cs-CZ" sz="3200" spc="-1" strike="noStrike">
+          <a:lstStyle/>
+          <a:p>
+            <a:endParaRPr lang="cs-CZ" sz="3200" b="0" strike="noStrike" spc="-1">
               <a:latin typeface="Arial"/>
             </a:endParaRPr>
           </a:p>
@@ -1919,11 +2113,12 @@
           </a:prstGeom>
         </p:spPr>
         <p:txBody>
-          <a:bodyPr lIns="0" rIns="0" tIns="0" bIns="0">
+          <a:bodyPr lIns="0" tIns="0" rIns="0" bIns="0">
             <a:normAutofit/>
           </a:bodyPr>
-          <a:p>
-            <a:endParaRPr b="0" lang="cs-CZ" sz="3200" spc="-1" strike="noStrike">
+          <a:lstStyle/>
+          <a:p>
+            <a:endParaRPr lang="cs-CZ" sz="3200" b="0" strike="noStrike" spc="-1">
               <a:latin typeface="Arial"/>
             </a:endParaRPr>
           </a:p>
@@ -1949,11 +2144,12 @@
           </a:prstGeom>
         </p:spPr>
         <p:txBody>
-          <a:bodyPr lIns="0" rIns="0" tIns="0" bIns="0">
+          <a:bodyPr lIns="0" tIns="0" rIns="0" bIns="0">
             <a:normAutofit/>
           </a:bodyPr>
-          <a:p>
-            <a:endParaRPr b="0" lang="cs-CZ" sz="3200" spc="-1" strike="noStrike">
+          <a:lstStyle/>
+          <a:p>
+            <a:endParaRPr lang="cs-CZ" sz="3200" b="0" strike="noStrike" spc="-1">
               <a:latin typeface="Arial"/>
             </a:endParaRPr>
           </a:p>
@@ -1961,11 +2157,14 @@
       </p:sp>
     </p:spTree>
   </p:cSld>
+  <p:clrMapOvr>
+    <a:masterClrMapping/>
+  </p:clrMapOvr>
 </p:sldLayout>
 </file>
 
 <file path=ppt/slideLayouts/slideLayout25.xml><?xml version="1.0" encoding="utf-8"?>
-<p:sldLayout xmlns:a="http://schemas.openxmlformats.org/drawingml/2006/main" xmlns:p="http://schemas.openxmlformats.org/presentationml/2006/main" xmlns:r="http://schemas.openxmlformats.org/officeDocument/2006/relationships" xmlns:p14="http://schemas.microsoft.com/office/powerpoint/2010/main" xmlns:p15="http://schemas.microsoft.com/office/powerpoint/2012/main" xmlns:mc="http://schemas.openxmlformats.org/markup-compatibility/2006" type="blank" preserve="1">
+<p:sldLayout xmlns:a="http://schemas.openxmlformats.org/drawingml/2006/main" xmlns:r="http://schemas.openxmlformats.org/officeDocument/2006/relationships" xmlns:p="http://schemas.openxmlformats.org/presentationml/2006/main" type="blank" preserve="1">
   <p:cSld name="Blank Slide">
     <p:spTree>
       <p:nvGrpSpPr>
@@ -1983,11 +2182,14 @@
       </p:grpSpPr>
     </p:spTree>
   </p:cSld>
+  <p:clrMapOvr>
+    <a:masterClrMapping/>
+  </p:clrMapOvr>
 </p:sldLayout>
 </file>
 
 <file path=ppt/slideLayouts/slideLayout26.xml><?xml version="1.0" encoding="utf-8"?>
-<p:sldLayout xmlns:a="http://schemas.openxmlformats.org/drawingml/2006/main" xmlns:p="http://schemas.openxmlformats.org/presentationml/2006/main" xmlns:r="http://schemas.openxmlformats.org/officeDocument/2006/relationships" xmlns:p14="http://schemas.microsoft.com/office/powerpoint/2010/main" xmlns:p15="http://schemas.microsoft.com/office/powerpoint/2012/main" xmlns:mc="http://schemas.openxmlformats.org/markup-compatibility/2006" type="tx" preserve="1">
+<p:sldLayout xmlns:a="http://schemas.openxmlformats.org/drawingml/2006/main" xmlns:r="http://schemas.openxmlformats.org/officeDocument/2006/relationships" xmlns:p="http://schemas.openxmlformats.org/presentationml/2006/main" type="tx" preserve="1">
   <p:cSld name="Title Slide">
     <p:spTree>
       <p:nvGrpSpPr>
@@ -2023,10 +2225,11 @@
           </a:prstGeom>
         </p:spPr>
         <p:txBody>
-          <a:bodyPr lIns="0" rIns="0" tIns="0" bIns="0" anchor="ctr"/>
+          <a:bodyPr lIns="0" tIns="0" rIns="0" bIns="0" anchor="ctr"/>
+          <a:lstStyle/>
           <a:p>
             <a:pPr algn="ctr"/>
-            <a:endParaRPr b="0" lang="cs-CZ" sz="4400" spc="-1" strike="noStrike">
+            <a:endParaRPr lang="cs-CZ" sz="4400" b="0" strike="noStrike" spc="-1">
               <a:latin typeface="Arial"/>
             </a:endParaRPr>
           </a:p>
@@ -2052,10 +2255,11 @@
           </a:prstGeom>
         </p:spPr>
         <p:txBody>
-          <a:bodyPr lIns="0" rIns="0" tIns="0" bIns="0" anchor="ctr"/>
+          <a:bodyPr lIns="0" tIns="0" rIns="0" bIns="0" anchor="ctr"/>
+          <a:lstStyle/>
           <a:p>
             <a:pPr algn="ctr"/>
-            <a:endParaRPr b="0" lang="cs-CZ" sz="3200" spc="-1" strike="noStrike">
+            <a:endParaRPr lang="cs-CZ" sz="3200" b="0" strike="noStrike" spc="-1">
               <a:latin typeface="Arial"/>
             </a:endParaRPr>
           </a:p>
@@ -2063,11 +2267,14 @@
       </p:sp>
     </p:spTree>
   </p:cSld>
+  <p:clrMapOvr>
+    <a:masterClrMapping/>
+  </p:clrMapOvr>
 </p:sldLayout>
 </file>
 
 <file path=ppt/slideLayouts/slideLayout27.xml><?xml version="1.0" encoding="utf-8"?>
-<p:sldLayout xmlns:a="http://schemas.openxmlformats.org/drawingml/2006/main" xmlns:p="http://schemas.openxmlformats.org/presentationml/2006/main" xmlns:r="http://schemas.openxmlformats.org/officeDocument/2006/relationships" xmlns:p14="http://schemas.microsoft.com/office/powerpoint/2010/main" xmlns:p15="http://schemas.microsoft.com/office/powerpoint/2012/main" xmlns:mc="http://schemas.openxmlformats.org/markup-compatibility/2006" type="obj" preserve="1">
+<p:sldLayout xmlns:a="http://schemas.openxmlformats.org/drawingml/2006/main" xmlns:r="http://schemas.openxmlformats.org/officeDocument/2006/relationships" xmlns:p="http://schemas.openxmlformats.org/presentationml/2006/main" type="obj" preserve="1">
   <p:cSld name="Title, Content">
     <p:spTree>
       <p:nvGrpSpPr>
@@ -2103,10 +2310,11 @@
           </a:prstGeom>
         </p:spPr>
         <p:txBody>
-          <a:bodyPr lIns="0" rIns="0" tIns="0" bIns="0" anchor="ctr"/>
+          <a:bodyPr lIns="0" tIns="0" rIns="0" bIns="0" anchor="ctr"/>
+          <a:lstStyle/>
           <a:p>
             <a:pPr algn="ctr"/>
-            <a:endParaRPr b="0" lang="cs-CZ" sz="4400" spc="-1" strike="noStrike">
+            <a:endParaRPr lang="cs-CZ" sz="4400" b="0" strike="noStrike" spc="-1">
               <a:latin typeface="Arial"/>
             </a:endParaRPr>
           </a:p>
@@ -2132,11 +2340,12 @@
           </a:prstGeom>
         </p:spPr>
         <p:txBody>
-          <a:bodyPr lIns="0" rIns="0" tIns="0" bIns="0">
+          <a:bodyPr lIns="0" tIns="0" rIns="0" bIns="0">
             <a:normAutofit/>
           </a:bodyPr>
-          <a:p>
-            <a:endParaRPr b="0" lang="cs-CZ" sz="3200" spc="-1" strike="noStrike">
+          <a:lstStyle/>
+          <a:p>
+            <a:endParaRPr lang="cs-CZ" sz="3200" b="0" strike="noStrike" spc="-1">
               <a:latin typeface="Arial"/>
             </a:endParaRPr>
           </a:p>
@@ -2144,11 +2353,14 @@
       </p:sp>
     </p:spTree>
   </p:cSld>
+  <p:clrMapOvr>
+    <a:masterClrMapping/>
+  </p:clrMapOvr>
 </p:sldLayout>
 </file>
 
 <file path=ppt/slideLayouts/slideLayout28.xml><?xml version="1.0" encoding="utf-8"?>
-<p:sldLayout xmlns:a="http://schemas.openxmlformats.org/drawingml/2006/main" xmlns:p="http://schemas.openxmlformats.org/presentationml/2006/main" xmlns:r="http://schemas.openxmlformats.org/officeDocument/2006/relationships" xmlns:p14="http://schemas.microsoft.com/office/powerpoint/2010/main" xmlns:p15="http://schemas.microsoft.com/office/powerpoint/2012/main" xmlns:mc="http://schemas.openxmlformats.org/markup-compatibility/2006" type="twoObj" preserve="1">
+<p:sldLayout xmlns:a="http://schemas.openxmlformats.org/drawingml/2006/main" xmlns:r="http://schemas.openxmlformats.org/officeDocument/2006/relationships" xmlns:p="http://schemas.openxmlformats.org/presentationml/2006/main" type="twoObj" preserve="1">
   <p:cSld name="Title, 2 Content">
     <p:spTree>
       <p:nvGrpSpPr>
@@ -2184,10 +2396,11 @@
           </a:prstGeom>
         </p:spPr>
         <p:txBody>
-          <a:bodyPr lIns="0" rIns="0" tIns="0" bIns="0" anchor="ctr"/>
+          <a:bodyPr lIns="0" tIns="0" rIns="0" bIns="0" anchor="ctr"/>
+          <a:lstStyle/>
           <a:p>
             <a:pPr algn="ctr"/>
-            <a:endParaRPr b="0" lang="cs-CZ" sz="4400" spc="-1" strike="noStrike">
+            <a:endParaRPr lang="cs-CZ" sz="4400" b="0" strike="noStrike" spc="-1">
               <a:latin typeface="Arial"/>
             </a:endParaRPr>
           </a:p>
@@ -2213,11 +2426,12 @@
           </a:prstGeom>
         </p:spPr>
         <p:txBody>
-          <a:bodyPr lIns="0" rIns="0" tIns="0" bIns="0">
+          <a:bodyPr lIns="0" tIns="0" rIns="0" bIns="0">
             <a:normAutofit/>
           </a:bodyPr>
-          <a:p>
-            <a:endParaRPr b="0" lang="cs-CZ" sz="3200" spc="-1" strike="noStrike">
+          <a:lstStyle/>
+          <a:p>
+            <a:endParaRPr lang="cs-CZ" sz="3200" b="0" strike="noStrike" spc="-1">
               <a:latin typeface="Arial"/>
             </a:endParaRPr>
           </a:p>
@@ -2243,11 +2457,12 @@
           </a:prstGeom>
         </p:spPr>
         <p:txBody>
-          <a:bodyPr lIns="0" rIns="0" tIns="0" bIns="0">
+          <a:bodyPr lIns="0" tIns="0" rIns="0" bIns="0">
             <a:normAutofit/>
           </a:bodyPr>
-          <a:p>
-            <a:endParaRPr b="0" lang="cs-CZ" sz="3200" spc="-1" strike="noStrike">
+          <a:lstStyle/>
+          <a:p>
+            <a:endParaRPr lang="cs-CZ" sz="3200" b="0" strike="noStrike" spc="-1">
               <a:latin typeface="Arial"/>
             </a:endParaRPr>
           </a:p>
@@ -2255,11 +2470,14 @@
       </p:sp>
     </p:spTree>
   </p:cSld>
+  <p:clrMapOvr>
+    <a:masterClrMapping/>
+  </p:clrMapOvr>
 </p:sldLayout>
 </file>
 
 <file path=ppt/slideLayouts/slideLayout29.xml><?xml version="1.0" encoding="utf-8"?>
-<p:sldLayout xmlns:a="http://schemas.openxmlformats.org/drawingml/2006/main" xmlns:p="http://schemas.openxmlformats.org/presentationml/2006/main" xmlns:r="http://schemas.openxmlformats.org/officeDocument/2006/relationships" xmlns:p14="http://schemas.microsoft.com/office/powerpoint/2010/main" xmlns:p15="http://schemas.microsoft.com/office/powerpoint/2012/main" xmlns:mc="http://schemas.openxmlformats.org/markup-compatibility/2006" type="titleOnly" preserve="1">
+<p:sldLayout xmlns:a="http://schemas.openxmlformats.org/drawingml/2006/main" xmlns:r="http://schemas.openxmlformats.org/officeDocument/2006/relationships" xmlns:p="http://schemas.openxmlformats.org/presentationml/2006/main" type="titleOnly" preserve="1">
   <p:cSld name="Title Only">
     <p:spTree>
       <p:nvGrpSpPr>
@@ -2295,10 +2513,11 @@
           </a:prstGeom>
         </p:spPr>
         <p:txBody>
-          <a:bodyPr lIns="0" rIns="0" tIns="0" bIns="0" anchor="ctr"/>
+          <a:bodyPr lIns="0" tIns="0" rIns="0" bIns="0" anchor="ctr"/>
+          <a:lstStyle/>
           <a:p>
             <a:pPr algn="ctr"/>
-            <a:endParaRPr b="0" lang="cs-CZ" sz="4400" spc="-1" strike="noStrike">
+            <a:endParaRPr lang="cs-CZ" sz="4400" b="0" strike="noStrike" spc="-1">
               <a:latin typeface="Arial"/>
             </a:endParaRPr>
           </a:p>
@@ -2306,11 +2525,14 @@
       </p:sp>
     </p:spTree>
   </p:cSld>
+  <p:clrMapOvr>
+    <a:masterClrMapping/>
+  </p:clrMapOvr>
 </p:sldLayout>
 </file>
 
 <file path=ppt/slideLayouts/slideLayout3.xml><?xml version="1.0" encoding="utf-8"?>
-<p:sldLayout xmlns:a="http://schemas.openxmlformats.org/drawingml/2006/main" xmlns:p="http://schemas.openxmlformats.org/presentationml/2006/main" xmlns:r="http://schemas.openxmlformats.org/officeDocument/2006/relationships" xmlns:p14="http://schemas.microsoft.com/office/powerpoint/2010/main" xmlns:p15="http://schemas.microsoft.com/office/powerpoint/2012/main" xmlns:mc="http://schemas.openxmlformats.org/markup-compatibility/2006" type="obj" preserve="1">
+<p:sldLayout xmlns:a="http://schemas.openxmlformats.org/drawingml/2006/main" xmlns:r="http://schemas.openxmlformats.org/officeDocument/2006/relationships" xmlns:p="http://schemas.openxmlformats.org/presentationml/2006/main" type="obj" preserve="1">
   <p:cSld name="Title, Content">
     <p:spTree>
       <p:nvGrpSpPr>
@@ -2346,10 +2568,11 @@
           </a:prstGeom>
         </p:spPr>
         <p:txBody>
-          <a:bodyPr lIns="0" rIns="0" tIns="0" bIns="0" anchor="ctr"/>
+          <a:bodyPr lIns="0" tIns="0" rIns="0" bIns="0" anchor="ctr"/>
+          <a:lstStyle/>
           <a:p>
             <a:pPr algn="ctr"/>
-            <a:endParaRPr b="0" lang="cs-CZ" sz="4400" spc="-1" strike="noStrike">
+            <a:endParaRPr lang="cs-CZ" sz="4400" b="0" strike="noStrike" spc="-1">
               <a:latin typeface="Arial"/>
             </a:endParaRPr>
           </a:p>
@@ -2375,11 +2598,12 @@
           </a:prstGeom>
         </p:spPr>
         <p:txBody>
-          <a:bodyPr lIns="0" rIns="0" tIns="0" bIns="0">
+          <a:bodyPr lIns="0" tIns="0" rIns="0" bIns="0">
             <a:normAutofit/>
           </a:bodyPr>
-          <a:p>
-            <a:endParaRPr b="0" lang="cs-CZ" sz="3200" spc="-1" strike="noStrike">
+          <a:lstStyle/>
+          <a:p>
+            <a:endParaRPr lang="cs-CZ" sz="3200" b="0" strike="noStrike" spc="-1">
               <a:latin typeface="Arial"/>
             </a:endParaRPr>
           </a:p>
@@ -2387,11 +2611,14 @@
       </p:sp>
     </p:spTree>
   </p:cSld>
+  <p:clrMapOvr>
+    <a:masterClrMapping/>
+  </p:clrMapOvr>
 </p:sldLayout>
 </file>
 
 <file path=ppt/slideLayouts/slideLayout30.xml><?xml version="1.0" encoding="utf-8"?>
-<p:sldLayout xmlns:a="http://schemas.openxmlformats.org/drawingml/2006/main" xmlns:p="http://schemas.openxmlformats.org/presentationml/2006/main" xmlns:r="http://schemas.openxmlformats.org/officeDocument/2006/relationships" xmlns:p14="http://schemas.microsoft.com/office/powerpoint/2010/main" xmlns:p15="http://schemas.microsoft.com/office/powerpoint/2012/main" xmlns:mc="http://schemas.openxmlformats.org/markup-compatibility/2006" type="objOnly" preserve="1">
+<p:sldLayout xmlns:a="http://schemas.openxmlformats.org/drawingml/2006/main" xmlns:r="http://schemas.openxmlformats.org/officeDocument/2006/relationships" xmlns:p="http://schemas.openxmlformats.org/presentationml/2006/main" type="objOnly" preserve="1">
   <p:cSld name="Centered Text">
     <p:spTree>
       <p:nvGrpSpPr>
@@ -2427,10 +2654,11 @@
           </a:prstGeom>
         </p:spPr>
         <p:txBody>
-          <a:bodyPr lIns="0" rIns="0" tIns="0" bIns="0" anchor="ctr"/>
+          <a:bodyPr lIns="0" tIns="0" rIns="0" bIns="0" anchor="ctr"/>
+          <a:lstStyle/>
           <a:p>
             <a:pPr algn="ctr"/>
-            <a:endParaRPr b="0" lang="cs-CZ" sz="3200" spc="-1" strike="noStrike">
+            <a:endParaRPr lang="cs-CZ" sz="3200" b="0" strike="noStrike" spc="-1">
               <a:latin typeface="Arial"/>
             </a:endParaRPr>
           </a:p>
@@ -2438,11 +2666,14 @@
       </p:sp>
     </p:spTree>
   </p:cSld>
+  <p:clrMapOvr>
+    <a:masterClrMapping/>
+  </p:clrMapOvr>
 </p:sldLayout>
 </file>
 
 <file path=ppt/slideLayouts/slideLayout31.xml><?xml version="1.0" encoding="utf-8"?>
-<p:sldLayout xmlns:a="http://schemas.openxmlformats.org/drawingml/2006/main" xmlns:p="http://schemas.openxmlformats.org/presentationml/2006/main" xmlns:r="http://schemas.openxmlformats.org/officeDocument/2006/relationships" xmlns:p14="http://schemas.microsoft.com/office/powerpoint/2010/main" xmlns:p15="http://schemas.microsoft.com/office/powerpoint/2012/main" xmlns:mc="http://schemas.openxmlformats.org/markup-compatibility/2006" type="twoObjAndObj" preserve="1">
+<p:sldLayout xmlns:a="http://schemas.openxmlformats.org/drawingml/2006/main" xmlns:r="http://schemas.openxmlformats.org/officeDocument/2006/relationships" xmlns:p="http://schemas.openxmlformats.org/presentationml/2006/main" type="twoObjAndObj" preserve="1">
   <p:cSld name="Title, 2 Content and Content">
     <p:spTree>
       <p:nvGrpSpPr>
@@ -2478,10 +2709,11 @@
           </a:prstGeom>
         </p:spPr>
         <p:txBody>
-          <a:bodyPr lIns="0" rIns="0" tIns="0" bIns="0" anchor="ctr"/>
+          <a:bodyPr lIns="0" tIns="0" rIns="0" bIns="0" anchor="ctr"/>
+          <a:lstStyle/>
           <a:p>
             <a:pPr algn="ctr"/>
-            <a:endParaRPr b="0" lang="cs-CZ" sz="4400" spc="-1" strike="noStrike">
+            <a:endParaRPr lang="cs-CZ" sz="4400" b="0" strike="noStrike" spc="-1">
               <a:latin typeface="Arial"/>
             </a:endParaRPr>
           </a:p>
@@ -2507,11 +2739,12 @@
           </a:prstGeom>
         </p:spPr>
         <p:txBody>
-          <a:bodyPr lIns="0" rIns="0" tIns="0" bIns="0">
+          <a:bodyPr lIns="0" tIns="0" rIns="0" bIns="0">
             <a:normAutofit/>
           </a:bodyPr>
-          <a:p>
-            <a:endParaRPr b="0" lang="cs-CZ" sz="3200" spc="-1" strike="noStrike">
+          <a:lstStyle/>
+          <a:p>
+            <a:endParaRPr lang="cs-CZ" sz="3200" b="0" strike="noStrike" spc="-1">
               <a:latin typeface="Arial"/>
             </a:endParaRPr>
           </a:p>
@@ -2537,11 +2770,12 @@
           </a:prstGeom>
         </p:spPr>
         <p:txBody>
-          <a:bodyPr lIns="0" rIns="0" tIns="0" bIns="0">
+          <a:bodyPr lIns="0" tIns="0" rIns="0" bIns="0">
             <a:normAutofit/>
           </a:bodyPr>
-          <a:p>
-            <a:endParaRPr b="0" lang="cs-CZ" sz="3200" spc="-1" strike="noStrike">
+          <a:lstStyle/>
+          <a:p>
+            <a:endParaRPr lang="cs-CZ" sz="3200" b="0" strike="noStrike" spc="-1">
               <a:latin typeface="Arial"/>
             </a:endParaRPr>
           </a:p>
@@ -2567,11 +2801,12 @@
           </a:prstGeom>
         </p:spPr>
         <p:txBody>
-          <a:bodyPr lIns="0" rIns="0" tIns="0" bIns="0">
+          <a:bodyPr lIns="0" tIns="0" rIns="0" bIns="0">
             <a:normAutofit/>
           </a:bodyPr>
-          <a:p>
-            <a:endParaRPr b="0" lang="cs-CZ" sz="3200" spc="-1" strike="noStrike">
+          <a:lstStyle/>
+          <a:p>
+            <a:endParaRPr lang="cs-CZ" sz="3200" b="0" strike="noStrike" spc="-1">
               <a:latin typeface="Arial"/>
             </a:endParaRPr>
           </a:p>
@@ -2579,11 +2814,14 @@
       </p:sp>
     </p:spTree>
   </p:cSld>
+  <p:clrMapOvr>
+    <a:masterClrMapping/>
+  </p:clrMapOvr>
 </p:sldLayout>
 </file>
 
 <file path=ppt/slideLayouts/slideLayout32.xml><?xml version="1.0" encoding="utf-8"?>
-<p:sldLayout xmlns:a="http://schemas.openxmlformats.org/drawingml/2006/main" xmlns:p="http://schemas.openxmlformats.org/presentationml/2006/main" xmlns:r="http://schemas.openxmlformats.org/officeDocument/2006/relationships" xmlns:p14="http://schemas.microsoft.com/office/powerpoint/2010/main" xmlns:p15="http://schemas.microsoft.com/office/powerpoint/2012/main" xmlns:mc="http://schemas.openxmlformats.org/markup-compatibility/2006" type="objAndTwoObj" preserve="1">
+<p:sldLayout xmlns:a="http://schemas.openxmlformats.org/drawingml/2006/main" xmlns:r="http://schemas.openxmlformats.org/officeDocument/2006/relationships" xmlns:p="http://schemas.openxmlformats.org/presentationml/2006/main" type="objAndTwoObj" preserve="1">
   <p:cSld name="Title Content and 2 Content">
     <p:spTree>
       <p:nvGrpSpPr>
@@ -2619,10 +2857,11 @@
           </a:prstGeom>
         </p:spPr>
         <p:txBody>
-          <a:bodyPr lIns="0" rIns="0" tIns="0" bIns="0" anchor="ctr"/>
+          <a:bodyPr lIns="0" tIns="0" rIns="0" bIns="0" anchor="ctr"/>
+          <a:lstStyle/>
           <a:p>
             <a:pPr algn="ctr"/>
-            <a:endParaRPr b="0" lang="cs-CZ" sz="4400" spc="-1" strike="noStrike">
+            <a:endParaRPr lang="cs-CZ" sz="4400" b="0" strike="noStrike" spc="-1">
               <a:latin typeface="Arial"/>
             </a:endParaRPr>
           </a:p>
@@ -2648,11 +2887,12 @@
           </a:prstGeom>
         </p:spPr>
         <p:txBody>
-          <a:bodyPr lIns="0" rIns="0" tIns="0" bIns="0">
+          <a:bodyPr lIns="0" tIns="0" rIns="0" bIns="0">
             <a:normAutofit/>
           </a:bodyPr>
-          <a:p>
-            <a:endParaRPr b="0" lang="cs-CZ" sz="3200" spc="-1" strike="noStrike">
+          <a:lstStyle/>
+          <a:p>
+            <a:endParaRPr lang="cs-CZ" sz="3200" b="0" strike="noStrike" spc="-1">
               <a:latin typeface="Arial"/>
             </a:endParaRPr>
           </a:p>
@@ -2678,11 +2918,12 @@
           </a:prstGeom>
         </p:spPr>
         <p:txBody>
-          <a:bodyPr lIns="0" rIns="0" tIns="0" bIns="0">
+          <a:bodyPr lIns="0" tIns="0" rIns="0" bIns="0">
             <a:normAutofit/>
           </a:bodyPr>
-          <a:p>
-            <a:endParaRPr b="0" lang="cs-CZ" sz="3200" spc="-1" strike="noStrike">
+          <a:lstStyle/>
+          <a:p>
+            <a:endParaRPr lang="cs-CZ" sz="3200" b="0" strike="noStrike" spc="-1">
               <a:latin typeface="Arial"/>
             </a:endParaRPr>
           </a:p>
@@ -2708,11 +2949,12 @@
           </a:prstGeom>
         </p:spPr>
         <p:txBody>
-          <a:bodyPr lIns="0" rIns="0" tIns="0" bIns="0">
+          <a:bodyPr lIns="0" tIns="0" rIns="0" bIns="0">
             <a:normAutofit/>
           </a:bodyPr>
-          <a:p>
-            <a:endParaRPr b="0" lang="cs-CZ" sz="3200" spc="-1" strike="noStrike">
+          <a:lstStyle/>
+          <a:p>
+            <a:endParaRPr lang="cs-CZ" sz="3200" b="0" strike="noStrike" spc="-1">
               <a:latin typeface="Arial"/>
             </a:endParaRPr>
           </a:p>
@@ -2720,11 +2962,14 @@
       </p:sp>
     </p:spTree>
   </p:cSld>
+  <p:clrMapOvr>
+    <a:masterClrMapping/>
+  </p:clrMapOvr>
 </p:sldLayout>
 </file>
 
 <file path=ppt/slideLayouts/slideLayout33.xml><?xml version="1.0" encoding="utf-8"?>
-<p:sldLayout xmlns:a="http://schemas.openxmlformats.org/drawingml/2006/main" xmlns:p="http://schemas.openxmlformats.org/presentationml/2006/main" xmlns:r="http://schemas.openxmlformats.org/officeDocument/2006/relationships" xmlns:p14="http://schemas.microsoft.com/office/powerpoint/2010/main" xmlns:p15="http://schemas.microsoft.com/office/powerpoint/2012/main" xmlns:mc="http://schemas.openxmlformats.org/markup-compatibility/2006" type="twoObjOverTx" preserve="1">
+<p:sldLayout xmlns:a="http://schemas.openxmlformats.org/drawingml/2006/main" xmlns:r="http://schemas.openxmlformats.org/officeDocument/2006/relationships" xmlns:p="http://schemas.openxmlformats.org/presentationml/2006/main" type="twoObjOverTx" preserve="1">
   <p:cSld name="Title, 2 Content over Content">
     <p:spTree>
       <p:nvGrpSpPr>
@@ -2760,10 +3005,11 @@
           </a:prstGeom>
         </p:spPr>
         <p:txBody>
-          <a:bodyPr lIns="0" rIns="0" tIns="0" bIns="0" anchor="ctr"/>
+          <a:bodyPr lIns="0" tIns="0" rIns="0" bIns="0" anchor="ctr"/>
+          <a:lstStyle/>
           <a:p>
             <a:pPr algn="ctr"/>
-            <a:endParaRPr b="0" lang="cs-CZ" sz="4400" spc="-1" strike="noStrike">
+            <a:endParaRPr lang="cs-CZ" sz="4400" b="0" strike="noStrike" spc="-1">
               <a:latin typeface="Arial"/>
             </a:endParaRPr>
           </a:p>
@@ -2789,11 +3035,12 @@
           </a:prstGeom>
         </p:spPr>
         <p:txBody>
-          <a:bodyPr lIns="0" rIns="0" tIns="0" bIns="0">
+          <a:bodyPr lIns="0" tIns="0" rIns="0" bIns="0">
             <a:normAutofit/>
           </a:bodyPr>
-          <a:p>
-            <a:endParaRPr b="0" lang="cs-CZ" sz="3200" spc="-1" strike="noStrike">
+          <a:lstStyle/>
+          <a:p>
+            <a:endParaRPr lang="cs-CZ" sz="3200" b="0" strike="noStrike" spc="-1">
               <a:latin typeface="Arial"/>
             </a:endParaRPr>
           </a:p>
@@ -2819,11 +3066,12 @@
           </a:prstGeom>
         </p:spPr>
         <p:txBody>
-          <a:bodyPr lIns="0" rIns="0" tIns="0" bIns="0">
+          <a:bodyPr lIns="0" tIns="0" rIns="0" bIns="0">
             <a:normAutofit/>
           </a:bodyPr>
-          <a:p>
-            <a:endParaRPr b="0" lang="cs-CZ" sz="3200" spc="-1" strike="noStrike">
+          <a:lstStyle/>
+          <a:p>
+            <a:endParaRPr lang="cs-CZ" sz="3200" b="0" strike="noStrike" spc="-1">
               <a:latin typeface="Arial"/>
             </a:endParaRPr>
           </a:p>
@@ -2849,11 +3097,12 @@
           </a:prstGeom>
         </p:spPr>
         <p:txBody>
-          <a:bodyPr lIns="0" rIns="0" tIns="0" bIns="0">
+          <a:bodyPr lIns="0" tIns="0" rIns="0" bIns="0">
             <a:normAutofit/>
           </a:bodyPr>
-          <a:p>
-            <a:endParaRPr b="0" lang="cs-CZ" sz="3200" spc="-1" strike="noStrike">
+          <a:lstStyle/>
+          <a:p>
+            <a:endParaRPr lang="cs-CZ" sz="3200" b="0" strike="noStrike" spc="-1">
               <a:latin typeface="Arial"/>
             </a:endParaRPr>
           </a:p>
@@ -2861,11 +3110,14 @@
       </p:sp>
     </p:spTree>
   </p:cSld>
+  <p:clrMapOvr>
+    <a:masterClrMapping/>
+  </p:clrMapOvr>
 </p:sldLayout>
 </file>
 
 <file path=ppt/slideLayouts/slideLayout34.xml><?xml version="1.0" encoding="utf-8"?>
-<p:sldLayout xmlns:a="http://schemas.openxmlformats.org/drawingml/2006/main" xmlns:p="http://schemas.openxmlformats.org/presentationml/2006/main" xmlns:r="http://schemas.openxmlformats.org/officeDocument/2006/relationships" xmlns:p14="http://schemas.microsoft.com/office/powerpoint/2010/main" xmlns:p15="http://schemas.microsoft.com/office/powerpoint/2012/main" xmlns:mc="http://schemas.openxmlformats.org/markup-compatibility/2006" type="objOverTx" preserve="1">
+<p:sldLayout xmlns:a="http://schemas.openxmlformats.org/drawingml/2006/main" xmlns:r="http://schemas.openxmlformats.org/officeDocument/2006/relationships" xmlns:p="http://schemas.openxmlformats.org/presentationml/2006/main" type="objOverTx" preserve="1">
   <p:cSld name="Title, Content over Content">
     <p:spTree>
       <p:nvGrpSpPr>
@@ -2901,10 +3153,11 @@
           </a:prstGeom>
         </p:spPr>
         <p:txBody>
-          <a:bodyPr lIns="0" rIns="0" tIns="0" bIns="0" anchor="ctr"/>
+          <a:bodyPr lIns="0" tIns="0" rIns="0" bIns="0" anchor="ctr"/>
+          <a:lstStyle/>
           <a:p>
             <a:pPr algn="ctr"/>
-            <a:endParaRPr b="0" lang="cs-CZ" sz="4400" spc="-1" strike="noStrike">
+            <a:endParaRPr lang="cs-CZ" sz="4400" b="0" strike="noStrike" spc="-1">
               <a:latin typeface="Arial"/>
             </a:endParaRPr>
           </a:p>
@@ -2930,11 +3183,12 @@
           </a:prstGeom>
         </p:spPr>
         <p:txBody>
-          <a:bodyPr lIns="0" rIns="0" tIns="0" bIns="0">
+          <a:bodyPr lIns="0" tIns="0" rIns="0" bIns="0">
             <a:normAutofit/>
           </a:bodyPr>
-          <a:p>
-            <a:endParaRPr b="0" lang="cs-CZ" sz="3200" spc="-1" strike="noStrike">
+          <a:lstStyle/>
+          <a:p>
+            <a:endParaRPr lang="cs-CZ" sz="3200" b="0" strike="noStrike" spc="-1">
               <a:latin typeface="Arial"/>
             </a:endParaRPr>
           </a:p>
@@ -2960,11 +3214,12 @@
           </a:prstGeom>
         </p:spPr>
         <p:txBody>
-          <a:bodyPr lIns="0" rIns="0" tIns="0" bIns="0">
+          <a:bodyPr lIns="0" tIns="0" rIns="0" bIns="0">
             <a:normAutofit/>
           </a:bodyPr>
-          <a:p>
-            <a:endParaRPr b="0" lang="cs-CZ" sz="3200" spc="-1" strike="noStrike">
+          <a:lstStyle/>
+          <a:p>
+            <a:endParaRPr lang="cs-CZ" sz="3200" b="0" strike="noStrike" spc="-1">
               <a:latin typeface="Arial"/>
             </a:endParaRPr>
           </a:p>
@@ -2972,11 +3227,14 @@
       </p:sp>
     </p:spTree>
   </p:cSld>
+  <p:clrMapOvr>
+    <a:masterClrMapping/>
+  </p:clrMapOvr>
 </p:sldLayout>
 </file>
 
 <file path=ppt/slideLayouts/slideLayout35.xml><?xml version="1.0" encoding="utf-8"?>
-<p:sldLayout xmlns:a="http://schemas.openxmlformats.org/drawingml/2006/main" xmlns:p="http://schemas.openxmlformats.org/presentationml/2006/main" xmlns:r="http://schemas.openxmlformats.org/officeDocument/2006/relationships" xmlns:p14="http://schemas.microsoft.com/office/powerpoint/2010/main" xmlns:p15="http://schemas.microsoft.com/office/powerpoint/2012/main" xmlns:mc="http://schemas.openxmlformats.org/markup-compatibility/2006" type="fourObj" preserve="1">
+<p:sldLayout xmlns:a="http://schemas.openxmlformats.org/drawingml/2006/main" xmlns:r="http://schemas.openxmlformats.org/officeDocument/2006/relationships" xmlns:p="http://schemas.openxmlformats.org/presentationml/2006/main" type="fourObj" preserve="1">
   <p:cSld name="Title, 4 Content">
     <p:spTree>
       <p:nvGrpSpPr>
@@ -3012,10 +3270,11 @@
           </a:prstGeom>
         </p:spPr>
         <p:txBody>
-          <a:bodyPr lIns="0" rIns="0" tIns="0" bIns="0" anchor="ctr"/>
+          <a:bodyPr lIns="0" tIns="0" rIns="0" bIns="0" anchor="ctr"/>
+          <a:lstStyle/>
           <a:p>
             <a:pPr algn="ctr"/>
-            <a:endParaRPr b="0" lang="cs-CZ" sz="4400" spc="-1" strike="noStrike">
+            <a:endParaRPr lang="cs-CZ" sz="4400" b="0" strike="noStrike" spc="-1">
               <a:latin typeface="Arial"/>
             </a:endParaRPr>
           </a:p>
@@ -3041,11 +3300,12 @@
           </a:prstGeom>
         </p:spPr>
         <p:txBody>
-          <a:bodyPr lIns="0" rIns="0" tIns="0" bIns="0">
+          <a:bodyPr lIns="0" tIns="0" rIns="0" bIns="0">
             <a:normAutofit/>
           </a:bodyPr>
-          <a:p>
-            <a:endParaRPr b="0" lang="cs-CZ" sz="3200" spc="-1" strike="noStrike">
+          <a:lstStyle/>
+          <a:p>
+            <a:endParaRPr lang="cs-CZ" sz="3200" b="0" strike="noStrike" spc="-1">
               <a:latin typeface="Arial"/>
             </a:endParaRPr>
           </a:p>
@@ -3071,11 +3331,12 @@
           </a:prstGeom>
         </p:spPr>
         <p:txBody>
-          <a:bodyPr lIns="0" rIns="0" tIns="0" bIns="0">
+          <a:bodyPr lIns="0" tIns="0" rIns="0" bIns="0">
             <a:normAutofit/>
           </a:bodyPr>
-          <a:p>
-            <a:endParaRPr b="0" lang="cs-CZ" sz="3200" spc="-1" strike="noStrike">
+          <a:lstStyle/>
+          <a:p>
+            <a:endParaRPr lang="cs-CZ" sz="3200" b="0" strike="noStrike" spc="-1">
               <a:latin typeface="Arial"/>
             </a:endParaRPr>
           </a:p>
@@ -3101,11 +3362,12 @@
           </a:prstGeom>
         </p:spPr>
         <p:txBody>
-          <a:bodyPr lIns="0" rIns="0" tIns="0" bIns="0">
+          <a:bodyPr lIns="0" tIns="0" rIns="0" bIns="0">
             <a:normAutofit/>
           </a:bodyPr>
-          <a:p>
-            <a:endParaRPr b="0" lang="cs-CZ" sz="3200" spc="-1" strike="noStrike">
+          <a:lstStyle/>
+          <a:p>
+            <a:endParaRPr lang="cs-CZ" sz="3200" b="0" strike="noStrike" spc="-1">
               <a:latin typeface="Arial"/>
             </a:endParaRPr>
           </a:p>
@@ -3131,11 +3393,12 @@
           </a:prstGeom>
         </p:spPr>
         <p:txBody>
-          <a:bodyPr lIns="0" rIns="0" tIns="0" bIns="0">
+          <a:bodyPr lIns="0" tIns="0" rIns="0" bIns="0">
             <a:normAutofit/>
           </a:bodyPr>
-          <a:p>
-            <a:endParaRPr b="0" lang="cs-CZ" sz="3200" spc="-1" strike="noStrike">
+          <a:lstStyle/>
+          <a:p>
+            <a:endParaRPr lang="cs-CZ" sz="3200" b="0" strike="noStrike" spc="-1">
               <a:latin typeface="Arial"/>
             </a:endParaRPr>
           </a:p>
@@ -3143,11 +3406,14 @@
       </p:sp>
     </p:spTree>
   </p:cSld>
+  <p:clrMapOvr>
+    <a:masterClrMapping/>
+  </p:clrMapOvr>
 </p:sldLayout>
 </file>
 
 <file path=ppt/slideLayouts/slideLayout36.xml><?xml version="1.0" encoding="utf-8"?>
-<p:sldLayout xmlns:a="http://schemas.openxmlformats.org/drawingml/2006/main" xmlns:p="http://schemas.openxmlformats.org/presentationml/2006/main" xmlns:r="http://schemas.openxmlformats.org/officeDocument/2006/relationships" xmlns:p14="http://schemas.microsoft.com/office/powerpoint/2010/main" xmlns:p15="http://schemas.microsoft.com/office/powerpoint/2012/main" xmlns:mc="http://schemas.openxmlformats.org/markup-compatibility/2006" type="blank" preserve="1">
+<p:sldLayout xmlns:a="http://schemas.openxmlformats.org/drawingml/2006/main" xmlns:r="http://schemas.openxmlformats.org/officeDocument/2006/relationships" xmlns:p="http://schemas.openxmlformats.org/presentationml/2006/main" type="blank" preserve="1">
   <p:cSld name="Title, 6 Content">
     <p:spTree>
       <p:nvGrpSpPr>
@@ -3183,10 +3449,11 @@
           </a:prstGeom>
         </p:spPr>
         <p:txBody>
-          <a:bodyPr lIns="0" rIns="0" tIns="0" bIns="0" anchor="ctr"/>
+          <a:bodyPr lIns="0" tIns="0" rIns="0" bIns="0" anchor="ctr"/>
+          <a:lstStyle/>
           <a:p>
             <a:pPr algn="ctr"/>
-            <a:endParaRPr b="0" lang="cs-CZ" sz="4400" spc="-1" strike="noStrike">
+            <a:endParaRPr lang="cs-CZ" sz="4400" b="0" strike="noStrike" spc="-1">
               <a:latin typeface="Arial"/>
             </a:endParaRPr>
           </a:p>
@@ -3212,11 +3479,12 @@
           </a:prstGeom>
         </p:spPr>
         <p:txBody>
-          <a:bodyPr lIns="0" rIns="0" tIns="0" bIns="0">
+          <a:bodyPr lIns="0" tIns="0" rIns="0" bIns="0">
             <a:normAutofit/>
           </a:bodyPr>
-          <a:p>
-            <a:endParaRPr b="0" lang="cs-CZ" sz="3200" spc="-1" strike="noStrike">
+          <a:lstStyle/>
+          <a:p>
+            <a:endParaRPr lang="cs-CZ" sz="3200" b="0" strike="noStrike" spc="-1">
               <a:latin typeface="Arial"/>
             </a:endParaRPr>
           </a:p>
@@ -3242,11 +3510,12 @@
           </a:prstGeom>
         </p:spPr>
         <p:txBody>
-          <a:bodyPr lIns="0" rIns="0" tIns="0" bIns="0">
+          <a:bodyPr lIns="0" tIns="0" rIns="0" bIns="0">
             <a:normAutofit/>
           </a:bodyPr>
-          <a:p>
-            <a:endParaRPr b="0" lang="cs-CZ" sz="3200" spc="-1" strike="noStrike">
+          <a:lstStyle/>
+          <a:p>
+            <a:endParaRPr lang="cs-CZ" sz="3200" b="0" strike="noStrike" spc="-1">
               <a:latin typeface="Arial"/>
             </a:endParaRPr>
           </a:p>
@@ -3272,11 +3541,12 @@
           </a:prstGeom>
         </p:spPr>
         <p:txBody>
-          <a:bodyPr lIns="0" rIns="0" tIns="0" bIns="0">
+          <a:bodyPr lIns="0" tIns="0" rIns="0" bIns="0">
             <a:normAutofit/>
           </a:bodyPr>
-          <a:p>
-            <a:endParaRPr b="0" lang="cs-CZ" sz="3200" spc="-1" strike="noStrike">
+          <a:lstStyle/>
+          <a:p>
+            <a:endParaRPr lang="cs-CZ" sz="3200" b="0" strike="noStrike" spc="-1">
               <a:latin typeface="Arial"/>
             </a:endParaRPr>
           </a:p>
@@ -3302,11 +3572,12 @@
           </a:prstGeom>
         </p:spPr>
         <p:txBody>
-          <a:bodyPr lIns="0" rIns="0" tIns="0" bIns="0">
+          <a:bodyPr lIns="0" tIns="0" rIns="0" bIns="0">
             <a:normAutofit/>
           </a:bodyPr>
-          <a:p>
-            <a:endParaRPr b="0" lang="cs-CZ" sz="3200" spc="-1" strike="noStrike">
+          <a:lstStyle/>
+          <a:p>
+            <a:endParaRPr lang="cs-CZ" sz="3200" b="0" strike="noStrike" spc="-1">
               <a:latin typeface="Arial"/>
             </a:endParaRPr>
           </a:p>
@@ -3332,11 +3603,12 @@
           </a:prstGeom>
         </p:spPr>
         <p:txBody>
-          <a:bodyPr lIns="0" rIns="0" tIns="0" bIns="0">
+          <a:bodyPr lIns="0" tIns="0" rIns="0" bIns="0">
             <a:normAutofit/>
           </a:bodyPr>
-          <a:p>
-            <a:endParaRPr b="0" lang="cs-CZ" sz="3200" spc="-1" strike="noStrike">
+          <a:lstStyle/>
+          <a:p>
+            <a:endParaRPr lang="cs-CZ" sz="3200" b="0" strike="noStrike" spc="-1">
               <a:latin typeface="Arial"/>
             </a:endParaRPr>
           </a:p>
@@ -3362,11 +3634,12 @@
           </a:prstGeom>
         </p:spPr>
         <p:txBody>
-          <a:bodyPr lIns="0" rIns="0" tIns="0" bIns="0">
+          <a:bodyPr lIns="0" tIns="0" rIns="0" bIns="0">
             <a:normAutofit/>
           </a:bodyPr>
-          <a:p>
-            <a:endParaRPr b="0" lang="cs-CZ" sz="3200" spc="-1" strike="noStrike">
+          <a:lstStyle/>
+          <a:p>
+            <a:endParaRPr lang="cs-CZ" sz="3200" b="0" strike="noStrike" spc="-1">
               <a:latin typeface="Arial"/>
             </a:endParaRPr>
           </a:p>
@@ -3374,11 +3647,14 @@
       </p:sp>
     </p:spTree>
   </p:cSld>
+  <p:clrMapOvr>
+    <a:masterClrMapping/>
+  </p:clrMapOvr>
 </p:sldLayout>
 </file>
 
 <file path=ppt/slideLayouts/slideLayout4.xml><?xml version="1.0" encoding="utf-8"?>
-<p:sldLayout xmlns:a="http://schemas.openxmlformats.org/drawingml/2006/main" xmlns:p="http://schemas.openxmlformats.org/presentationml/2006/main" xmlns:r="http://schemas.openxmlformats.org/officeDocument/2006/relationships" xmlns:p14="http://schemas.microsoft.com/office/powerpoint/2010/main" xmlns:p15="http://schemas.microsoft.com/office/powerpoint/2012/main" xmlns:mc="http://schemas.openxmlformats.org/markup-compatibility/2006" type="twoObj" preserve="1">
+<p:sldLayout xmlns:a="http://schemas.openxmlformats.org/drawingml/2006/main" xmlns:r="http://schemas.openxmlformats.org/officeDocument/2006/relationships" xmlns:p="http://schemas.openxmlformats.org/presentationml/2006/main" type="twoObj" preserve="1">
   <p:cSld name="Title, 2 Content">
     <p:spTree>
       <p:nvGrpSpPr>
@@ -3414,10 +3690,11 @@
           </a:prstGeom>
         </p:spPr>
         <p:txBody>
-          <a:bodyPr lIns="0" rIns="0" tIns="0" bIns="0" anchor="ctr"/>
+          <a:bodyPr lIns="0" tIns="0" rIns="0" bIns="0" anchor="ctr"/>
+          <a:lstStyle/>
           <a:p>
             <a:pPr algn="ctr"/>
-            <a:endParaRPr b="0" lang="cs-CZ" sz="4400" spc="-1" strike="noStrike">
+            <a:endParaRPr lang="cs-CZ" sz="4400" b="0" strike="noStrike" spc="-1">
               <a:latin typeface="Arial"/>
             </a:endParaRPr>
           </a:p>
@@ -3443,11 +3720,12 @@
           </a:prstGeom>
         </p:spPr>
         <p:txBody>
-          <a:bodyPr lIns="0" rIns="0" tIns="0" bIns="0">
+          <a:bodyPr lIns="0" tIns="0" rIns="0" bIns="0">
             <a:normAutofit/>
           </a:bodyPr>
-          <a:p>
-            <a:endParaRPr b="0" lang="cs-CZ" sz="3200" spc="-1" strike="noStrike">
+          <a:lstStyle/>
+          <a:p>
+            <a:endParaRPr lang="cs-CZ" sz="3200" b="0" strike="noStrike" spc="-1">
               <a:latin typeface="Arial"/>
             </a:endParaRPr>
           </a:p>
@@ -3473,11 +3751,12 @@
           </a:prstGeom>
         </p:spPr>
         <p:txBody>
-          <a:bodyPr lIns="0" rIns="0" tIns="0" bIns="0">
+          <a:bodyPr lIns="0" tIns="0" rIns="0" bIns="0">
             <a:normAutofit/>
           </a:bodyPr>
-          <a:p>
-            <a:endParaRPr b="0" lang="cs-CZ" sz="3200" spc="-1" strike="noStrike">
+          <a:lstStyle/>
+          <a:p>
+            <a:endParaRPr lang="cs-CZ" sz="3200" b="0" strike="noStrike" spc="-1">
               <a:latin typeface="Arial"/>
             </a:endParaRPr>
           </a:p>
@@ -3485,11 +3764,14 @@
       </p:sp>
     </p:spTree>
   </p:cSld>
+  <p:clrMapOvr>
+    <a:masterClrMapping/>
+  </p:clrMapOvr>
 </p:sldLayout>
 </file>
 
 <file path=ppt/slideLayouts/slideLayout5.xml><?xml version="1.0" encoding="utf-8"?>
-<p:sldLayout xmlns:a="http://schemas.openxmlformats.org/drawingml/2006/main" xmlns:p="http://schemas.openxmlformats.org/presentationml/2006/main" xmlns:r="http://schemas.openxmlformats.org/officeDocument/2006/relationships" xmlns:p14="http://schemas.microsoft.com/office/powerpoint/2010/main" xmlns:p15="http://schemas.microsoft.com/office/powerpoint/2012/main" xmlns:mc="http://schemas.openxmlformats.org/markup-compatibility/2006" type="titleOnly" preserve="1">
+<p:sldLayout xmlns:a="http://schemas.openxmlformats.org/drawingml/2006/main" xmlns:r="http://schemas.openxmlformats.org/officeDocument/2006/relationships" xmlns:p="http://schemas.openxmlformats.org/presentationml/2006/main" type="titleOnly" preserve="1">
   <p:cSld name="Title Only">
     <p:spTree>
       <p:nvGrpSpPr>
@@ -3525,10 +3807,11 @@
           </a:prstGeom>
         </p:spPr>
         <p:txBody>
-          <a:bodyPr lIns="0" rIns="0" tIns="0" bIns="0" anchor="ctr"/>
+          <a:bodyPr lIns="0" tIns="0" rIns="0" bIns="0" anchor="ctr"/>
+          <a:lstStyle/>
           <a:p>
             <a:pPr algn="ctr"/>
-            <a:endParaRPr b="0" lang="cs-CZ" sz="4400" spc="-1" strike="noStrike">
+            <a:endParaRPr lang="cs-CZ" sz="4400" b="0" strike="noStrike" spc="-1">
               <a:latin typeface="Arial"/>
             </a:endParaRPr>
           </a:p>
@@ -3536,11 +3819,14 @@
       </p:sp>
     </p:spTree>
   </p:cSld>
+  <p:clrMapOvr>
+    <a:masterClrMapping/>
+  </p:clrMapOvr>
 </p:sldLayout>
 </file>
 
 <file path=ppt/slideLayouts/slideLayout6.xml><?xml version="1.0" encoding="utf-8"?>
-<p:sldLayout xmlns:a="http://schemas.openxmlformats.org/drawingml/2006/main" xmlns:p="http://schemas.openxmlformats.org/presentationml/2006/main" xmlns:r="http://schemas.openxmlformats.org/officeDocument/2006/relationships" xmlns:p14="http://schemas.microsoft.com/office/powerpoint/2010/main" xmlns:p15="http://schemas.microsoft.com/office/powerpoint/2012/main" xmlns:mc="http://schemas.openxmlformats.org/markup-compatibility/2006" type="objOnly" preserve="1">
+<p:sldLayout xmlns:a="http://schemas.openxmlformats.org/drawingml/2006/main" xmlns:r="http://schemas.openxmlformats.org/officeDocument/2006/relationships" xmlns:p="http://schemas.openxmlformats.org/presentationml/2006/main" type="objOnly" preserve="1">
   <p:cSld name="Centered Text">
     <p:spTree>
       <p:nvGrpSpPr>
@@ -3576,10 +3862,11 @@
           </a:prstGeom>
         </p:spPr>
         <p:txBody>
-          <a:bodyPr lIns="0" rIns="0" tIns="0" bIns="0" anchor="ctr"/>
+          <a:bodyPr lIns="0" tIns="0" rIns="0" bIns="0" anchor="ctr"/>
+          <a:lstStyle/>
           <a:p>
             <a:pPr algn="ctr"/>
-            <a:endParaRPr b="0" lang="cs-CZ" sz="3200" spc="-1" strike="noStrike">
+            <a:endParaRPr lang="cs-CZ" sz="3200" b="0" strike="noStrike" spc="-1">
               <a:latin typeface="Arial"/>
             </a:endParaRPr>
           </a:p>
@@ -3587,11 +3874,14 @@
       </p:sp>
     </p:spTree>
   </p:cSld>
+  <p:clrMapOvr>
+    <a:masterClrMapping/>
+  </p:clrMapOvr>
 </p:sldLayout>
 </file>
 
 <file path=ppt/slideLayouts/slideLayout7.xml><?xml version="1.0" encoding="utf-8"?>
-<p:sldLayout xmlns:a="http://schemas.openxmlformats.org/drawingml/2006/main" xmlns:p="http://schemas.openxmlformats.org/presentationml/2006/main" xmlns:r="http://schemas.openxmlformats.org/officeDocument/2006/relationships" xmlns:p14="http://schemas.microsoft.com/office/powerpoint/2010/main" xmlns:p15="http://schemas.microsoft.com/office/powerpoint/2012/main" xmlns:mc="http://schemas.openxmlformats.org/markup-compatibility/2006" type="twoObjAndObj" preserve="1">
+<p:sldLayout xmlns:a="http://schemas.openxmlformats.org/drawingml/2006/main" xmlns:r="http://schemas.openxmlformats.org/officeDocument/2006/relationships" xmlns:p="http://schemas.openxmlformats.org/presentationml/2006/main" type="twoObjAndObj" preserve="1">
   <p:cSld name="Title, 2 Content and Content">
     <p:spTree>
       <p:nvGrpSpPr>
@@ -3627,10 +3917,11 @@
           </a:prstGeom>
         </p:spPr>
         <p:txBody>
-          <a:bodyPr lIns="0" rIns="0" tIns="0" bIns="0" anchor="ctr"/>
+          <a:bodyPr lIns="0" tIns="0" rIns="0" bIns="0" anchor="ctr"/>
+          <a:lstStyle/>
           <a:p>
             <a:pPr algn="ctr"/>
-            <a:endParaRPr b="0" lang="cs-CZ" sz="4400" spc="-1" strike="noStrike">
+            <a:endParaRPr lang="cs-CZ" sz="4400" b="0" strike="noStrike" spc="-1">
               <a:latin typeface="Arial"/>
             </a:endParaRPr>
           </a:p>
@@ -3656,11 +3947,12 @@
           </a:prstGeom>
         </p:spPr>
         <p:txBody>
-          <a:bodyPr lIns="0" rIns="0" tIns="0" bIns="0">
+          <a:bodyPr lIns="0" tIns="0" rIns="0" bIns="0">
             <a:normAutofit/>
           </a:bodyPr>
-          <a:p>
-            <a:endParaRPr b="0" lang="cs-CZ" sz="3200" spc="-1" strike="noStrike">
+          <a:lstStyle/>
+          <a:p>
+            <a:endParaRPr lang="cs-CZ" sz="3200" b="0" strike="noStrike" spc="-1">
               <a:latin typeface="Arial"/>
             </a:endParaRPr>
           </a:p>
@@ -3686,11 +3978,12 @@
           </a:prstGeom>
         </p:spPr>
         <p:txBody>
-          <a:bodyPr lIns="0" rIns="0" tIns="0" bIns="0">
+          <a:bodyPr lIns="0" tIns="0" rIns="0" bIns="0">
             <a:normAutofit/>
           </a:bodyPr>
-          <a:p>
-            <a:endParaRPr b="0" lang="cs-CZ" sz="3200" spc="-1" strike="noStrike">
+          <a:lstStyle/>
+          <a:p>
+            <a:endParaRPr lang="cs-CZ" sz="3200" b="0" strike="noStrike" spc="-1">
               <a:latin typeface="Arial"/>
             </a:endParaRPr>
           </a:p>
@@ -3716,11 +4009,12 @@
           </a:prstGeom>
         </p:spPr>
         <p:txBody>
-          <a:bodyPr lIns="0" rIns="0" tIns="0" bIns="0">
+          <a:bodyPr lIns="0" tIns="0" rIns="0" bIns="0">
             <a:normAutofit/>
           </a:bodyPr>
-          <a:p>
-            <a:endParaRPr b="0" lang="cs-CZ" sz="3200" spc="-1" strike="noStrike">
+          <a:lstStyle/>
+          <a:p>
+            <a:endParaRPr lang="cs-CZ" sz="3200" b="0" strike="noStrike" spc="-1">
               <a:latin typeface="Arial"/>
             </a:endParaRPr>
           </a:p>
@@ -3728,11 +4022,14 @@
       </p:sp>
     </p:spTree>
   </p:cSld>
+  <p:clrMapOvr>
+    <a:masterClrMapping/>
+  </p:clrMapOvr>
 </p:sldLayout>
 </file>
 
 <file path=ppt/slideLayouts/slideLayout8.xml><?xml version="1.0" encoding="utf-8"?>
-<p:sldLayout xmlns:a="http://schemas.openxmlformats.org/drawingml/2006/main" xmlns:p="http://schemas.openxmlformats.org/presentationml/2006/main" xmlns:r="http://schemas.openxmlformats.org/officeDocument/2006/relationships" xmlns:p14="http://schemas.microsoft.com/office/powerpoint/2010/main" xmlns:p15="http://schemas.microsoft.com/office/powerpoint/2012/main" xmlns:mc="http://schemas.openxmlformats.org/markup-compatibility/2006" type="objAndTwoObj" preserve="1">
+<p:sldLayout xmlns:a="http://schemas.openxmlformats.org/drawingml/2006/main" xmlns:r="http://schemas.openxmlformats.org/officeDocument/2006/relationships" xmlns:p="http://schemas.openxmlformats.org/presentationml/2006/main" type="objAndTwoObj" preserve="1">
   <p:cSld name="Title Content and 2 Content">
     <p:spTree>
       <p:nvGrpSpPr>
@@ -3768,10 +4065,11 @@
           </a:prstGeom>
         </p:spPr>
         <p:txBody>
-          <a:bodyPr lIns="0" rIns="0" tIns="0" bIns="0" anchor="ctr"/>
+          <a:bodyPr lIns="0" tIns="0" rIns="0" bIns="0" anchor="ctr"/>
+          <a:lstStyle/>
           <a:p>
             <a:pPr algn="ctr"/>
-            <a:endParaRPr b="0" lang="cs-CZ" sz="4400" spc="-1" strike="noStrike">
+            <a:endParaRPr lang="cs-CZ" sz="4400" b="0" strike="noStrike" spc="-1">
               <a:latin typeface="Arial"/>
             </a:endParaRPr>
           </a:p>
@@ -3797,11 +4095,12 @@
           </a:prstGeom>
         </p:spPr>
         <p:txBody>
-          <a:bodyPr lIns="0" rIns="0" tIns="0" bIns="0">
+          <a:bodyPr lIns="0" tIns="0" rIns="0" bIns="0">
             <a:normAutofit/>
           </a:bodyPr>
-          <a:p>
-            <a:endParaRPr b="0" lang="cs-CZ" sz="3200" spc="-1" strike="noStrike">
+          <a:lstStyle/>
+          <a:p>
+            <a:endParaRPr lang="cs-CZ" sz="3200" b="0" strike="noStrike" spc="-1">
               <a:latin typeface="Arial"/>
             </a:endParaRPr>
           </a:p>
@@ -3827,11 +4126,12 @@
           </a:prstGeom>
         </p:spPr>
         <p:txBody>
-          <a:bodyPr lIns="0" rIns="0" tIns="0" bIns="0">
+          <a:bodyPr lIns="0" tIns="0" rIns="0" bIns="0">
             <a:normAutofit/>
           </a:bodyPr>
-          <a:p>
-            <a:endParaRPr b="0" lang="cs-CZ" sz="3200" spc="-1" strike="noStrike">
+          <a:lstStyle/>
+          <a:p>
+            <a:endParaRPr lang="cs-CZ" sz="3200" b="0" strike="noStrike" spc="-1">
               <a:latin typeface="Arial"/>
             </a:endParaRPr>
           </a:p>
@@ -3857,11 +4157,12 @@
           </a:prstGeom>
         </p:spPr>
         <p:txBody>
-          <a:bodyPr lIns="0" rIns="0" tIns="0" bIns="0">
+          <a:bodyPr lIns="0" tIns="0" rIns="0" bIns="0">
             <a:normAutofit/>
           </a:bodyPr>
-          <a:p>
-            <a:endParaRPr b="0" lang="cs-CZ" sz="3200" spc="-1" strike="noStrike">
+          <a:lstStyle/>
+          <a:p>
+            <a:endParaRPr lang="cs-CZ" sz="3200" b="0" strike="noStrike" spc="-1">
               <a:latin typeface="Arial"/>
             </a:endParaRPr>
           </a:p>
@@ -3869,11 +4170,14 @@
       </p:sp>
     </p:spTree>
   </p:cSld>
+  <p:clrMapOvr>
+    <a:masterClrMapping/>
+  </p:clrMapOvr>
 </p:sldLayout>
 </file>
 
 <file path=ppt/slideLayouts/slideLayout9.xml><?xml version="1.0" encoding="utf-8"?>
-<p:sldLayout xmlns:a="http://schemas.openxmlformats.org/drawingml/2006/main" xmlns:p="http://schemas.openxmlformats.org/presentationml/2006/main" xmlns:r="http://schemas.openxmlformats.org/officeDocument/2006/relationships" xmlns:p14="http://schemas.microsoft.com/office/powerpoint/2010/main" xmlns:p15="http://schemas.microsoft.com/office/powerpoint/2012/main" xmlns:mc="http://schemas.openxmlformats.org/markup-compatibility/2006" type="twoObjOverTx" preserve="1">
+<p:sldLayout xmlns:a="http://schemas.openxmlformats.org/drawingml/2006/main" xmlns:r="http://schemas.openxmlformats.org/officeDocument/2006/relationships" xmlns:p="http://schemas.openxmlformats.org/presentationml/2006/main" type="twoObjOverTx" preserve="1">
   <p:cSld name="Title, 2 Content over Content">
     <p:spTree>
       <p:nvGrpSpPr>
@@ -3909,10 +4213,11 @@
           </a:prstGeom>
         </p:spPr>
         <p:txBody>
-          <a:bodyPr lIns="0" rIns="0" tIns="0" bIns="0" anchor="ctr"/>
+          <a:bodyPr lIns="0" tIns="0" rIns="0" bIns="0" anchor="ctr"/>
+          <a:lstStyle/>
           <a:p>
             <a:pPr algn="ctr"/>
-            <a:endParaRPr b="0" lang="cs-CZ" sz="4400" spc="-1" strike="noStrike">
+            <a:endParaRPr lang="cs-CZ" sz="4400" b="0" strike="noStrike" spc="-1">
               <a:latin typeface="Arial"/>
             </a:endParaRPr>
           </a:p>
@@ -3938,11 +4243,12 @@
           </a:prstGeom>
         </p:spPr>
         <p:txBody>
-          <a:bodyPr lIns="0" rIns="0" tIns="0" bIns="0">
+          <a:bodyPr lIns="0" tIns="0" rIns="0" bIns="0">
             <a:normAutofit/>
           </a:bodyPr>
-          <a:p>
-            <a:endParaRPr b="0" lang="cs-CZ" sz="3200" spc="-1" strike="noStrike">
+          <a:lstStyle/>
+          <a:p>
+            <a:endParaRPr lang="cs-CZ" sz="3200" b="0" strike="noStrike" spc="-1">
               <a:latin typeface="Arial"/>
             </a:endParaRPr>
           </a:p>
@@ -3968,11 +4274,12 @@
           </a:prstGeom>
         </p:spPr>
         <p:txBody>
-          <a:bodyPr lIns="0" rIns="0" tIns="0" bIns="0">
+          <a:bodyPr lIns="0" tIns="0" rIns="0" bIns="0">
             <a:normAutofit/>
           </a:bodyPr>
-          <a:p>
-            <a:endParaRPr b="0" lang="cs-CZ" sz="3200" spc="-1" strike="noStrike">
+          <a:lstStyle/>
+          <a:p>
+            <a:endParaRPr lang="cs-CZ" sz="3200" b="0" strike="noStrike" spc="-1">
               <a:latin typeface="Arial"/>
             </a:endParaRPr>
           </a:p>
@@ -3998,11 +4305,12 @@
           </a:prstGeom>
         </p:spPr>
         <p:txBody>
-          <a:bodyPr lIns="0" rIns="0" tIns="0" bIns="0">
+          <a:bodyPr lIns="0" tIns="0" rIns="0" bIns="0">
             <a:normAutofit/>
           </a:bodyPr>
-          <a:p>
-            <a:endParaRPr b="0" lang="cs-CZ" sz="3200" spc="-1" strike="noStrike">
+          <a:lstStyle/>
+          <a:p>
+            <a:endParaRPr lang="cs-CZ" sz="3200" b="0" strike="noStrike" spc="-1">
               <a:latin typeface="Arial"/>
             </a:endParaRPr>
           </a:p>
@@ -4010,20 +4318,24 @@
       </p:sp>
     </p:spTree>
   </p:cSld>
+  <p:clrMapOvr>
+    <a:masterClrMapping/>
+  </p:clrMapOvr>
 </p:sldLayout>
 </file>
 
 <file path=ppt/slideMasters/slideMaster1.xml><?xml version="1.0" encoding="utf-8"?>
-<p:sldMaster xmlns:a="http://schemas.openxmlformats.org/drawingml/2006/main" xmlns:p="http://schemas.openxmlformats.org/presentationml/2006/main" xmlns:r="http://schemas.openxmlformats.org/officeDocument/2006/relationships" xmlns:p14="http://schemas.microsoft.com/office/powerpoint/2010/main" xmlns:p15="http://schemas.microsoft.com/office/powerpoint/2012/main" xmlns:mc="http://schemas.openxmlformats.org/markup-compatibility/2006">
+<p:sldMaster xmlns:a="http://schemas.openxmlformats.org/drawingml/2006/main" xmlns:r="http://schemas.openxmlformats.org/officeDocument/2006/relationships" xmlns:p="http://schemas.openxmlformats.org/presentationml/2006/main">
   <p:cSld>
     <p:bg>
       <p:bgPr>
         <a:blipFill rotWithShape="0">
-          <a:blip r:embed="rId2"/>
+          <a:blip r:embed="rId14"/>
           <a:stretch>
             <a:fillRect/>
           </a:stretch>
         </a:blipFill>
+        <a:effectLst/>
       </p:bgPr>
     </p:bg>
     <p:spTree>
@@ -4042,7 +4354,7 @@
       </p:grpSpPr>
       <p:sp>
         <p:nvSpPr>
-          <p:cNvPr id="0" name="PlaceHolder 1"/>
+          <p:cNvPr id="2" name="PlaceHolder 1"/>
           <p:cNvSpPr>
             <a:spLocks noGrp="1"/>
           </p:cNvSpPr>
@@ -4060,23 +4372,21 @@
           </a:prstGeom>
         </p:spPr>
         <p:txBody>
-          <a:bodyPr lIns="0" rIns="0" tIns="0" bIns="0" anchor="ctr"/>
-          <a:p>
-            <a:r>
-              <a:rPr b="0" lang="cs-CZ" sz="1800" spc="-1" strike="noStrike">
+          <a:bodyPr lIns="0" tIns="0" rIns="0" bIns="0" anchor="ctr"/>
+          <a:lstStyle/>
+          <a:p>
+            <a:r>
+              <a:rPr lang="cs-CZ" sz="1800" b="0" strike="noStrike" spc="-1">
                 <a:latin typeface="Arial"/>
               </a:rPr>
               <a:t>Klikněte pro úpravu formátu textu nadpisu</a:t>
             </a:r>
-            <a:endParaRPr b="0" lang="cs-CZ" sz="1800" spc="-1" strike="noStrike">
-              <a:latin typeface="Arial"/>
-            </a:endParaRPr>
-          </a:p>
-        </p:txBody>
-      </p:sp>
-      <p:sp>
-        <p:nvSpPr>
-          <p:cNvPr id="1" name="PlaceHolder 2"/>
+          </a:p>
+        </p:txBody>
+      </p:sp>
+      <p:sp>
+        <p:nvSpPr>
+          <p:cNvPr id="3" name="PlaceHolder 2"/>
           <p:cNvSpPr>
             <a:spLocks noGrp="1"/>
           </p:cNvSpPr>
@@ -4094,9 +4404,10 @@
           </a:prstGeom>
         </p:spPr>
         <p:txBody>
-          <a:bodyPr lIns="0" rIns="0" tIns="0" bIns="0">
+          <a:bodyPr lIns="0" tIns="0" rIns="0" bIns="0">
             <a:normAutofit/>
           </a:bodyPr>
+          <a:lstStyle/>
           <a:p>
             <a:pPr marL="432000" indent="-324000">
               <a:spcBef>
@@ -4110,17 +4421,14 @@
               <a:buChar char=""/>
             </a:pPr>
             <a:r>
-              <a:rPr b="0" lang="cs-CZ" sz="3200" spc="-1" strike="noStrike">
+              <a:rPr lang="cs-CZ" sz="3200" b="0" strike="noStrike" spc="-1">
                 <a:latin typeface="Arial"/>
               </a:rPr>
               <a:t>Klikněte pro úpravu formátu textu osnovy</a:t>
             </a:r>
-            <a:endParaRPr b="0" lang="cs-CZ" sz="3200" spc="-1" strike="noStrike">
-              <a:latin typeface="Arial"/>
-            </a:endParaRPr>
-          </a:p>
-          <a:p>
-            <a:pPr lvl="1" marL="864000" indent="-324000">
+          </a:p>
+          <a:p>
+            <a:pPr marL="864000" lvl="1" indent="-324000">
               <a:spcBef>
                 <a:spcPts val="1134"/>
               </a:spcBef>
@@ -4132,17 +4440,14 @@
               <a:buChar char=""/>
             </a:pPr>
             <a:r>
-              <a:rPr b="0" lang="cs-CZ" sz="2800" spc="-1" strike="noStrike">
+              <a:rPr lang="cs-CZ" sz="2800" b="0" strike="noStrike" spc="-1">
                 <a:latin typeface="Arial"/>
               </a:rPr>
               <a:t>Druhá úroveň</a:t>
             </a:r>
-            <a:endParaRPr b="0" lang="cs-CZ" sz="2800" spc="-1" strike="noStrike">
-              <a:latin typeface="Arial"/>
-            </a:endParaRPr>
-          </a:p>
-          <a:p>
-            <a:pPr lvl="2" marL="1296000" indent="-288000">
+          </a:p>
+          <a:p>
+            <a:pPr marL="1296000" lvl="2" indent="-288000">
               <a:spcBef>
                 <a:spcPts val="850"/>
               </a:spcBef>
@@ -4154,17 +4459,14 @@
               <a:buChar char=""/>
             </a:pPr>
             <a:r>
-              <a:rPr b="0" lang="cs-CZ" sz="2400" spc="-1" strike="noStrike">
+              <a:rPr lang="cs-CZ" sz="2400" b="0" strike="noStrike" spc="-1">
                 <a:latin typeface="Arial"/>
               </a:rPr>
               <a:t>Třetí úroveň</a:t>
             </a:r>
-            <a:endParaRPr b="0" lang="cs-CZ" sz="2400" spc="-1" strike="noStrike">
-              <a:latin typeface="Arial"/>
-            </a:endParaRPr>
-          </a:p>
-          <a:p>
-            <a:pPr lvl="3" marL="1728000" indent="-216000">
+          </a:p>
+          <a:p>
+            <a:pPr marL="1728000" lvl="3" indent="-216000">
               <a:spcBef>
                 <a:spcPts val="567"/>
               </a:spcBef>
@@ -4176,17 +4478,14 @@
               <a:buChar char=""/>
             </a:pPr>
             <a:r>
-              <a:rPr b="0" lang="cs-CZ" sz="2000" spc="-1" strike="noStrike">
+              <a:rPr lang="cs-CZ" sz="2000" b="0" strike="noStrike" spc="-1">
                 <a:latin typeface="Arial"/>
               </a:rPr>
               <a:t>Čtvrtá úroveň osnovy</a:t>
             </a:r>
-            <a:endParaRPr b="0" lang="cs-CZ" sz="2000" spc="-1" strike="noStrike">
-              <a:latin typeface="Arial"/>
-            </a:endParaRPr>
-          </a:p>
-          <a:p>
-            <a:pPr lvl="4" marL="2160000" indent="-216000">
+          </a:p>
+          <a:p>
+            <a:pPr marL="2160000" lvl="4" indent="-216000">
               <a:spcBef>
                 <a:spcPts val="283"/>
               </a:spcBef>
@@ -4198,17 +4497,14 @@
               <a:buChar char=""/>
             </a:pPr>
             <a:r>
-              <a:rPr b="0" lang="cs-CZ" sz="2000" spc="-1" strike="noStrike">
+              <a:rPr lang="cs-CZ" sz="2000" b="0" strike="noStrike" spc="-1">
                 <a:latin typeface="Arial"/>
               </a:rPr>
               <a:t>Pátá úroveň osnovy</a:t>
             </a:r>
-            <a:endParaRPr b="0" lang="cs-CZ" sz="2000" spc="-1" strike="noStrike">
-              <a:latin typeface="Arial"/>
-            </a:endParaRPr>
-          </a:p>
-          <a:p>
-            <a:pPr lvl="5" marL="2592000" indent="-216000">
+          </a:p>
+          <a:p>
+            <a:pPr marL="2592000" lvl="5" indent="-216000">
               <a:spcBef>
                 <a:spcPts val="283"/>
               </a:spcBef>
@@ -4220,17 +4516,14 @@
               <a:buChar char=""/>
             </a:pPr>
             <a:r>
-              <a:rPr b="0" lang="cs-CZ" sz="2000" spc="-1" strike="noStrike">
+              <a:rPr lang="cs-CZ" sz="2000" b="0" strike="noStrike" spc="-1">
                 <a:latin typeface="Arial"/>
               </a:rPr>
               <a:t>Šestá úroveň</a:t>
             </a:r>
-            <a:endParaRPr b="0" lang="cs-CZ" sz="2000" spc="-1" strike="noStrike">
-              <a:latin typeface="Arial"/>
-            </a:endParaRPr>
-          </a:p>
-          <a:p>
-            <a:pPr lvl="6" marL="3024000" indent="-216000">
+          </a:p>
+          <a:p>
+            <a:pPr marL="3024000" lvl="6" indent="-216000">
               <a:spcBef>
                 <a:spcPts val="283"/>
               </a:spcBef>
@@ -4242,48 +4535,326 @@
               <a:buChar char=""/>
             </a:pPr>
             <a:r>
-              <a:rPr b="0" lang="cs-CZ" sz="2000" spc="-1" strike="noStrike">
+              <a:rPr lang="cs-CZ" sz="2000" b="0" strike="noStrike" spc="-1">
                 <a:latin typeface="Arial"/>
               </a:rPr>
               <a:t>Sedmá úroveň</a:t>
             </a:r>
-            <a:endParaRPr b="0" lang="cs-CZ" sz="2000" spc="-1" strike="noStrike">
-              <a:latin typeface="Arial"/>
-            </a:endParaRPr>
           </a:p>
         </p:txBody>
       </p:sp>
     </p:spTree>
   </p:cSld>
-  <p:clrMap bg1="lt1" bg2="lt2" tx1="dk1" tx2="dk2" accent1="accent1" accent2="accent2" accent3="accent3" accent4="accent4" accent5="accent5" accent6="accent6" hlink="hlink" folHlink="folHlink"/>
+  <p:clrMap bg1="lt1" tx1="dk1" bg2="lt2" tx2="dk2" accent1="accent1" accent2="accent2" accent3="accent3" accent4="accent4" accent5="accent5" accent6="accent6" hlink="hlink" folHlink="folHlink"/>
   <p:sldLayoutIdLst>
-    <p:sldLayoutId id="2147483649" r:id="rId3"/>
-    <p:sldLayoutId id="2147483650" r:id="rId4"/>
-    <p:sldLayoutId id="2147483651" r:id="rId5"/>
-    <p:sldLayoutId id="2147483652" r:id="rId6"/>
-    <p:sldLayoutId id="2147483653" r:id="rId7"/>
-    <p:sldLayoutId id="2147483654" r:id="rId8"/>
-    <p:sldLayoutId id="2147483655" r:id="rId9"/>
-    <p:sldLayoutId id="2147483656" r:id="rId10"/>
-    <p:sldLayoutId id="2147483657" r:id="rId11"/>
-    <p:sldLayoutId id="2147483658" r:id="rId12"/>
-    <p:sldLayoutId id="2147483659" r:id="rId13"/>
-    <p:sldLayoutId id="2147483660" r:id="rId14"/>
+    <p:sldLayoutId id="2147483649" r:id="rId1"/>
+    <p:sldLayoutId id="2147483650" r:id="rId2"/>
+    <p:sldLayoutId id="2147483651" r:id="rId3"/>
+    <p:sldLayoutId id="2147483652" r:id="rId4"/>
+    <p:sldLayoutId id="2147483653" r:id="rId5"/>
+    <p:sldLayoutId id="2147483654" r:id="rId6"/>
+    <p:sldLayoutId id="2147483655" r:id="rId7"/>
+    <p:sldLayoutId id="2147483656" r:id="rId8"/>
+    <p:sldLayoutId id="2147483657" r:id="rId9"/>
+    <p:sldLayoutId id="2147483658" r:id="rId10"/>
+    <p:sldLayoutId id="2147483659" r:id="rId11"/>
+    <p:sldLayoutId id="2147483660" r:id="rId12"/>
   </p:sldLayoutIdLst>
+  <p:txStyles>
+    <p:titleStyle>
+      <a:lvl1pPr algn="l" defTabSz="914400" rtl="0" eaLnBrk="1" latinLnBrk="0" hangingPunct="1">
+        <a:lnSpc>
+          <a:spcPct val="90000"/>
+        </a:lnSpc>
+        <a:spcBef>
+          <a:spcPct val="0"/>
+        </a:spcBef>
+        <a:buNone/>
+        <a:defRPr sz="4400" kern="1200">
+          <a:solidFill>
+            <a:schemeClr val="tx1"/>
+          </a:solidFill>
+          <a:latin typeface="+mj-lt"/>
+          <a:ea typeface="+mj-ea"/>
+          <a:cs typeface="+mj-cs"/>
+        </a:defRPr>
+      </a:lvl1pPr>
+    </p:titleStyle>
+    <p:bodyStyle>
+      <a:lvl1pPr marL="228600" indent="-228600" algn="l" defTabSz="914400" rtl="0" eaLnBrk="1" latinLnBrk="0" hangingPunct="1">
+        <a:lnSpc>
+          <a:spcPct val="90000"/>
+        </a:lnSpc>
+        <a:spcBef>
+          <a:spcPts val="1000"/>
+        </a:spcBef>
+        <a:buFont typeface="Arial" panose="020B0604020202020204" pitchFamily="34" charset="0"/>
+        <a:buChar char="•"/>
+        <a:defRPr sz="2800" kern="1200">
+          <a:solidFill>
+            <a:schemeClr val="tx1"/>
+          </a:solidFill>
+          <a:latin typeface="+mn-lt"/>
+          <a:ea typeface="+mn-ea"/>
+          <a:cs typeface="+mn-cs"/>
+        </a:defRPr>
+      </a:lvl1pPr>
+      <a:lvl2pPr marL="685800" indent="-228600" algn="l" defTabSz="914400" rtl="0" eaLnBrk="1" latinLnBrk="0" hangingPunct="1">
+        <a:lnSpc>
+          <a:spcPct val="90000"/>
+        </a:lnSpc>
+        <a:spcBef>
+          <a:spcPts val="500"/>
+        </a:spcBef>
+        <a:buFont typeface="Arial" panose="020B0604020202020204" pitchFamily="34" charset="0"/>
+        <a:buChar char="•"/>
+        <a:defRPr sz="2400" kern="1200">
+          <a:solidFill>
+            <a:schemeClr val="tx1"/>
+          </a:solidFill>
+          <a:latin typeface="+mn-lt"/>
+          <a:ea typeface="+mn-ea"/>
+          <a:cs typeface="+mn-cs"/>
+        </a:defRPr>
+      </a:lvl2pPr>
+      <a:lvl3pPr marL="1143000" indent="-228600" algn="l" defTabSz="914400" rtl="0" eaLnBrk="1" latinLnBrk="0" hangingPunct="1">
+        <a:lnSpc>
+          <a:spcPct val="90000"/>
+        </a:lnSpc>
+        <a:spcBef>
+          <a:spcPts val="500"/>
+        </a:spcBef>
+        <a:buFont typeface="Arial" panose="020B0604020202020204" pitchFamily="34" charset="0"/>
+        <a:buChar char="•"/>
+        <a:defRPr sz="2000" kern="1200">
+          <a:solidFill>
+            <a:schemeClr val="tx1"/>
+          </a:solidFill>
+          <a:latin typeface="+mn-lt"/>
+          <a:ea typeface="+mn-ea"/>
+          <a:cs typeface="+mn-cs"/>
+        </a:defRPr>
+      </a:lvl3pPr>
+      <a:lvl4pPr marL="1600200" indent="-228600" algn="l" defTabSz="914400" rtl="0" eaLnBrk="1" latinLnBrk="0" hangingPunct="1">
+        <a:lnSpc>
+          <a:spcPct val="90000"/>
+        </a:lnSpc>
+        <a:spcBef>
+          <a:spcPts val="500"/>
+        </a:spcBef>
+        <a:buFont typeface="Arial" panose="020B0604020202020204" pitchFamily="34" charset="0"/>
+        <a:buChar char="•"/>
+        <a:defRPr sz="1800" kern="1200">
+          <a:solidFill>
+            <a:schemeClr val="tx1"/>
+          </a:solidFill>
+          <a:latin typeface="+mn-lt"/>
+          <a:ea typeface="+mn-ea"/>
+          <a:cs typeface="+mn-cs"/>
+        </a:defRPr>
+      </a:lvl4pPr>
+      <a:lvl5pPr marL="2057400" indent="-228600" algn="l" defTabSz="914400" rtl="0" eaLnBrk="1" latinLnBrk="0" hangingPunct="1">
+        <a:lnSpc>
+          <a:spcPct val="90000"/>
+        </a:lnSpc>
+        <a:spcBef>
+          <a:spcPts val="500"/>
+        </a:spcBef>
+        <a:buFont typeface="Arial" panose="020B0604020202020204" pitchFamily="34" charset="0"/>
+        <a:buChar char="•"/>
+        <a:defRPr sz="1800" kern="1200">
+          <a:solidFill>
+            <a:schemeClr val="tx1"/>
+          </a:solidFill>
+          <a:latin typeface="+mn-lt"/>
+          <a:ea typeface="+mn-ea"/>
+          <a:cs typeface="+mn-cs"/>
+        </a:defRPr>
+      </a:lvl5pPr>
+      <a:lvl6pPr marL="2514600" indent="-228600" algn="l" defTabSz="914400" rtl="0" eaLnBrk="1" latinLnBrk="0" hangingPunct="1">
+        <a:lnSpc>
+          <a:spcPct val="90000"/>
+        </a:lnSpc>
+        <a:spcBef>
+          <a:spcPts val="500"/>
+        </a:spcBef>
+        <a:buFont typeface="Arial" panose="020B0604020202020204" pitchFamily="34" charset="0"/>
+        <a:buChar char="•"/>
+        <a:defRPr sz="1800" kern="1200">
+          <a:solidFill>
+            <a:schemeClr val="tx1"/>
+          </a:solidFill>
+          <a:latin typeface="+mn-lt"/>
+          <a:ea typeface="+mn-ea"/>
+          <a:cs typeface="+mn-cs"/>
+        </a:defRPr>
+      </a:lvl6pPr>
+      <a:lvl7pPr marL="2971800" indent="-228600" algn="l" defTabSz="914400" rtl="0" eaLnBrk="1" latinLnBrk="0" hangingPunct="1">
+        <a:lnSpc>
+          <a:spcPct val="90000"/>
+        </a:lnSpc>
+        <a:spcBef>
+          <a:spcPts val="500"/>
+        </a:spcBef>
+        <a:buFont typeface="Arial" panose="020B0604020202020204" pitchFamily="34" charset="0"/>
+        <a:buChar char="•"/>
+        <a:defRPr sz="1800" kern="1200">
+          <a:solidFill>
+            <a:schemeClr val="tx1"/>
+          </a:solidFill>
+          <a:latin typeface="+mn-lt"/>
+          <a:ea typeface="+mn-ea"/>
+          <a:cs typeface="+mn-cs"/>
+        </a:defRPr>
+      </a:lvl7pPr>
+      <a:lvl8pPr marL="3429000" indent="-228600" algn="l" defTabSz="914400" rtl="0" eaLnBrk="1" latinLnBrk="0" hangingPunct="1">
+        <a:lnSpc>
+          <a:spcPct val="90000"/>
+        </a:lnSpc>
+        <a:spcBef>
+          <a:spcPts val="500"/>
+        </a:spcBef>
+        <a:buFont typeface="Arial" panose="020B0604020202020204" pitchFamily="34" charset="0"/>
+        <a:buChar char="•"/>
+        <a:defRPr sz="1800" kern="1200">
+          <a:solidFill>
+            <a:schemeClr val="tx1"/>
+          </a:solidFill>
+          <a:latin typeface="+mn-lt"/>
+          <a:ea typeface="+mn-ea"/>
+          <a:cs typeface="+mn-cs"/>
+        </a:defRPr>
+      </a:lvl8pPr>
+      <a:lvl9pPr marL="3886200" indent="-228600" algn="l" defTabSz="914400" rtl="0" eaLnBrk="1" latinLnBrk="0" hangingPunct="1">
+        <a:lnSpc>
+          <a:spcPct val="90000"/>
+        </a:lnSpc>
+        <a:spcBef>
+          <a:spcPts val="500"/>
+        </a:spcBef>
+        <a:buFont typeface="Arial" panose="020B0604020202020204" pitchFamily="34" charset="0"/>
+        <a:buChar char="•"/>
+        <a:defRPr sz="1800" kern="1200">
+          <a:solidFill>
+            <a:schemeClr val="tx1"/>
+          </a:solidFill>
+          <a:latin typeface="+mn-lt"/>
+          <a:ea typeface="+mn-ea"/>
+          <a:cs typeface="+mn-cs"/>
+        </a:defRPr>
+      </a:lvl9pPr>
+    </p:bodyStyle>
+    <p:otherStyle>
+      <a:defPPr>
+        <a:defRPr lang="cs-CZ"/>
+      </a:defPPr>
+      <a:lvl1pPr marL="0" algn="l" defTabSz="914400" rtl="0" eaLnBrk="1" latinLnBrk="0" hangingPunct="1">
+        <a:defRPr sz="1800" kern="1200">
+          <a:solidFill>
+            <a:schemeClr val="tx1"/>
+          </a:solidFill>
+          <a:latin typeface="+mn-lt"/>
+          <a:ea typeface="+mn-ea"/>
+          <a:cs typeface="+mn-cs"/>
+        </a:defRPr>
+      </a:lvl1pPr>
+      <a:lvl2pPr marL="457200" algn="l" defTabSz="914400" rtl="0" eaLnBrk="1" latinLnBrk="0" hangingPunct="1">
+        <a:defRPr sz="1800" kern="1200">
+          <a:solidFill>
+            <a:schemeClr val="tx1"/>
+          </a:solidFill>
+          <a:latin typeface="+mn-lt"/>
+          <a:ea typeface="+mn-ea"/>
+          <a:cs typeface="+mn-cs"/>
+        </a:defRPr>
+      </a:lvl2pPr>
+      <a:lvl3pPr marL="914400" algn="l" defTabSz="914400" rtl="0" eaLnBrk="1" latinLnBrk="0" hangingPunct="1">
+        <a:defRPr sz="1800" kern="1200">
+          <a:solidFill>
+            <a:schemeClr val="tx1"/>
+          </a:solidFill>
+          <a:latin typeface="+mn-lt"/>
+          <a:ea typeface="+mn-ea"/>
+          <a:cs typeface="+mn-cs"/>
+        </a:defRPr>
+      </a:lvl3pPr>
+      <a:lvl4pPr marL="1371600" algn="l" defTabSz="914400" rtl="0" eaLnBrk="1" latinLnBrk="0" hangingPunct="1">
+        <a:defRPr sz="1800" kern="1200">
+          <a:solidFill>
+            <a:schemeClr val="tx1"/>
+          </a:solidFill>
+          <a:latin typeface="+mn-lt"/>
+          <a:ea typeface="+mn-ea"/>
+          <a:cs typeface="+mn-cs"/>
+        </a:defRPr>
+      </a:lvl4pPr>
+      <a:lvl5pPr marL="1828800" algn="l" defTabSz="914400" rtl="0" eaLnBrk="1" latinLnBrk="0" hangingPunct="1">
+        <a:defRPr sz="1800" kern="1200">
+          <a:solidFill>
+            <a:schemeClr val="tx1"/>
+          </a:solidFill>
+          <a:latin typeface="+mn-lt"/>
+          <a:ea typeface="+mn-ea"/>
+          <a:cs typeface="+mn-cs"/>
+        </a:defRPr>
+      </a:lvl5pPr>
+      <a:lvl6pPr marL="2286000" algn="l" defTabSz="914400" rtl="0" eaLnBrk="1" latinLnBrk="0" hangingPunct="1">
+        <a:defRPr sz="1800" kern="1200">
+          <a:solidFill>
+            <a:schemeClr val="tx1"/>
+          </a:solidFill>
+          <a:latin typeface="+mn-lt"/>
+          <a:ea typeface="+mn-ea"/>
+          <a:cs typeface="+mn-cs"/>
+        </a:defRPr>
+      </a:lvl6pPr>
+      <a:lvl7pPr marL="2743200" algn="l" defTabSz="914400" rtl="0" eaLnBrk="1" latinLnBrk="0" hangingPunct="1">
+        <a:defRPr sz="1800" kern="1200">
+          <a:solidFill>
+            <a:schemeClr val="tx1"/>
+          </a:solidFill>
+          <a:latin typeface="+mn-lt"/>
+          <a:ea typeface="+mn-ea"/>
+          <a:cs typeface="+mn-cs"/>
+        </a:defRPr>
+      </a:lvl7pPr>
+      <a:lvl8pPr marL="3200400" algn="l" defTabSz="914400" rtl="0" eaLnBrk="1" latinLnBrk="0" hangingPunct="1">
+        <a:defRPr sz="1800" kern="1200">
+          <a:solidFill>
+            <a:schemeClr val="tx1"/>
+          </a:solidFill>
+          <a:latin typeface="+mn-lt"/>
+          <a:ea typeface="+mn-ea"/>
+          <a:cs typeface="+mn-cs"/>
+        </a:defRPr>
+      </a:lvl8pPr>
+      <a:lvl9pPr marL="3657600" algn="l" defTabSz="914400" rtl="0" eaLnBrk="1" latinLnBrk="0" hangingPunct="1">
+        <a:defRPr sz="1800" kern="1200">
+          <a:solidFill>
+            <a:schemeClr val="tx1"/>
+          </a:solidFill>
+          <a:latin typeface="+mn-lt"/>
+          <a:ea typeface="+mn-ea"/>
+          <a:cs typeface="+mn-cs"/>
+        </a:defRPr>
+      </a:lvl9pPr>
+    </p:otherStyle>
+  </p:txStyles>
 </p:sldMaster>
 </file>
 
 <file path=ppt/slideMasters/slideMaster2.xml><?xml version="1.0" encoding="utf-8"?>
-<p:sldMaster xmlns:a="http://schemas.openxmlformats.org/drawingml/2006/main" xmlns:p="http://schemas.openxmlformats.org/presentationml/2006/main" xmlns:r="http://schemas.openxmlformats.org/officeDocument/2006/relationships" xmlns:p14="http://schemas.microsoft.com/office/powerpoint/2010/main" xmlns:p15="http://schemas.microsoft.com/office/powerpoint/2012/main" xmlns:mc="http://schemas.openxmlformats.org/markup-compatibility/2006">
+<p:sldMaster xmlns:a="http://schemas.openxmlformats.org/drawingml/2006/main" xmlns:r="http://schemas.openxmlformats.org/officeDocument/2006/relationships" xmlns:p="http://schemas.openxmlformats.org/presentationml/2006/main">
   <p:cSld>
     <p:bg>
       <p:bgPr>
         <a:blipFill rotWithShape="0">
-          <a:blip r:embed="rId2"/>
+          <a:blip r:embed="rId14"/>
           <a:stretch>
             <a:fillRect/>
           </a:stretch>
         </a:blipFill>
+        <a:effectLst/>
       </p:bgPr>
     </p:bg>
     <p:spTree>
@@ -4320,17 +4891,15 @@
           </a:prstGeom>
         </p:spPr>
         <p:txBody>
-          <a:bodyPr lIns="0" rIns="0" tIns="0" bIns="0" anchor="ctr"/>
-          <a:p>
-            <a:r>
-              <a:rPr b="0" lang="cs-CZ" sz="1800" spc="-1" strike="noStrike">
+          <a:bodyPr lIns="0" tIns="0" rIns="0" bIns="0" anchor="ctr"/>
+          <a:lstStyle/>
+          <a:p>
+            <a:r>
+              <a:rPr lang="cs-CZ" sz="1800" b="0" strike="noStrike" spc="-1">
                 <a:latin typeface="Arial"/>
               </a:rPr>
               <a:t>Klikněte pro úpravu formátu textu nadpisu</a:t>
             </a:r>
-            <a:endParaRPr b="0" lang="cs-CZ" sz="1800" spc="-1" strike="noStrike">
-              <a:latin typeface="Arial"/>
-            </a:endParaRPr>
           </a:p>
         </p:txBody>
       </p:sp>
@@ -4354,9 +4923,10 @@
           </a:prstGeom>
         </p:spPr>
         <p:txBody>
-          <a:bodyPr lIns="0" rIns="0" tIns="0" bIns="0">
+          <a:bodyPr lIns="0" tIns="0" rIns="0" bIns="0">
             <a:normAutofit/>
           </a:bodyPr>
+          <a:lstStyle/>
           <a:p>
             <a:pPr marL="432000" indent="-324000">
               <a:spcBef>
@@ -4370,17 +4940,14 @@
               <a:buChar char=""/>
             </a:pPr>
             <a:r>
-              <a:rPr b="0" lang="cs-CZ" sz="3200" spc="-1" strike="noStrike">
+              <a:rPr lang="cs-CZ" sz="3200" b="0" strike="noStrike" spc="-1">
                 <a:latin typeface="Arial"/>
               </a:rPr>
               <a:t>Klikněte pro úpravu formátu textu osnovy</a:t>
             </a:r>
-            <a:endParaRPr b="0" lang="cs-CZ" sz="3200" spc="-1" strike="noStrike">
-              <a:latin typeface="Arial"/>
-            </a:endParaRPr>
-          </a:p>
-          <a:p>
-            <a:pPr lvl="1" marL="864000" indent="-324000">
+          </a:p>
+          <a:p>
+            <a:pPr marL="864000" lvl="1" indent="-324000">
               <a:spcBef>
                 <a:spcPts val="1134"/>
               </a:spcBef>
@@ -4392,17 +4959,14 @@
               <a:buChar char=""/>
             </a:pPr>
             <a:r>
-              <a:rPr b="0" lang="cs-CZ" sz="2800" spc="-1" strike="noStrike">
+              <a:rPr lang="cs-CZ" sz="2800" b="0" strike="noStrike" spc="-1">
                 <a:latin typeface="Arial"/>
               </a:rPr>
               <a:t>Druhá úroveň</a:t>
             </a:r>
-            <a:endParaRPr b="0" lang="cs-CZ" sz="2800" spc="-1" strike="noStrike">
-              <a:latin typeface="Arial"/>
-            </a:endParaRPr>
-          </a:p>
-          <a:p>
-            <a:pPr lvl="2" marL="1296000" indent="-288000">
+          </a:p>
+          <a:p>
+            <a:pPr marL="1296000" lvl="2" indent="-288000">
               <a:spcBef>
                 <a:spcPts val="850"/>
               </a:spcBef>
@@ -4414,17 +4978,14 @@
               <a:buChar char=""/>
             </a:pPr>
             <a:r>
-              <a:rPr b="0" lang="cs-CZ" sz="2400" spc="-1" strike="noStrike">
+              <a:rPr lang="cs-CZ" sz="2400" b="0" strike="noStrike" spc="-1">
                 <a:latin typeface="Arial"/>
               </a:rPr>
               <a:t>Třetí úroveň</a:t>
             </a:r>
-            <a:endParaRPr b="0" lang="cs-CZ" sz="2400" spc="-1" strike="noStrike">
-              <a:latin typeface="Arial"/>
-            </a:endParaRPr>
-          </a:p>
-          <a:p>
-            <a:pPr lvl="3" marL="1728000" indent="-216000">
+          </a:p>
+          <a:p>
+            <a:pPr marL="1728000" lvl="3" indent="-216000">
               <a:spcBef>
                 <a:spcPts val="567"/>
               </a:spcBef>
@@ -4436,17 +4997,14 @@
               <a:buChar char=""/>
             </a:pPr>
             <a:r>
-              <a:rPr b="0" lang="cs-CZ" sz="2000" spc="-1" strike="noStrike">
+              <a:rPr lang="cs-CZ" sz="2000" b="0" strike="noStrike" spc="-1">
                 <a:latin typeface="Arial"/>
               </a:rPr>
               <a:t>Čtvrtá úroveň osnovy</a:t>
             </a:r>
-            <a:endParaRPr b="0" lang="cs-CZ" sz="2000" spc="-1" strike="noStrike">
-              <a:latin typeface="Arial"/>
-            </a:endParaRPr>
-          </a:p>
-          <a:p>
-            <a:pPr lvl="4" marL="2160000" indent="-216000">
+          </a:p>
+          <a:p>
+            <a:pPr marL="2160000" lvl="4" indent="-216000">
               <a:spcBef>
                 <a:spcPts val="283"/>
               </a:spcBef>
@@ -4458,17 +5016,14 @@
               <a:buChar char=""/>
             </a:pPr>
             <a:r>
-              <a:rPr b="0" lang="cs-CZ" sz="2000" spc="-1" strike="noStrike">
+              <a:rPr lang="cs-CZ" sz="2000" b="0" strike="noStrike" spc="-1">
                 <a:latin typeface="Arial"/>
               </a:rPr>
               <a:t>Pátá úroveň osnovy</a:t>
             </a:r>
-            <a:endParaRPr b="0" lang="cs-CZ" sz="2000" spc="-1" strike="noStrike">
-              <a:latin typeface="Arial"/>
-            </a:endParaRPr>
-          </a:p>
-          <a:p>
-            <a:pPr lvl="5" marL="2592000" indent="-216000">
+          </a:p>
+          <a:p>
+            <a:pPr marL="2592000" lvl="5" indent="-216000">
               <a:spcBef>
                 <a:spcPts val="283"/>
               </a:spcBef>
@@ -4480,17 +5035,14 @@
               <a:buChar char=""/>
             </a:pPr>
             <a:r>
-              <a:rPr b="0" lang="cs-CZ" sz="2000" spc="-1" strike="noStrike">
+              <a:rPr lang="cs-CZ" sz="2000" b="0" strike="noStrike" spc="-1">
                 <a:latin typeface="Arial"/>
               </a:rPr>
               <a:t>Šestá úroveň</a:t>
             </a:r>
-            <a:endParaRPr b="0" lang="cs-CZ" sz="2000" spc="-1" strike="noStrike">
-              <a:latin typeface="Arial"/>
-            </a:endParaRPr>
-          </a:p>
-          <a:p>
-            <a:pPr lvl="6" marL="3024000" indent="-216000">
+          </a:p>
+          <a:p>
+            <a:pPr marL="3024000" lvl="6" indent="-216000">
               <a:spcBef>
                 <a:spcPts val="283"/>
               </a:spcBef>
@@ -4502,48 +5054,326 @@
               <a:buChar char=""/>
             </a:pPr>
             <a:r>
-              <a:rPr b="0" lang="cs-CZ" sz="2000" spc="-1" strike="noStrike">
+              <a:rPr lang="cs-CZ" sz="2000" b="0" strike="noStrike" spc="-1">
                 <a:latin typeface="Arial"/>
               </a:rPr>
               <a:t>Sedmá úroveň</a:t>
             </a:r>
-            <a:endParaRPr b="0" lang="cs-CZ" sz="2000" spc="-1" strike="noStrike">
-              <a:latin typeface="Arial"/>
-            </a:endParaRPr>
           </a:p>
         </p:txBody>
       </p:sp>
     </p:spTree>
   </p:cSld>
-  <p:clrMap bg1="lt1" bg2="lt2" tx1="dk1" tx2="dk2" accent1="accent1" accent2="accent2" accent3="accent3" accent4="accent4" accent5="accent5" accent6="accent6" hlink="hlink" folHlink="folHlink"/>
+  <p:clrMap bg1="lt1" tx1="dk1" bg2="lt2" tx2="dk2" accent1="accent1" accent2="accent2" accent3="accent3" accent4="accent4" accent5="accent5" accent6="accent6" hlink="hlink" folHlink="folHlink"/>
   <p:sldLayoutIdLst>
-    <p:sldLayoutId id="2147483662" r:id="rId3"/>
-    <p:sldLayoutId id="2147483663" r:id="rId4"/>
-    <p:sldLayoutId id="2147483664" r:id="rId5"/>
-    <p:sldLayoutId id="2147483665" r:id="rId6"/>
-    <p:sldLayoutId id="2147483666" r:id="rId7"/>
-    <p:sldLayoutId id="2147483667" r:id="rId8"/>
-    <p:sldLayoutId id="2147483668" r:id="rId9"/>
-    <p:sldLayoutId id="2147483669" r:id="rId10"/>
-    <p:sldLayoutId id="2147483670" r:id="rId11"/>
-    <p:sldLayoutId id="2147483671" r:id="rId12"/>
-    <p:sldLayoutId id="2147483672" r:id="rId13"/>
-    <p:sldLayoutId id="2147483673" r:id="rId14"/>
+    <p:sldLayoutId id="2147483662" r:id="rId1"/>
+    <p:sldLayoutId id="2147483663" r:id="rId2"/>
+    <p:sldLayoutId id="2147483664" r:id="rId3"/>
+    <p:sldLayoutId id="2147483665" r:id="rId4"/>
+    <p:sldLayoutId id="2147483666" r:id="rId5"/>
+    <p:sldLayoutId id="2147483667" r:id="rId6"/>
+    <p:sldLayoutId id="2147483668" r:id="rId7"/>
+    <p:sldLayoutId id="2147483669" r:id="rId8"/>
+    <p:sldLayoutId id="2147483670" r:id="rId9"/>
+    <p:sldLayoutId id="2147483671" r:id="rId10"/>
+    <p:sldLayoutId id="2147483672" r:id="rId11"/>
+    <p:sldLayoutId id="2147483673" r:id="rId12"/>
   </p:sldLayoutIdLst>
+  <p:txStyles>
+    <p:titleStyle>
+      <a:lvl1pPr algn="l" defTabSz="914400" rtl="0" eaLnBrk="1" latinLnBrk="0" hangingPunct="1">
+        <a:lnSpc>
+          <a:spcPct val="90000"/>
+        </a:lnSpc>
+        <a:spcBef>
+          <a:spcPct val="0"/>
+        </a:spcBef>
+        <a:buNone/>
+        <a:defRPr sz="4400" kern="1200">
+          <a:solidFill>
+            <a:schemeClr val="tx1"/>
+          </a:solidFill>
+          <a:latin typeface="+mj-lt"/>
+          <a:ea typeface="+mj-ea"/>
+          <a:cs typeface="+mj-cs"/>
+        </a:defRPr>
+      </a:lvl1pPr>
+    </p:titleStyle>
+    <p:bodyStyle>
+      <a:lvl1pPr marL="228600" indent="-228600" algn="l" defTabSz="914400" rtl="0" eaLnBrk="1" latinLnBrk="0" hangingPunct="1">
+        <a:lnSpc>
+          <a:spcPct val="90000"/>
+        </a:lnSpc>
+        <a:spcBef>
+          <a:spcPts val="1000"/>
+        </a:spcBef>
+        <a:buFont typeface="Arial" panose="020B0604020202020204" pitchFamily="34" charset="0"/>
+        <a:buChar char="•"/>
+        <a:defRPr sz="2800" kern="1200">
+          <a:solidFill>
+            <a:schemeClr val="tx1"/>
+          </a:solidFill>
+          <a:latin typeface="+mn-lt"/>
+          <a:ea typeface="+mn-ea"/>
+          <a:cs typeface="+mn-cs"/>
+        </a:defRPr>
+      </a:lvl1pPr>
+      <a:lvl2pPr marL="685800" indent="-228600" algn="l" defTabSz="914400" rtl="0" eaLnBrk="1" latinLnBrk="0" hangingPunct="1">
+        <a:lnSpc>
+          <a:spcPct val="90000"/>
+        </a:lnSpc>
+        <a:spcBef>
+          <a:spcPts val="500"/>
+        </a:spcBef>
+        <a:buFont typeface="Arial" panose="020B0604020202020204" pitchFamily="34" charset="0"/>
+        <a:buChar char="•"/>
+        <a:defRPr sz="2400" kern="1200">
+          <a:solidFill>
+            <a:schemeClr val="tx1"/>
+          </a:solidFill>
+          <a:latin typeface="+mn-lt"/>
+          <a:ea typeface="+mn-ea"/>
+          <a:cs typeface="+mn-cs"/>
+        </a:defRPr>
+      </a:lvl2pPr>
+      <a:lvl3pPr marL="1143000" indent="-228600" algn="l" defTabSz="914400" rtl="0" eaLnBrk="1" latinLnBrk="0" hangingPunct="1">
+        <a:lnSpc>
+          <a:spcPct val="90000"/>
+        </a:lnSpc>
+        <a:spcBef>
+          <a:spcPts val="500"/>
+        </a:spcBef>
+        <a:buFont typeface="Arial" panose="020B0604020202020204" pitchFamily="34" charset="0"/>
+        <a:buChar char="•"/>
+        <a:defRPr sz="2000" kern="1200">
+          <a:solidFill>
+            <a:schemeClr val="tx1"/>
+          </a:solidFill>
+          <a:latin typeface="+mn-lt"/>
+          <a:ea typeface="+mn-ea"/>
+          <a:cs typeface="+mn-cs"/>
+        </a:defRPr>
+      </a:lvl3pPr>
+      <a:lvl4pPr marL="1600200" indent="-228600" algn="l" defTabSz="914400" rtl="0" eaLnBrk="1" latinLnBrk="0" hangingPunct="1">
+        <a:lnSpc>
+          <a:spcPct val="90000"/>
+        </a:lnSpc>
+        <a:spcBef>
+          <a:spcPts val="500"/>
+        </a:spcBef>
+        <a:buFont typeface="Arial" panose="020B0604020202020204" pitchFamily="34" charset="0"/>
+        <a:buChar char="•"/>
+        <a:defRPr sz="1800" kern="1200">
+          <a:solidFill>
+            <a:schemeClr val="tx1"/>
+          </a:solidFill>
+          <a:latin typeface="+mn-lt"/>
+          <a:ea typeface="+mn-ea"/>
+          <a:cs typeface="+mn-cs"/>
+        </a:defRPr>
+      </a:lvl4pPr>
+      <a:lvl5pPr marL="2057400" indent="-228600" algn="l" defTabSz="914400" rtl="0" eaLnBrk="1" latinLnBrk="0" hangingPunct="1">
+        <a:lnSpc>
+          <a:spcPct val="90000"/>
+        </a:lnSpc>
+        <a:spcBef>
+          <a:spcPts val="500"/>
+        </a:spcBef>
+        <a:buFont typeface="Arial" panose="020B0604020202020204" pitchFamily="34" charset="0"/>
+        <a:buChar char="•"/>
+        <a:defRPr sz="1800" kern="1200">
+          <a:solidFill>
+            <a:schemeClr val="tx1"/>
+          </a:solidFill>
+          <a:latin typeface="+mn-lt"/>
+          <a:ea typeface="+mn-ea"/>
+          <a:cs typeface="+mn-cs"/>
+        </a:defRPr>
+      </a:lvl5pPr>
+      <a:lvl6pPr marL="2514600" indent="-228600" algn="l" defTabSz="914400" rtl="0" eaLnBrk="1" latinLnBrk="0" hangingPunct="1">
+        <a:lnSpc>
+          <a:spcPct val="90000"/>
+        </a:lnSpc>
+        <a:spcBef>
+          <a:spcPts val="500"/>
+        </a:spcBef>
+        <a:buFont typeface="Arial" panose="020B0604020202020204" pitchFamily="34" charset="0"/>
+        <a:buChar char="•"/>
+        <a:defRPr sz="1800" kern="1200">
+          <a:solidFill>
+            <a:schemeClr val="tx1"/>
+          </a:solidFill>
+          <a:latin typeface="+mn-lt"/>
+          <a:ea typeface="+mn-ea"/>
+          <a:cs typeface="+mn-cs"/>
+        </a:defRPr>
+      </a:lvl6pPr>
+      <a:lvl7pPr marL="2971800" indent="-228600" algn="l" defTabSz="914400" rtl="0" eaLnBrk="1" latinLnBrk="0" hangingPunct="1">
+        <a:lnSpc>
+          <a:spcPct val="90000"/>
+        </a:lnSpc>
+        <a:spcBef>
+          <a:spcPts val="500"/>
+        </a:spcBef>
+        <a:buFont typeface="Arial" panose="020B0604020202020204" pitchFamily="34" charset="0"/>
+        <a:buChar char="•"/>
+        <a:defRPr sz="1800" kern="1200">
+          <a:solidFill>
+            <a:schemeClr val="tx1"/>
+          </a:solidFill>
+          <a:latin typeface="+mn-lt"/>
+          <a:ea typeface="+mn-ea"/>
+          <a:cs typeface="+mn-cs"/>
+        </a:defRPr>
+      </a:lvl7pPr>
+      <a:lvl8pPr marL="3429000" indent="-228600" algn="l" defTabSz="914400" rtl="0" eaLnBrk="1" latinLnBrk="0" hangingPunct="1">
+        <a:lnSpc>
+          <a:spcPct val="90000"/>
+        </a:lnSpc>
+        <a:spcBef>
+          <a:spcPts val="500"/>
+        </a:spcBef>
+        <a:buFont typeface="Arial" panose="020B0604020202020204" pitchFamily="34" charset="0"/>
+        <a:buChar char="•"/>
+        <a:defRPr sz="1800" kern="1200">
+          <a:solidFill>
+            <a:schemeClr val="tx1"/>
+          </a:solidFill>
+          <a:latin typeface="+mn-lt"/>
+          <a:ea typeface="+mn-ea"/>
+          <a:cs typeface="+mn-cs"/>
+        </a:defRPr>
+      </a:lvl8pPr>
+      <a:lvl9pPr marL="3886200" indent="-228600" algn="l" defTabSz="914400" rtl="0" eaLnBrk="1" latinLnBrk="0" hangingPunct="1">
+        <a:lnSpc>
+          <a:spcPct val="90000"/>
+        </a:lnSpc>
+        <a:spcBef>
+          <a:spcPts val="500"/>
+        </a:spcBef>
+        <a:buFont typeface="Arial" panose="020B0604020202020204" pitchFamily="34" charset="0"/>
+        <a:buChar char="•"/>
+        <a:defRPr sz="1800" kern="1200">
+          <a:solidFill>
+            <a:schemeClr val="tx1"/>
+          </a:solidFill>
+          <a:latin typeface="+mn-lt"/>
+          <a:ea typeface="+mn-ea"/>
+          <a:cs typeface="+mn-cs"/>
+        </a:defRPr>
+      </a:lvl9pPr>
+    </p:bodyStyle>
+    <p:otherStyle>
+      <a:defPPr>
+        <a:defRPr lang="cs-CZ"/>
+      </a:defPPr>
+      <a:lvl1pPr marL="0" algn="l" defTabSz="914400" rtl="0" eaLnBrk="1" latinLnBrk="0" hangingPunct="1">
+        <a:defRPr sz="1800" kern="1200">
+          <a:solidFill>
+            <a:schemeClr val="tx1"/>
+          </a:solidFill>
+          <a:latin typeface="+mn-lt"/>
+          <a:ea typeface="+mn-ea"/>
+          <a:cs typeface="+mn-cs"/>
+        </a:defRPr>
+      </a:lvl1pPr>
+      <a:lvl2pPr marL="457200" algn="l" defTabSz="914400" rtl="0" eaLnBrk="1" latinLnBrk="0" hangingPunct="1">
+        <a:defRPr sz="1800" kern="1200">
+          <a:solidFill>
+            <a:schemeClr val="tx1"/>
+          </a:solidFill>
+          <a:latin typeface="+mn-lt"/>
+          <a:ea typeface="+mn-ea"/>
+          <a:cs typeface="+mn-cs"/>
+        </a:defRPr>
+      </a:lvl2pPr>
+      <a:lvl3pPr marL="914400" algn="l" defTabSz="914400" rtl="0" eaLnBrk="1" latinLnBrk="0" hangingPunct="1">
+        <a:defRPr sz="1800" kern="1200">
+          <a:solidFill>
+            <a:schemeClr val="tx1"/>
+          </a:solidFill>
+          <a:latin typeface="+mn-lt"/>
+          <a:ea typeface="+mn-ea"/>
+          <a:cs typeface="+mn-cs"/>
+        </a:defRPr>
+      </a:lvl3pPr>
+      <a:lvl4pPr marL="1371600" algn="l" defTabSz="914400" rtl="0" eaLnBrk="1" latinLnBrk="0" hangingPunct="1">
+        <a:defRPr sz="1800" kern="1200">
+          <a:solidFill>
+            <a:schemeClr val="tx1"/>
+          </a:solidFill>
+          <a:latin typeface="+mn-lt"/>
+          <a:ea typeface="+mn-ea"/>
+          <a:cs typeface="+mn-cs"/>
+        </a:defRPr>
+      </a:lvl4pPr>
+      <a:lvl5pPr marL="1828800" algn="l" defTabSz="914400" rtl="0" eaLnBrk="1" latinLnBrk="0" hangingPunct="1">
+        <a:defRPr sz="1800" kern="1200">
+          <a:solidFill>
+            <a:schemeClr val="tx1"/>
+          </a:solidFill>
+          <a:latin typeface="+mn-lt"/>
+          <a:ea typeface="+mn-ea"/>
+          <a:cs typeface="+mn-cs"/>
+        </a:defRPr>
+      </a:lvl5pPr>
+      <a:lvl6pPr marL="2286000" algn="l" defTabSz="914400" rtl="0" eaLnBrk="1" latinLnBrk="0" hangingPunct="1">
+        <a:defRPr sz="1800" kern="1200">
+          <a:solidFill>
+            <a:schemeClr val="tx1"/>
+          </a:solidFill>
+          <a:latin typeface="+mn-lt"/>
+          <a:ea typeface="+mn-ea"/>
+          <a:cs typeface="+mn-cs"/>
+        </a:defRPr>
+      </a:lvl6pPr>
+      <a:lvl7pPr marL="2743200" algn="l" defTabSz="914400" rtl="0" eaLnBrk="1" latinLnBrk="0" hangingPunct="1">
+        <a:defRPr sz="1800" kern="1200">
+          <a:solidFill>
+            <a:schemeClr val="tx1"/>
+          </a:solidFill>
+          <a:latin typeface="+mn-lt"/>
+          <a:ea typeface="+mn-ea"/>
+          <a:cs typeface="+mn-cs"/>
+        </a:defRPr>
+      </a:lvl7pPr>
+      <a:lvl8pPr marL="3200400" algn="l" defTabSz="914400" rtl="0" eaLnBrk="1" latinLnBrk="0" hangingPunct="1">
+        <a:defRPr sz="1800" kern="1200">
+          <a:solidFill>
+            <a:schemeClr val="tx1"/>
+          </a:solidFill>
+          <a:latin typeface="+mn-lt"/>
+          <a:ea typeface="+mn-ea"/>
+          <a:cs typeface="+mn-cs"/>
+        </a:defRPr>
+      </a:lvl8pPr>
+      <a:lvl9pPr marL="3657600" algn="l" defTabSz="914400" rtl="0" eaLnBrk="1" latinLnBrk="0" hangingPunct="1">
+        <a:defRPr sz="1800" kern="1200">
+          <a:solidFill>
+            <a:schemeClr val="tx1"/>
+          </a:solidFill>
+          <a:latin typeface="+mn-lt"/>
+          <a:ea typeface="+mn-ea"/>
+          <a:cs typeface="+mn-cs"/>
+        </a:defRPr>
+      </a:lvl9pPr>
+    </p:otherStyle>
+  </p:txStyles>
 </p:sldMaster>
 </file>
 
 <file path=ppt/slideMasters/slideMaster3.xml><?xml version="1.0" encoding="utf-8"?>
-<p:sldMaster xmlns:a="http://schemas.openxmlformats.org/drawingml/2006/main" xmlns:p="http://schemas.openxmlformats.org/presentationml/2006/main" xmlns:r="http://schemas.openxmlformats.org/officeDocument/2006/relationships" xmlns:p14="http://schemas.microsoft.com/office/powerpoint/2010/main" xmlns:p15="http://schemas.microsoft.com/office/powerpoint/2012/main" xmlns:mc="http://schemas.openxmlformats.org/markup-compatibility/2006">
+<p:sldMaster xmlns:a="http://schemas.openxmlformats.org/drawingml/2006/main" xmlns:r="http://schemas.openxmlformats.org/officeDocument/2006/relationships" xmlns:p="http://schemas.openxmlformats.org/presentationml/2006/main">
   <p:cSld>
     <p:bg>
       <p:bgPr>
         <a:blipFill rotWithShape="0">
-          <a:blip r:embed="rId2"/>
+          <a:blip r:embed="rId14"/>
           <a:stretch>
             <a:fillRect/>
           </a:stretch>
         </a:blipFill>
+        <a:effectLst/>
       </p:bgPr>
     </p:bg>
     <p:spTree>
@@ -4580,18 +5410,16 @@
           </a:prstGeom>
         </p:spPr>
         <p:txBody>
-          <a:bodyPr lIns="0" rIns="0" tIns="0" bIns="0" anchor="ctr"/>
+          <a:bodyPr lIns="0" tIns="0" rIns="0" bIns="0" anchor="ctr"/>
+          <a:lstStyle/>
           <a:p>
             <a:pPr algn="ctr"/>
             <a:r>
-              <a:rPr b="0" lang="cs-CZ" sz="4400" spc="-1" strike="noStrike">
+              <a:rPr lang="cs-CZ" sz="4400" b="0" strike="noStrike" spc="-1">
                 <a:latin typeface="Arial"/>
               </a:rPr>
               <a:t>Klikněte pro úpravu formátu textu nadpisu</a:t>
             </a:r>
-            <a:endParaRPr b="0" lang="cs-CZ" sz="4400" spc="-1" strike="noStrike">
-              <a:latin typeface="Arial"/>
-            </a:endParaRPr>
           </a:p>
         </p:txBody>
       </p:sp>
@@ -4615,9 +5443,10 @@
           </a:prstGeom>
         </p:spPr>
         <p:txBody>
-          <a:bodyPr lIns="0" rIns="0" tIns="0" bIns="0">
+          <a:bodyPr lIns="0" tIns="0" rIns="0" bIns="0">
             <a:normAutofit/>
           </a:bodyPr>
+          <a:lstStyle/>
           <a:p>
             <a:pPr marL="432000" indent="-324000">
               <a:spcBef>
@@ -4631,17 +5460,14 @@
               <a:buChar char=""/>
             </a:pPr>
             <a:r>
-              <a:rPr b="0" lang="cs-CZ" sz="3200" spc="-1" strike="noStrike">
+              <a:rPr lang="cs-CZ" sz="3200" b="0" strike="noStrike" spc="-1">
                 <a:latin typeface="Arial"/>
               </a:rPr>
               <a:t>Klikněte pro úpravu formátu textu osnovy</a:t>
             </a:r>
-            <a:endParaRPr b="0" lang="cs-CZ" sz="3200" spc="-1" strike="noStrike">
-              <a:latin typeface="Arial"/>
-            </a:endParaRPr>
-          </a:p>
-          <a:p>
-            <a:pPr lvl="1" marL="864000" indent="-324000">
+          </a:p>
+          <a:p>
+            <a:pPr marL="864000" lvl="1" indent="-324000">
               <a:spcBef>
                 <a:spcPts val="1134"/>
               </a:spcBef>
@@ -4653,17 +5479,14 @@
               <a:buChar char=""/>
             </a:pPr>
             <a:r>
-              <a:rPr b="0" lang="cs-CZ" sz="2800" spc="-1" strike="noStrike">
+              <a:rPr lang="cs-CZ" sz="2800" b="0" strike="noStrike" spc="-1">
                 <a:latin typeface="Arial"/>
               </a:rPr>
               <a:t>Druhá úroveň</a:t>
             </a:r>
-            <a:endParaRPr b="0" lang="cs-CZ" sz="2800" spc="-1" strike="noStrike">
-              <a:latin typeface="Arial"/>
-            </a:endParaRPr>
-          </a:p>
-          <a:p>
-            <a:pPr lvl="2" marL="1296000" indent="-288000">
+          </a:p>
+          <a:p>
+            <a:pPr marL="1296000" lvl="2" indent="-288000">
               <a:spcBef>
                 <a:spcPts val="850"/>
               </a:spcBef>
@@ -4675,17 +5498,14 @@
               <a:buChar char=""/>
             </a:pPr>
             <a:r>
-              <a:rPr b="0" lang="cs-CZ" sz="2400" spc="-1" strike="noStrike">
+              <a:rPr lang="cs-CZ" sz="2400" b="0" strike="noStrike" spc="-1">
                 <a:latin typeface="Arial"/>
               </a:rPr>
               <a:t>Třetí úroveň</a:t>
             </a:r>
-            <a:endParaRPr b="0" lang="cs-CZ" sz="2400" spc="-1" strike="noStrike">
-              <a:latin typeface="Arial"/>
-            </a:endParaRPr>
-          </a:p>
-          <a:p>
-            <a:pPr lvl="3" marL="1728000" indent="-216000">
+          </a:p>
+          <a:p>
+            <a:pPr marL="1728000" lvl="3" indent="-216000">
               <a:spcBef>
                 <a:spcPts val="567"/>
               </a:spcBef>
@@ -4697,17 +5517,14 @@
               <a:buChar char=""/>
             </a:pPr>
             <a:r>
-              <a:rPr b="0" lang="cs-CZ" sz="2000" spc="-1" strike="noStrike">
+              <a:rPr lang="cs-CZ" sz="2000" b="0" strike="noStrike" spc="-1">
                 <a:latin typeface="Arial"/>
               </a:rPr>
               <a:t>Čtvrtá úroveň osnovy</a:t>
             </a:r>
-            <a:endParaRPr b="0" lang="cs-CZ" sz="2000" spc="-1" strike="noStrike">
-              <a:latin typeface="Arial"/>
-            </a:endParaRPr>
-          </a:p>
-          <a:p>
-            <a:pPr lvl="4" marL="2160000" indent="-216000">
+          </a:p>
+          <a:p>
+            <a:pPr marL="2160000" lvl="4" indent="-216000">
               <a:spcBef>
                 <a:spcPts val="283"/>
               </a:spcBef>
@@ -4719,17 +5536,14 @@
               <a:buChar char=""/>
             </a:pPr>
             <a:r>
-              <a:rPr b="0" lang="cs-CZ" sz="2000" spc="-1" strike="noStrike">
+              <a:rPr lang="cs-CZ" sz="2000" b="0" strike="noStrike" spc="-1">
                 <a:latin typeface="Arial"/>
               </a:rPr>
               <a:t>Pátá úroveň osnovy</a:t>
             </a:r>
-            <a:endParaRPr b="0" lang="cs-CZ" sz="2000" spc="-1" strike="noStrike">
-              <a:latin typeface="Arial"/>
-            </a:endParaRPr>
-          </a:p>
-          <a:p>
-            <a:pPr lvl="5" marL="2592000" indent="-216000">
+          </a:p>
+          <a:p>
+            <a:pPr marL="2592000" lvl="5" indent="-216000">
               <a:spcBef>
                 <a:spcPts val="283"/>
               </a:spcBef>
@@ -4741,17 +5555,14 @@
               <a:buChar char=""/>
             </a:pPr>
             <a:r>
-              <a:rPr b="0" lang="cs-CZ" sz="2000" spc="-1" strike="noStrike">
+              <a:rPr lang="cs-CZ" sz="2000" b="0" strike="noStrike" spc="-1">
                 <a:latin typeface="Arial"/>
               </a:rPr>
               <a:t>Šestá úroveň</a:t>
             </a:r>
-            <a:endParaRPr b="0" lang="cs-CZ" sz="2000" spc="-1" strike="noStrike">
-              <a:latin typeface="Arial"/>
-            </a:endParaRPr>
-          </a:p>
-          <a:p>
-            <a:pPr lvl="6" marL="3024000" indent="-216000">
+          </a:p>
+          <a:p>
+            <a:pPr marL="3024000" lvl="6" indent="-216000">
               <a:spcBef>
                 <a:spcPts val="283"/>
               </a:spcBef>
@@ -4763,39 +5574,316 @@
               <a:buChar char=""/>
             </a:pPr>
             <a:r>
-              <a:rPr b="0" lang="cs-CZ" sz="2000" spc="-1" strike="noStrike">
+              <a:rPr lang="cs-CZ" sz="2000" b="0" strike="noStrike" spc="-1">
                 <a:latin typeface="Arial"/>
               </a:rPr>
               <a:t>Sedmá úroveň</a:t>
             </a:r>
-            <a:endParaRPr b="0" lang="cs-CZ" sz="2000" spc="-1" strike="noStrike">
-              <a:latin typeface="Arial"/>
-            </a:endParaRPr>
           </a:p>
         </p:txBody>
       </p:sp>
     </p:spTree>
   </p:cSld>
-  <p:clrMap bg1="lt1" bg2="lt2" tx1="dk1" tx2="dk2" accent1="accent1" accent2="accent2" accent3="accent3" accent4="accent4" accent5="accent5" accent6="accent6" hlink="hlink" folHlink="folHlink"/>
+  <p:clrMap bg1="lt1" tx1="dk1" bg2="lt2" tx2="dk2" accent1="accent1" accent2="accent2" accent3="accent3" accent4="accent4" accent5="accent5" accent6="accent6" hlink="hlink" folHlink="folHlink"/>
   <p:sldLayoutIdLst>
-    <p:sldLayoutId id="2147483675" r:id="rId3"/>
-    <p:sldLayoutId id="2147483676" r:id="rId4"/>
-    <p:sldLayoutId id="2147483677" r:id="rId5"/>
-    <p:sldLayoutId id="2147483678" r:id="rId6"/>
-    <p:sldLayoutId id="2147483679" r:id="rId7"/>
-    <p:sldLayoutId id="2147483680" r:id="rId8"/>
-    <p:sldLayoutId id="2147483681" r:id="rId9"/>
-    <p:sldLayoutId id="2147483682" r:id="rId10"/>
-    <p:sldLayoutId id="2147483683" r:id="rId11"/>
-    <p:sldLayoutId id="2147483684" r:id="rId12"/>
-    <p:sldLayoutId id="2147483685" r:id="rId13"/>
-    <p:sldLayoutId id="2147483686" r:id="rId14"/>
+    <p:sldLayoutId id="2147483675" r:id="rId1"/>
+    <p:sldLayoutId id="2147483676" r:id="rId2"/>
+    <p:sldLayoutId id="2147483677" r:id="rId3"/>
+    <p:sldLayoutId id="2147483678" r:id="rId4"/>
+    <p:sldLayoutId id="2147483679" r:id="rId5"/>
+    <p:sldLayoutId id="2147483680" r:id="rId6"/>
+    <p:sldLayoutId id="2147483681" r:id="rId7"/>
+    <p:sldLayoutId id="2147483682" r:id="rId8"/>
+    <p:sldLayoutId id="2147483683" r:id="rId9"/>
+    <p:sldLayoutId id="2147483684" r:id="rId10"/>
+    <p:sldLayoutId id="2147483685" r:id="rId11"/>
+    <p:sldLayoutId id="2147483686" r:id="rId12"/>
   </p:sldLayoutIdLst>
+  <p:txStyles>
+    <p:titleStyle>
+      <a:lvl1pPr algn="l" defTabSz="914400" rtl="0" eaLnBrk="1" latinLnBrk="0" hangingPunct="1">
+        <a:lnSpc>
+          <a:spcPct val="90000"/>
+        </a:lnSpc>
+        <a:spcBef>
+          <a:spcPct val="0"/>
+        </a:spcBef>
+        <a:buNone/>
+        <a:defRPr sz="4400" kern="1200">
+          <a:solidFill>
+            <a:schemeClr val="tx1"/>
+          </a:solidFill>
+          <a:latin typeface="+mj-lt"/>
+          <a:ea typeface="+mj-ea"/>
+          <a:cs typeface="+mj-cs"/>
+        </a:defRPr>
+      </a:lvl1pPr>
+    </p:titleStyle>
+    <p:bodyStyle>
+      <a:lvl1pPr marL="228600" indent="-228600" algn="l" defTabSz="914400" rtl="0" eaLnBrk="1" latinLnBrk="0" hangingPunct="1">
+        <a:lnSpc>
+          <a:spcPct val="90000"/>
+        </a:lnSpc>
+        <a:spcBef>
+          <a:spcPts val="1000"/>
+        </a:spcBef>
+        <a:buFont typeface="Arial" panose="020B0604020202020204" pitchFamily="34" charset="0"/>
+        <a:buChar char="•"/>
+        <a:defRPr sz="2800" kern="1200">
+          <a:solidFill>
+            <a:schemeClr val="tx1"/>
+          </a:solidFill>
+          <a:latin typeface="+mn-lt"/>
+          <a:ea typeface="+mn-ea"/>
+          <a:cs typeface="+mn-cs"/>
+        </a:defRPr>
+      </a:lvl1pPr>
+      <a:lvl2pPr marL="685800" indent="-228600" algn="l" defTabSz="914400" rtl="0" eaLnBrk="1" latinLnBrk="0" hangingPunct="1">
+        <a:lnSpc>
+          <a:spcPct val="90000"/>
+        </a:lnSpc>
+        <a:spcBef>
+          <a:spcPts val="500"/>
+        </a:spcBef>
+        <a:buFont typeface="Arial" panose="020B0604020202020204" pitchFamily="34" charset="0"/>
+        <a:buChar char="•"/>
+        <a:defRPr sz="2400" kern="1200">
+          <a:solidFill>
+            <a:schemeClr val="tx1"/>
+          </a:solidFill>
+          <a:latin typeface="+mn-lt"/>
+          <a:ea typeface="+mn-ea"/>
+          <a:cs typeface="+mn-cs"/>
+        </a:defRPr>
+      </a:lvl2pPr>
+      <a:lvl3pPr marL="1143000" indent="-228600" algn="l" defTabSz="914400" rtl="0" eaLnBrk="1" latinLnBrk="0" hangingPunct="1">
+        <a:lnSpc>
+          <a:spcPct val="90000"/>
+        </a:lnSpc>
+        <a:spcBef>
+          <a:spcPts val="500"/>
+        </a:spcBef>
+        <a:buFont typeface="Arial" panose="020B0604020202020204" pitchFamily="34" charset="0"/>
+        <a:buChar char="•"/>
+        <a:defRPr sz="2000" kern="1200">
+          <a:solidFill>
+            <a:schemeClr val="tx1"/>
+          </a:solidFill>
+          <a:latin typeface="+mn-lt"/>
+          <a:ea typeface="+mn-ea"/>
+          <a:cs typeface="+mn-cs"/>
+        </a:defRPr>
+      </a:lvl3pPr>
+      <a:lvl4pPr marL="1600200" indent="-228600" algn="l" defTabSz="914400" rtl="0" eaLnBrk="1" latinLnBrk="0" hangingPunct="1">
+        <a:lnSpc>
+          <a:spcPct val="90000"/>
+        </a:lnSpc>
+        <a:spcBef>
+          <a:spcPts val="500"/>
+        </a:spcBef>
+        <a:buFont typeface="Arial" panose="020B0604020202020204" pitchFamily="34" charset="0"/>
+        <a:buChar char="•"/>
+        <a:defRPr sz="1800" kern="1200">
+          <a:solidFill>
+            <a:schemeClr val="tx1"/>
+          </a:solidFill>
+          <a:latin typeface="+mn-lt"/>
+          <a:ea typeface="+mn-ea"/>
+          <a:cs typeface="+mn-cs"/>
+        </a:defRPr>
+      </a:lvl4pPr>
+      <a:lvl5pPr marL="2057400" indent="-228600" algn="l" defTabSz="914400" rtl="0" eaLnBrk="1" latinLnBrk="0" hangingPunct="1">
+        <a:lnSpc>
+          <a:spcPct val="90000"/>
+        </a:lnSpc>
+        <a:spcBef>
+          <a:spcPts val="500"/>
+        </a:spcBef>
+        <a:buFont typeface="Arial" panose="020B0604020202020204" pitchFamily="34" charset="0"/>
+        <a:buChar char="•"/>
+        <a:defRPr sz="1800" kern="1200">
+          <a:solidFill>
+            <a:schemeClr val="tx1"/>
+          </a:solidFill>
+          <a:latin typeface="+mn-lt"/>
+          <a:ea typeface="+mn-ea"/>
+          <a:cs typeface="+mn-cs"/>
+        </a:defRPr>
+      </a:lvl5pPr>
+      <a:lvl6pPr marL="2514600" indent="-228600" algn="l" defTabSz="914400" rtl="0" eaLnBrk="1" latinLnBrk="0" hangingPunct="1">
+        <a:lnSpc>
+          <a:spcPct val="90000"/>
+        </a:lnSpc>
+        <a:spcBef>
+          <a:spcPts val="500"/>
+        </a:spcBef>
+        <a:buFont typeface="Arial" panose="020B0604020202020204" pitchFamily="34" charset="0"/>
+        <a:buChar char="•"/>
+        <a:defRPr sz="1800" kern="1200">
+          <a:solidFill>
+            <a:schemeClr val="tx1"/>
+          </a:solidFill>
+          <a:latin typeface="+mn-lt"/>
+          <a:ea typeface="+mn-ea"/>
+          <a:cs typeface="+mn-cs"/>
+        </a:defRPr>
+      </a:lvl6pPr>
+      <a:lvl7pPr marL="2971800" indent="-228600" algn="l" defTabSz="914400" rtl="0" eaLnBrk="1" latinLnBrk="0" hangingPunct="1">
+        <a:lnSpc>
+          <a:spcPct val="90000"/>
+        </a:lnSpc>
+        <a:spcBef>
+          <a:spcPts val="500"/>
+        </a:spcBef>
+        <a:buFont typeface="Arial" panose="020B0604020202020204" pitchFamily="34" charset="0"/>
+        <a:buChar char="•"/>
+        <a:defRPr sz="1800" kern="1200">
+          <a:solidFill>
+            <a:schemeClr val="tx1"/>
+          </a:solidFill>
+          <a:latin typeface="+mn-lt"/>
+          <a:ea typeface="+mn-ea"/>
+          <a:cs typeface="+mn-cs"/>
+        </a:defRPr>
+      </a:lvl7pPr>
+      <a:lvl8pPr marL="3429000" indent="-228600" algn="l" defTabSz="914400" rtl="0" eaLnBrk="1" latinLnBrk="0" hangingPunct="1">
+        <a:lnSpc>
+          <a:spcPct val="90000"/>
+        </a:lnSpc>
+        <a:spcBef>
+          <a:spcPts val="500"/>
+        </a:spcBef>
+        <a:buFont typeface="Arial" panose="020B0604020202020204" pitchFamily="34" charset="0"/>
+        <a:buChar char="•"/>
+        <a:defRPr sz="1800" kern="1200">
+          <a:solidFill>
+            <a:schemeClr val="tx1"/>
+          </a:solidFill>
+          <a:latin typeface="+mn-lt"/>
+          <a:ea typeface="+mn-ea"/>
+          <a:cs typeface="+mn-cs"/>
+        </a:defRPr>
+      </a:lvl8pPr>
+      <a:lvl9pPr marL="3886200" indent="-228600" algn="l" defTabSz="914400" rtl="0" eaLnBrk="1" latinLnBrk="0" hangingPunct="1">
+        <a:lnSpc>
+          <a:spcPct val="90000"/>
+        </a:lnSpc>
+        <a:spcBef>
+          <a:spcPts val="500"/>
+        </a:spcBef>
+        <a:buFont typeface="Arial" panose="020B0604020202020204" pitchFamily="34" charset="0"/>
+        <a:buChar char="•"/>
+        <a:defRPr sz="1800" kern="1200">
+          <a:solidFill>
+            <a:schemeClr val="tx1"/>
+          </a:solidFill>
+          <a:latin typeface="+mn-lt"/>
+          <a:ea typeface="+mn-ea"/>
+          <a:cs typeface="+mn-cs"/>
+        </a:defRPr>
+      </a:lvl9pPr>
+    </p:bodyStyle>
+    <p:otherStyle>
+      <a:defPPr>
+        <a:defRPr lang="cs-CZ"/>
+      </a:defPPr>
+      <a:lvl1pPr marL="0" algn="l" defTabSz="914400" rtl="0" eaLnBrk="1" latinLnBrk="0" hangingPunct="1">
+        <a:defRPr sz="1800" kern="1200">
+          <a:solidFill>
+            <a:schemeClr val="tx1"/>
+          </a:solidFill>
+          <a:latin typeface="+mn-lt"/>
+          <a:ea typeface="+mn-ea"/>
+          <a:cs typeface="+mn-cs"/>
+        </a:defRPr>
+      </a:lvl1pPr>
+      <a:lvl2pPr marL="457200" algn="l" defTabSz="914400" rtl="0" eaLnBrk="1" latinLnBrk="0" hangingPunct="1">
+        <a:defRPr sz="1800" kern="1200">
+          <a:solidFill>
+            <a:schemeClr val="tx1"/>
+          </a:solidFill>
+          <a:latin typeface="+mn-lt"/>
+          <a:ea typeface="+mn-ea"/>
+          <a:cs typeface="+mn-cs"/>
+        </a:defRPr>
+      </a:lvl2pPr>
+      <a:lvl3pPr marL="914400" algn="l" defTabSz="914400" rtl="0" eaLnBrk="1" latinLnBrk="0" hangingPunct="1">
+        <a:defRPr sz="1800" kern="1200">
+          <a:solidFill>
+            <a:schemeClr val="tx1"/>
+          </a:solidFill>
+          <a:latin typeface="+mn-lt"/>
+          <a:ea typeface="+mn-ea"/>
+          <a:cs typeface="+mn-cs"/>
+        </a:defRPr>
+      </a:lvl3pPr>
+      <a:lvl4pPr marL="1371600" algn="l" defTabSz="914400" rtl="0" eaLnBrk="1" latinLnBrk="0" hangingPunct="1">
+        <a:defRPr sz="1800" kern="1200">
+          <a:solidFill>
+            <a:schemeClr val="tx1"/>
+          </a:solidFill>
+          <a:latin typeface="+mn-lt"/>
+          <a:ea typeface="+mn-ea"/>
+          <a:cs typeface="+mn-cs"/>
+        </a:defRPr>
+      </a:lvl4pPr>
+      <a:lvl5pPr marL="1828800" algn="l" defTabSz="914400" rtl="0" eaLnBrk="1" latinLnBrk="0" hangingPunct="1">
+        <a:defRPr sz="1800" kern="1200">
+          <a:solidFill>
+            <a:schemeClr val="tx1"/>
+          </a:solidFill>
+          <a:latin typeface="+mn-lt"/>
+          <a:ea typeface="+mn-ea"/>
+          <a:cs typeface="+mn-cs"/>
+        </a:defRPr>
+      </a:lvl5pPr>
+      <a:lvl6pPr marL="2286000" algn="l" defTabSz="914400" rtl="0" eaLnBrk="1" latinLnBrk="0" hangingPunct="1">
+        <a:defRPr sz="1800" kern="1200">
+          <a:solidFill>
+            <a:schemeClr val="tx1"/>
+          </a:solidFill>
+          <a:latin typeface="+mn-lt"/>
+          <a:ea typeface="+mn-ea"/>
+          <a:cs typeface="+mn-cs"/>
+        </a:defRPr>
+      </a:lvl6pPr>
+      <a:lvl7pPr marL="2743200" algn="l" defTabSz="914400" rtl="0" eaLnBrk="1" latinLnBrk="0" hangingPunct="1">
+        <a:defRPr sz="1800" kern="1200">
+          <a:solidFill>
+            <a:schemeClr val="tx1"/>
+          </a:solidFill>
+          <a:latin typeface="+mn-lt"/>
+          <a:ea typeface="+mn-ea"/>
+          <a:cs typeface="+mn-cs"/>
+        </a:defRPr>
+      </a:lvl7pPr>
+      <a:lvl8pPr marL="3200400" algn="l" defTabSz="914400" rtl="0" eaLnBrk="1" latinLnBrk="0" hangingPunct="1">
+        <a:defRPr sz="1800" kern="1200">
+          <a:solidFill>
+            <a:schemeClr val="tx1"/>
+          </a:solidFill>
+          <a:latin typeface="+mn-lt"/>
+          <a:ea typeface="+mn-ea"/>
+          <a:cs typeface="+mn-cs"/>
+        </a:defRPr>
+      </a:lvl8pPr>
+      <a:lvl9pPr marL="3657600" algn="l" defTabSz="914400" rtl="0" eaLnBrk="1" latinLnBrk="0" hangingPunct="1">
+        <a:defRPr sz="1800" kern="1200">
+          <a:solidFill>
+            <a:schemeClr val="tx1"/>
+          </a:solidFill>
+          <a:latin typeface="+mn-lt"/>
+          <a:ea typeface="+mn-ea"/>
+          <a:cs typeface="+mn-cs"/>
+        </a:defRPr>
+      </a:lvl9pPr>
+    </p:otherStyle>
+  </p:txStyles>
 </p:sldMaster>
 </file>
 
 <file path=ppt/slides/slide1.xml><?xml version="1.0" encoding="utf-8"?>
-<p:sld xmlns:a="http://schemas.openxmlformats.org/drawingml/2006/main" xmlns:p="http://schemas.openxmlformats.org/presentationml/2006/main" xmlns:r="http://schemas.openxmlformats.org/officeDocument/2006/relationships" xmlns:p14="http://schemas.microsoft.com/office/powerpoint/2010/main" xmlns:p15="http://schemas.microsoft.com/office/powerpoint/2012/main" xmlns:mc="http://schemas.openxmlformats.org/markup-compatibility/2006">
+<p:sld xmlns:a="http://schemas.openxmlformats.org/drawingml/2006/main" xmlns:r="http://schemas.openxmlformats.org/officeDocument/2006/relationships" xmlns:p="http://schemas.openxmlformats.org/presentationml/2006/main">
   <p:cSld>
     <p:spTree>
       <p:nvGrpSpPr>
@@ -4831,15 +5919,22 @@
           </a:ln>
         </p:spPr>
         <p:style>
-          <a:lnRef idx="0"/>
-          <a:fillRef idx="0"/>
-          <a:effectRef idx="0"/>
+          <a:lnRef idx="0">
+            <a:scrgbClr r="0" g="0" b="0"/>
+          </a:lnRef>
+          <a:fillRef idx="0">
+            <a:scrgbClr r="0" g="0" b="0"/>
+          </a:fillRef>
+          <a:effectRef idx="0">
+            <a:scrgbClr r="0" g="0" b="0"/>
+          </a:effectRef>
           <a:fontRef idx="minor"/>
         </p:style>
         <p:txBody>
-          <a:bodyPr lIns="0" rIns="0" tIns="0" bIns="0" anchor="ctr">
+          <a:bodyPr lIns="0" tIns="0" rIns="0" bIns="0" anchor="ctr">
             <a:normAutofit/>
           </a:bodyPr>
+          <a:lstStyle/>
           <a:p>
             <a:pPr algn="ctr">
               <a:lnSpc>
@@ -4847,16 +5942,16 @@
               </a:lnSpc>
             </a:pPr>
             <a:r>
-              <a:rPr b="0" lang="cs-CZ" sz="4400" spc="-1" strike="noStrike">
+              <a:rPr lang="cs-CZ" sz="4400" b="0" strike="noStrike" spc="-1">
                 <a:solidFill>
-                  <a:srgbClr val="ffffff"/>
+                  <a:srgbClr val="FFFFFF"/>
                 </a:solidFill>
                 <a:latin typeface="Ubuntu"/>
                 <a:ea typeface="DejaVu Sans"/>
               </a:rPr>
               <a:t>3-1 Zvuk</a:t>
             </a:r>
-            <a:endParaRPr b="0" lang="cs-CZ" sz="4400" spc="-1" strike="noStrike">
+            <a:endParaRPr lang="cs-CZ" sz="4400" b="0" strike="noStrike" spc="-1">
               <a:latin typeface="Arial"/>
             </a:endParaRPr>
           </a:p>
@@ -4882,13 +5977,20 @@
           </a:ln>
         </p:spPr>
         <p:style>
-          <a:lnRef idx="0"/>
-          <a:fillRef idx="0"/>
-          <a:effectRef idx="0"/>
+          <a:lnRef idx="0">
+            <a:scrgbClr r="0" g="0" b="0"/>
+          </a:lnRef>
+          <a:fillRef idx="0">
+            <a:scrgbClr r="0" g="0" b="0"/>
+          </a:fillRef>
+          <a:effectRef idx="0">
+            <a:scrgbClr r="0" g="0" b="0"/>
+          </a:effectRef>
           <a:fontRef idx="minor"/>
         </p:style>
         <p:txBody>
-          <a:bodyPr lIns="90000" rIns="90000" tIns="45000" bIns="45000"/>
+          <a:bodyPr lIns="90000" tIns="45000" rIns="90000" bIns="45000"/>
+          <a:lstStyle/>
           <a:p>
             <a:pPr>
               <a:lnSpc>
@@ -4896,7 +5998,7 @@
               </a:lnSpc>
             </a:pPr>
             <a:r>
-              <a:rPr b="0" lang="cs-CZ" sz="6000" spc="-1" strike="noStrike">
+              <a:rPr lang="cs-CZ" sz="6000" b="0" strike="noStrike" spc="-1">
                 <a:solidFill>
                   <a:srgbClr val="000000"/>
                 </a:solidFill>
@@ -4905,7 +6007,7 @@
               </a:rPr>
               <a:t>PRIM – Micro:bit</a:t>
             </a:r>
-            <a:endParaRPr b="0" lang="cs-CZ" sz="6000" spc="-1" strike="noStrike">
+            <a:endParaRPr lang="cs-CZ" sz="6000" b="0" strike="noStrike" spc="-1">
               <a:latin typeface="Arial"/>
             </a:endParaRPr>
           </a:p>
@@ -4913,6 +6015,9 @@
       </p:sp>
     </p:spTree>
   </p:cSld>
+  <p:clrMapOvr>
+    <a:masterClrMapping/>
+  </p:clrMapOvr>
   <p:timing>
     <p:tnLst>
       <p:par>
@@ -4921,14 +6026,14 @@
             <p:seq>
               <p:cTn id="2" dur="indefinite" nodeType="mainSeq"/>
               <p:prevCondLst>
-                <p:cond delay="0" evt="onPrev">
+                <p:cond evt="onPrev" delay="0">
                   <p:tgtEl>
                     <p:sldTgt/>
                   </p:tgtEl>
                 </p:cond>
               </p:prevCondLst>
               <p:nextCondLst>
-                <p:cond delay="0" evt="onNext">
+                <p:cond evt="onNext" delay="0">
                   <p:tgtEl>
                     <p:sldTgt/>
                   </p:tgtEl>
@@ -4944,7 +6049,7 @@
 </file>
 
 <file path=ppt/slides/slide2.xml><?xml version="1.0" encoding="utf-8"?>
-<p:sld xmlns:a="http://schemas.openxmlformats.org/drawingml/2006/main" xmlns:p="http://schemas.openxmlformats.org/presentationml/2006/main" xmlns:r="http://schemas.openxmlformats.org/officeDocument/2006/relationships" xmlns:p14="http://schemas.microsoft.com/office/powerpoint/2010/main" xmlns:p15="http://schemas.microsoft.com/office/powerpoint/2012/main" xmlns:mc="http://schemas.openxmlformats.org/markup-compatibility/2006">
+<p:sld xmlns:a="http://schemas.openxmlformats.org/drawingml/2006/main" xmlns:r="http://schemas.openxmlformats.org/officeDocument/2006/relationships" xmlns:p="http://schemas.openxmlformats.org/presentationml/2006/main">
   <p:cSld>
     <p:spTree>
       <p:nvGrpSpPr>
@@ -4980,9 +6085,15 @@
           </a:ln>
         </p:spPr>
         <p:style>
-          <a:lnRef idx="0"/>
-          <a:fillRef idx="0"/>
-          <a:effectRef idx="0"/>
+          <a:lnRef idx="0">
+            <a:scrgbClr r="0" g="0" b="0"/>
+          </a:lnRef>
+          <a:fillRef idx="0">
+            <a:scrgbClr r="0" g="0" b="0"/>
+          </a:fillRef>
+          <a:effectRef idx="0">
+            <a:scrgbClr r="0" g="0" b="0"/>
+          </a:effectRef>
           <a:fontRef idx="minor"/>
         </p:style>
       </p:sp>
@@ -5006,15 +6117,22 @@
           </a:ln>
         </p:spPr>
         <p:style>
-          <a:lnRef idx="0"/>
-          <a:fillRef idx="0"/>
-          <a:effectRef idx="0"/>
+          <a:lnRef idx="0">
+            <a:scrgbClr r="0" g="0" b="0"/>
+          </a:lnRef>
+          <a:fillRef idx="0">
+            <a:scrgbClr r="0" g="0" b="0"/>
+          </a:fillRef>
+          <a:effectRef idx="0">
+            <a:scrgbClr r="0" g="0" b="0"/>
+          </a:effectRef>
           <a:fontRef idx="minor"/>
         </p:style>
         <p:txBody>
-          <a:bodyPr lIns="0" rIns="0" tIns="0" bIns="0">
+          <a:bodyPr lIns="0" tIns="0" rIns="0" bIns="0">
             <a:normAutofit/>
           </a:bodyPr>
+          <a:lstStyle/>
           <a:p>
             <a:pPr marL="432000" indent="-322920">
               <a:lnSpc>
@@ -5032,7 +6150,7 @@
             </a:pPr>
             <a:br/>
             <a:r>
-              <a:rPr b="0" lang="cs-CZ" sz="3200" spc="-1" strike="noStrike">
+              <a:rPr lang="cs-CZ" sz="3200" b="0" strike="noStrike" spc="-1">
                 <a:solidFill>
                   <a:srgbClr val="000000"/>
                 </a:solidFill>
@@ -5041,7 +6159,7 @@
               </a:rPr>
               <a:t> </a:t>
             </a:r>
-            <a:endParaRPr b="0" lang="cs-CZ" sz="3200" spc="-1" strike="noStrike">
+            <a:endParaRPr lang="cs-CZ" sz="3200" b="0" strike="noStrike" spc="-1">
               <a:latin typeface="Arial"/>
             </a:endParaRPr>
           </a:p>
@@ -5067,13 +6185,20 @@
           </a:ln>
         </p:spPr>
         <p:style>
-          <a:lnRef idx="0"/>
-          <a:fillRef idx="0"/>
-          <a:effectRef idx="0"/>
+          <a:lnRef idx="0">
+            <a:scrgbClr r="0" g="0" b="0"/>
+          </a:lnRef>
+          <a:fillRef idx="0">
+            <a:scrgbClr r="0" g="0" b="0"/>
+          </a:fillRef>
+          <a:effectRef idx="0">
+            <a:scrgbClr r="0" g="0" b="0"/>
+          </a:effectRef>
           <a:fontRef idx="minor"/>
         </p:style>
         <p:txBody>
-          <a:bodyPr lIns="0" rIns="0" tIns="0" bIns="0" anchor="ctr"/>
+          <a:bodyPr lIns="0" tIns="0" rIns="0" bIns="0" anchor="ctr"/>
+          <a:lstStyle/>
           <a:p>
             <a:pPr algn="ctr">
               <a:lnSpc>
@@ -5081,25 +6206,22 @@
               </a:lnSpc>
             </a:pPr>
             <a:r>
-              <a:rPr b="0" lang="cs-CZ" sz="4400" spc="-1" strike="noStrike">
+              <a:rPr lang="cs-CZ" sz="4400" b="0" strike="noStrike" spc="-1">
                 <a:latin typeface="Arial"/>
               </a:rPr>
               <a:t>Připojení sluchátek (repráčku)</a:t>
             </a:r>
-            <a:endParaRPr b="0" lang="cs-CZ" sz="4400" spc="-1" strike="noStrike">
-              <a:latin typeface="Arial"/>
-            </a:endParaRPr>
           </a:p>
         </p:txBody>
       </p:sp>
       <p:pic>
         <p:nvPicPr>
-          <p:cNvPr id="119" name="" descr=""/>
+          <p:cNvPr id="119" name="Obrázek 118"/>
           <p:cNvPicPr/>
           <p:nvPr/>
         </p:nvPicPr>
         <p:blipFill>
-          <a:blip r:embed="rId1"/>
+          <a:blip r:embed="rId2"/>
           <a:stretch/>
         </p:blipFill>
         <p:spPr>
@@ -5117,22 +6239,25 @@
       </p:pic>
     </p:spTree>
   </p:cSld>
+  <p:clrMapOvr>
+    <a:masterClrMapping/>
+  </p:clrMapOvr>
   <p:timing>
     <p:tnLst>
       <p:par>
-        <p:cTn id="3" dur="indefinite" restart="never" nodeType="tmRoot">
+        <p:cTn id="1" dur="indefinite" restart="never" nodeType="tmRoot">
           <p:childTnLst>
             <p:seq>
-              <p:cTn id="4" dur="indefinite" nodeType="mainSeq"/>
+              <p:cTn id="2" dur="indefinite" nodeType="mainSeq"/>
               <p:prevCondLst>
-                <p:cond delay="0" evt="onPrev">
+                <p:cond evt="onPrev" delay="0">
                   <p:tgtEl>
                     <p:sldTgt/>
                   </p:tgtEl>
                 </p:cond>
               </p:prevCondLst>
               <p:nextCondLst>
-                <p:cond delay="0" evt="onNext">
+                <p:cond evt="onNext" delay="0">
                   <p:tgtEl>
                     <p:sldTgt/>
                   </p:tgtEl>
@@ -5148,7 +6273,7 @@
 </file>
 
 <file path=ppt/slides/slide3.xml><?xml version="1.0" encoding="utf-8"?>
-<p:sld xmlns:a="http://schemas.openxmlformats.org/drawingml/2006/main" xmlns:p="http://schemas.openxmlformats.org/presentationml/2006/main" xmlns:r="http://schemas.openxmlformats.org/officeDocument/2006/relationships" xmlns:p14="http://schemas.microsoft.com/office/powerpoint/2010/main" xmlns:p15="http://schemas.microsoft.com/office/powerpoint/2012/main" xmlns:mc="http://schemas.openxmlformats.org/markup-compatibility/2006">
+<p:sld xmlns:a="http://schemas.openxmlformats.org/drawingml/2006/main" xmlns:r="http://schemas.openxmlformats.org/officeDocument/2006/relationships" xmlns:p="http://schemas.openxmlformats.org/presentationml/2006/main">
   <p:cSld>
     <p:spTree>
       <p:nvGrpSpPr>
@@ -5184,13 +6309,20 @@
           </a:ln>
         </p:spPr>
         <p:style>
-          <a:lnRef idx="0"/>
-          <a:fillRef idx="0"/>
-          <a:effectRef idx="0"/>
+          <a:lnRef idx="0">
+            <a:scrgbClr r="0" g="0" b="0"/>
+          </a:lnRef>
+          <a:fillRef idx="0">
+            <a:scrgbClr r="0" g="0" b="0"/>
+          </a:fillRef>
+          <a:effectRef idx="0">
+            <a:scrgbClr r="0" g="0" b="0"/>
+          </a:effectRef>
           <a:fontRef idx="minor"/>
         </p:style>
         <p:txBody>
-          <a:bodyPr lIns="0" rIns="0" tIns="0" bIns="0" anchor="ctr"/>
+          <a:bodyPr lIns="0" tIns="0" rIns="0" bIns="0" anchor="ctr"/>
+          <a:lstStyle/>
           <a:p>
             <a:pPr algn="ctr">
               <a:lnSpc>
@@ -5198,7 +6330,7 @@
               </a:lnSpc>
             </a:pPr>
             <a:r>
-              <a:rPr b="0" lang="cs-CZ" sz="4400" spc="-1" strike="noStrike">
+              <a:rPr lang="cs-CZ" sz="4400" b="0" strike="noStrike" spc="-1">
                 <a:solidFill>
                   <a:srgbClr val="000000"/>
                 </a:solidFill>
@@ -5207,7 +6339,7 @@
               </a:rPr>
               <a:t>První program</a:t>
             </a:r>
-            <a:endParaRPr b="0" lang="cs-CZ" sz="4400" spc="-1" strike="noStrike">
+            <a:endParaRPr lang="cs-CZ" sz="4400" b="0" strike="noStrike" spc="-1">
               <a:latin typeface="Arial"/>
             </a:endParaRPr>
           </a:p>
@@ -5233,22 +6365,29 @@
           </a:ln>
         </p:spPr>
         <p:style>
-          <a:lnRef idx="0"/>
-          <a:fillRef idx="0"/>
-          <a:effectRef idx="0"/>
+          <a:lnRef idx="0">
+            <a:scrgbClr r="0" g="0" b="0"/>
+          </a:lnRef>
+          <a:fillRef idx="0">
+            <a:scrgbClr r="0" g="0" b="0"/>
+          </a:fillRef>
+          <a:effectRef idx="0">
+            <a:scrgbClr r="0" g="0" b="0"/>
+          </a:effectRef>
           <a:fontRef idx="minor"/>
         </p:style>
         <p:txBody>
-          <a:bodyPr lIns="0" rIns="0" tIns="0" bIns="0">
+          <a:bodyPr lIns="0" tIns="0" rIns="0" bIns="0">
             <a:normAutofit/>
           </a:bodyPr>
+          <a:lstStyle/>
           <a:p>
             <a:pPr>
               <a:lnSpc>
                 <a:spcPct val="100000"/>
               </a:lnSpc>
             </a:pPr>
-            <a:endParaRPr b="0" lang="cs-CZ" sz="1800" spc="-1" strike="noStrike">
+            <a:endParaRPr lang="cs-CZ" sz="1800" b="0" strike="noStrike" spc="-1" dirty="0">
               <a:latin typeface="Arial"/>
             </a:endParaRPr>
           </a:p>
@@ -5258,7 +6397,7 @@
                 <a:spcPct val="100000"/>
               </a:lnSpc>
             </a:pPr>
-            <a:endParaRPr b="0" lang="cs-CZ" sz="1800" spc="-1" strike="noStrike">
+            <a:endParaRPr lang="cs-CZ" sz="1800" b="0" strike="noStrike" spc="-1" dirty="0">
               <a:latin typeface="Arial"/>
             </a:endParaRPr>
           </a:p>
@@ -5268,7 +6407,7 @@
                 <a:spcPct val="100000"/>
               </a:lnSpc>
             </a:pPr>
-            <a:endParaRPr b="0" lang="cs-CZ" sz="1800" spc="-1" strike="noStrike">
+            <a:endParaRPr lang="cs-CZ" sz="1800" b="0" strike="noStrike" spc="-1" dirty="0">
               <a:latin typeface="Arial"/>
             </a:endParaRPr>
           </a:p>
@@ -5278,7 +6417,27 @@
                 <a:spcPct val="100000"/>
               </a:lnSpc>
             </a:pPr>
-            <a:endParaRPr b="0" lang="cs-CZ" sz="1800" spc="-1" strike="noStrike">
+            <a:endParaRPr lang="cs-CZ" sz="1800" b="0" strike="noStrike" spc="-1" dirty="0">
+              <a:latin typeface="Arial"/>
+            </a:endParaRPr>
+          </a:p>
+          <a:p>
+            <a:pPr>
+              <a:lnSpc>
+                <a:spcPct val="100000"/>
+              </a:lnSpc>
+            </a:pPr>
+            <a:endParaRPr lang="cs-CZ" spc="-1" dirty="0">
+              <a:latin typeface="Arial"/>
+            </a:endParaRPr>
+          </a:p>
+          <a:p>
+            <a:pPr>
+              <a:lnSpc>
+                <a:spcPct val="100000"/>
+              </a:lnSpc>
+            </a:pPr>
+            <a:endParaRPr lang="cs-CZ" sz="1800" b="0" strike="noStrike" spc="-1" dirty="0">
               <a:latin typeface="Arial"/>
             </a:endParaRPr>
           </a:p>
@@ -5295,7 +6454,7 @@
               <a:buChar char=""/>
             </a:pPr>
             <a:r>
-              <a:rPr b="0" lang="cs-CZ" sz="3200" spc="-1" strike="noStrike">
+              <a:rPr lang="cs-CZ" sz="3200" b="0" strike="noStrike" spc="-1" dirty="0">
                 <a:solidFill>
                   <a:srgbClr val="000000"/>
                 </a:solidFill>
@@ -5304,12 +6463,9 @@
               </a:rPr>
               <a:t>Pokud neslyšíte žádný výstup:</a:t>
             </a:r>
-            <a:endParaRPr b="0" lang="cs-CZ" sz="3200" spc="-1" strike="noStrike">
-              <a:latin typeface="Arial"/>
-            </a:endParaRPr>
-          </a:p>
-          <a:p>
-            <a:pPr lvl="1" marL="432000" indent="-215640">
+          </a:p>
+          <a:p>
+            <a:pPr marL="432000" lvl="1" indent="-215640">
               <a:lnSpc>
                 <a:spcPct val="100000"/>
               </a:lnSpc>
@@ -5321,7 +6477,7 @@
               <a:buChar char=""/>
             </a:pPr>
             <a:r>
-              <a:rPr b="0" lang="cs-CZ" sz="3200" spc="-1" strike="noStrike">
+              <a:rPr lang="cs-CZ" sz="3200" b="0" strike="noStrike" spc="-1" dirty="0">
                 <a:solidFill>
                   <a:srgbClr val="000000"/>
                 </a:solidFill>
@@ -5330,12 +6486,12 @@
               </a:rPr>
               <a:t>Zkontrolujte připojení sluchátek (jejich hlasitost)</a:t>
             </a:r>
-            <a:endParaRPr b="0" lang="cs-CZ" sz="3200" spc="-1" strike="noStrike">
-              <a:latin typeface="Arial"/>
-            </a:endParaRPr>
-          </a:p>
-          <a:p>
-            <a:pPr lvl="1" marL="432000" indent="-215640">
+            <a:endParaRPr lang="cs-CZ" sz="3200" b="0" strike="noStrike" spc="-1" dirty="0">
+              <a:latin typeface="Arial"/>
+            </a:endParaRPr>
+          </a:p>
+          <a:p>
+            <a:pPr marL="432000" lvl="1" indent="-215640">
               <a:lnSpc>
                 <a:spcPct val="100000"/>
               </a:lnSpc>
@@ -5347,7 +6503,7 @@
               <a:buChar char=""/>
             </a:pPr>
             <a:r>
-              <a:rPr b="0" lang="cs-CZ" sz="3200" spc="-1" strike="noStrike">
+              <a:rPr lang="cs-CZ" sz="3200" b="0" strike="noStrike" spc="-1" dirty="0">
                 <a:solidFill>
                   <a:srgbClr val="000000"/>
                 </a:solidFill>
@@ -5356,12 +6512,12 @@
               </a:rPr>
               <a:t>Stiskněte reset</a:t>
             </a:r>
-            <a:endParaRPr b="0" lang="cs-CZ" sz="3200" spc="-1" strike="noStrike">
-              <a:latin typeface="Arial"/>
-            </a:endParaRPr>
-          </a:p>
-          <a:p>
-            <a:pPr lvl="1" marL="432000" indent="-215640">
+            <a:endParaRPr lang="cs-CZ" sz="3200" b="0" strike="noStrike" spc="-1" dirty="0">
+              <a:latin typeface="Arial"/>
+            </a:endParaRPr>
+          </a:p>
+          <a:p>
+            <a:pPr marL="432000" lvl="1" indent="-215640">
               <a:lnSpc>
                 <a:spcPct val="100000"/>
               </a:lnSpc>
@@ -5373,7 +6529,7 @@
               <a:buChar char=""/>
             </a:pPr>
             <a:r>
-              <a:rPr b="0" lang="cs-CZ" sz="3200" spc="-1" strike="noStrike">
+              <a:rPr lang="cs-CZ" sz="3200" b="0" strike="noStrike" spc="-1" dirty="0">
                 <a:solidFill>
                   <a:srgbClr val="000000"/>
                 </a:solidFill>
@@ -5382,7 +6538,7 @@
               </a:rPr>
               <a:t>Zkuste jiná sluchátka</a:t>
             </a:r>
-            <a:endParaRPr b="0" lang="cs-CZ" sz="3200" spc="-1" strike="noStrike">
+            <a:endParaRPr lang="cs-CZ" sz="3200" b="0" strike="noStrike" spc="-1" dirty="0">
               <a:latin typeface="Arial"/>
             </a:endParaRPr>
           </a:p>
@@ -5403,7 +6559,7 @@
             <a:avLst/>
           </a:prstGeom>
           <a:solidFill>
-            <a:srgbClr val="dddddd"/>
+            <a:srgbClr val="DDDDDD"/>
           </a:solidFill>
           <a:ln>
             <a:solidFill>
@@ -5412,7 +6568,8 @@
           </a:ln>
         </p:spPr>
         <p:txBody>
-          <a:bodyPr lIns="90000" rIns="90000" tIns="45000" bIns="45000"/>
+          <a:bodyPr lIns="90000" tIns="45000" rIns="90000" bIns="45000"/>
+          <a:lstStyle/>
           <a:p>
             <a:pPr>
               <a:lnSpc>
@@ -5420,7 +6577,7 @@
               </a:lnSpc>
             </a:pPr>
             <a:r>
-              <a:rPr b="0" lang="cs-CZ" sz="3200" spc="-1" strike="noStrike">
+              <a:rPr lang="cs-CZ" sz="3200" b="0" strike="noStrike" spc="-1">
                 <a:solidFill>
                   <a:srgbClr val="008000"/>
                 </a:solidFill>
@@ -5430,7 +6587,7 @@
               <a:t>from</a:t>
             </a:r>
             <a:r>
-              <a:rPr b="0" lang="cs-CZ" sz="3200" spc="-1" strike="noStrike">
+              <a:rPr lang="cs-CZ" sz="3200" b="0" strike="noStrike" spc="-1">
                 <a:solidFill>
                   <a:srgbClr val="000000"/>
                 </a:solidFill>
@@ -5440,9 +6597,9 @@
               <a:t> </a:t>
             </a:r>
             <a:r>
-              <a:rPr b="0" lang="cs-CZ" sz="3200" spc="-1" strike="noStrike">
+              <a:rPr lang="cs-CZ" sz="3200" b="0" strike="noStrike" spc="-1">
                 <a:solidFill>
-                  <a:srgbClr val="0000ff"/>
+                  <a:srgbClr val="0000FF"/>
                 </a:solidFill>
                 <a:latin typeface="Courier New"/>
                 <a:ea typeface="DejaVu Sans"/>
@@ -5450,7 +6607,7 @@
               <a:t>microbit</a:t>
             </a:r>
             <a:r>
-              <a:rPr b="0" lang="cs-CZ" sz="3200" spc="-1" strike="noStrike">
+              <a:rPr lang="cs-CZ" sz="3200" b="0" strike="noStrike" spc="-1">
                 <a:solidFill>
                   <a:srgbClr val="000000"/>
                 </a:solidFill>
@@ -5460,7 +6617,7 @@
               <a:t> </a:t>
             </a:r>
             <a:r>
-              <a:rPr b="0" lang="cs-CZ" sz="3200" spc="-1" strike="noStrike">
+              <a:rPr lang="cs-CZ" sz="3200" b="0" strike="noStrike" spc="-1">
                 <a:solidFill>
                   <a:srgbClr val="008000"/>
                 </a:solidFill>
@@ -5470,7 +6627,7 @@
               <a:t>import</a:t>
             </a:r>
             <a:r>
-              <a:rPr b="0" lang="cs-CZ" sz="3200" spc="-1" strike="noStrike">
+              <a:rPr lang="cs-CZ" sz="3200" b="0" strike="noStrike" spc="-1">
                 <a:solidFill>
                   <a:srgbClr val="000000"/>
                 </a:solidFill>
@@ -5480,7 +6637,7 @@
               <a:t> </a:t>
             </a:r>
             <a:r>
-              <a:rPr b="0" lang="cs-CZ" sz="3200" spc="-1" strike="noStrike">
+              <a:rPr lang="cs-CZ" sz="3200" b="0" strike="noStrike" spc="-1">
                 <a:solidFill>
                   <a:srgbClr val="666666"/>
                 </a:solidFill>
@@ -5489,7 +6646,7 @@
               </a:rPr>
               <a:t>*</a:t>
             </a:r>
-            <a:endParaRPr b="0" lang="cs-CZ" sz="3200" spc="-1" strike="noStrike">
+            <a:endParaRPr lang="cs-CZ" sz="3200" b="0" strike="noStrike" spc="-1">
               <a:latin typeface="Arial"/>
             </a:endParaRPr>
           </a:p>
@@ -5500,7 +6657,7 @@
               </a:lnSpc>
             </a:pPr>
             <a:r>
-              <a:rPr b="0" lang="cs-CZ" sz="3200" spc="-1" strike="noStrike">
+              <a:rPr lang="cs-CZ" sz="3200" b="0" strike="noStrike" spc="-1">
                 <a:solidFill>
                   <a:srgbClr val="008000"/>
                 </a:solidFill>
@@ -5510,7 +6667,7 @@
               <a:t>import</a:t>
             </a:r>
             <a:r>
-              <a:rPr b="0" lang="cs-CZ" sz="3200" spc="-1" strike="noStrike">
+              <a:rPr lang="cs-CZ" sz="3200" b="0" strike="noStrike" spc="-1">
                 <a:solidFill>
                   <a:srgbClr val="000000"/>
                 </a:solidFill>
@@ -5520,16 +6677,16 @@
               <a:t> </a:t>
             </a:r>
             <a:r>
-              <a:rPr b="0" lang="cs-CZ" sz="3200" spc="-1" strike="noStrike">
+              <a:rPr lang="cs-CZ" sz="3200" b="0" strike="noStrike" spc="-1">
                 <a:solidFill>
-                  <a:srgbClr val="0000ff"/>
+                  <a:srgbClr val="0000FF"/>
                 </a:solidFill>
                 <a:latin typeface="Courier New"/>
                 <a:ea typeface="DejaVu Sans"/>
               </a:rPr>
               <a:t>music</a:t>
             </a:r>
-            <a:endParaRPr b="0" lang="cs-CZ" sz="3200" spc="-1" strike="noStrike">
+            <a:endParaRPr lang="cs-CZ" sz="3200" b="0" strike="noStrike" spc="-1">
               <a:latin typeface="Arial"/>
             </a:endParaRPr>
           </a:p>
@@ -5540,7 +6697,7 @@
               </a:lnSpc>
             </a:pPr>
             <a:r>
-              <a:rPr b="0" lang="cs-CZ" sz="3200" spc="-1" strike="noStrike">
+              <a:rPr lang="cs-CZ" sz="3200" b="0" strike="noStrike" spc="-1">
                 <a:solidFill>
                   <a:srgbClr val="000000"/>
                 </a:solidFill>
@@ -5550,7 +6707,7 @@
               <a:t>music</a:t>
             </a:r>
             <a:r>
-              <a:rPr b="0" lang="cs-CZ" sz="3200" spc="-1" strike="noStrike">
+              <a:rPr lang="cs-CZ" sz="3200" b="0" strike="noStrike" spc="-1">
                 <a:solidFill>
                   <a:srgbClr val="666666"/>
                 </a:solidFill>
@@ -5560,7 +6717,7 @@
               <a:t>.</a:t>
             </a:r>
             <a:r>
-              <a:rPr b="0" lang="cs-CZ" sz="3200" spc="-1" strike="noStrike">
+              <a:rPr lang="cs-CZ" sz="3200" b="0" strike="noStrike" spc="-1">
                 <a:solidFill>
                   <a:srgbClr val="000000"/>
                 </a:solidFill>
@@ -5570,7 +6727,7 @@
               <a:t>play(music</a:t>
             </a:r>
             <a:r>
-              <a:rPr b="0" lang="cs-CZ" sz="3200" spc="-1" strike="noStrike">
+              <a:rPr lang="cs-CZ" sz="3200" b="0" strike="noStrike" spc="-1">
                 <a:solidFill>
                   <a:srgbClr val="666666"/>
                 </a:solidFill>
@@ -5580,7 +6737,7 @@
               <a:t>.</a:t>
             </a:r>
             <a:r>
-              <a:rPr b="0" lang="cs-CZ" sz="3200" spc="-1" strike="noStrike">
+              <a:rPr lang="cs-CZ" sz="3200" b="0" strike="noStrike" spc="-1">
                 <a:solidFill>
                   <a:srgbClr val="000000"/>
                 </a:solidFill>
@@ -5589,7 +6746,7 @@
               </a:rPr>
               <a:t>NYAN)</a:t>
             </a:r>
-            <a:endParaRPr b="0" lang="cs-CZ" sz="3200" spc="-1" strike="noStrike">
+            <a:endParaRPr lang="cs-CZ" sz="3200" b="0" strike="noStrike" spc="-1">
               <a:latin typeface="Arial"/>
             </a:endParaRPr>
           </a:p>
@@ -5597,22 +6754,25 @@
       </p:sp>
     </p:spTree>
   </p:cSld>
+  <p:clrMapOvr>
+    <a:masterClrMapping/>
+  </p:clrMapOvr>
   <p:timing>
     <p:tnLst>
       <p:par>
-        <p:cTn id="5" dur="indefinite" restart="never" nodeType="tmRoot">
+        <p:cTn id="1" dur="indefinite" restart="never" nodeType="tmRoot">
           <p:childTnLst>
             <p:seq>
-              <p:cTn id="6" dur="indefinite" nodeType="mainSeq"/>
+              <p:cTn id="2" dur="indefinite" nodeType="mainSeq"/>
               <p:prevCondLst>
-                <p:cond delay="0" evt="onPrev">
+                <p:cond evt="onPrev" delay="0">
                   <p:tgtEl>
                     <p:sldTgt/>
                   </p:tgtEl>
                 </p:cond>
               </p:prevCondLst>
               <p:nextCondLst>
-                <p:cond delay="0" evt="onNext">
+                <p:cond evt="onNext" delay="0">
                   <p:tgtEl>
                     <p:sldTgt/>
                   </p:tgtEl>
@@ -5628,7 +6788,7 @@
 </file>
 
 <file path=ppt/slides/slide4.xml><?xml version="1.0" encoding="utf-8"?>
-<p:sld xmlns:a="http://schemas.openxmlformats.org/drawingml/2006/main" xmlns:p="http://schemas.openxmlformats.org/presentationml/2006/main" xmlns:r="http://schemas.openxmlformats.org/officeDocument/2006/relationships" xmlns:p14="http://schemas.microsoft.com/office/powerpoint/2010/main" xmlns:p15="http://schemas.microsoft.com/office/powerpoint/2012/main" xmlns:mc="http://schemas.openxmlformats.org/markup-compatibility/2006">
+<p:sld xmlns:a="http://schemas.openxmlformats.org/drawingml/2006/main" xmlns:r="http://schemas.openxmlformats.org/officeDocument/2006/relationships" xmlns:p="http://schemas.openxmlformats.org/presentationml/2006/main">
   <p:cSld>
     <p:spTree>
       <p:nvGrpSpPr>
@@ -5664,13 +6824,20 @@
           </a:ln>
         </p:spPr>
         <p:style>
-          <a:lnRef idx="0"/>
-          <a:fillRef idx="0"/>
-          <a:effectRef idx="0"/>
+          <a:lnRef idx="0">
+            <a:scrgbClr r="0" g="0" b="0"/>
+          </a:lnRef>
+          <a:fillRef idx="0">
+            <a:scrgbClr r="0" g="0" b="0"/>
+          </a:fillRef>
+          <a:effectRef idx="0">
+            <a:scrgbClr r="0" g="0" b="0"/>
+          </a:effectRef>
           <a:fontRef idx="minor"/>
         </p:style>
         <p:txBody>
-          <a:bodyPr lIns="0" rIns="0" tIns="0" bIns="0" anchor="ctr"/>
+          <a:bodyPr lIns="0" tIns="0" rIns="0" bIns="0" anchor="ctr"/>
+          <a:lstStyle/>
           <a:p>
             <a:pPr algn="ctr">
               <a:lnSpc>
@@ -5678,7 +6845,7 @@
               </a:lnSpc>
             </a:pPr>
             <a:r>
-              <a:rPr b="0" lang="cs-CZ" sz="4400" spc="-1" strike="noStrike">
+              <a:rPr lang="cs-CZ" sz="4400" b="0" strike="noStrike" spc="-1">
                 <a:solidFill>
                   <a:srgbClr val="000000"/>
                 </a:solidFill>
@@ -5687,7 +6854,7 @@
               </a:rPr>
               <a:t>Druhý program</a:t>
             </a:r>
-            <a:endParaRPr b="0" lang="cs-CZ" sz="4400" spc="-1" strike="noStrike">
+            <a:endParaRPr lang="cs-CZ" sz="4400" b="0" strike="noStrike" spc="-1">
               <a:latin typeface="Arial"/>
             </a:endParaRPr>
           </a:p>
@@ -5701,38 +6868,45 @@
         </p:nvSpPr>
         <p:spPr>
           <a:xfrm>
-            <a:off x="504000" y="1769040"/>
-            <a:ext cx="9068760" cy="4381920"/>
+            <a:off x="389700" y="1301448"/>
+            <a:ext cx="9068760" cy="5348733"/>
           </a:xfrm>
           <a:prstGeom prst="rect">
             <a:avLst/>
           </a:prstGeom>
           <a:solidFill>
-            <a:srgbClr val="dddddd"/>
+            <a:srgbClr val="DDDDDD"/>
           </a:solidFill>
           <a:ln>
             <a:solidFill>
-              <a:srgbClr val="3465a4"/>
+              <a:srgbClr val="3465A4"/>
             </a:solidFill>
           </a:ln>
         </p:spPr>
         <p:style>
-          <a:lnRef idx="0"/>
-          <a:fillRef idx="0"/>
-          <a:effectRef idx="0"/>
+          <a:lnRef idx="0">
+            <a:scrgbClr r="0" g="0" b="0"/>
+          </a:lnRef>
+          <a:fillRef idx="0">
+            <a:scrgbClr r="0" g="0" b="0"/>
+          </a:fillRef>
+          <a:effectRef idx="0">
+            <a:scrgbClr r="0" g="0" b="0"/>
+          </a:effectRef>
           <a:fontRef idx="minor"/>
         </p:style>
         <p:txBody>
-          <a:bodyPr lIns="0" rIns="0" tIns="0" bIns="0">
-            <a:normAutofit/>
+          <a:bodyPr lIns="0" tIns="0" rIns="0" bIns="0">
+            <a:normAutofit fontScale="92500" lnSpcReduction="10000"/>
           </a:bodyPr>
+          <a:lstStyle/>
           <a:p>
             <a:pPr marL="609480" indent="-228240">
               <a:lnSpc>
                 <a:spcPct val="100000"/>
               </a:lnSpc>
             </a:pPr>
-            <a:endParaRPr b="0" lang="cs-CZ" sz="1800" spc="-1" strike="noStrike">
+            <a:endParaRPr lang="cs-CZ" sz="1800" b="0" strike="noStrike" spc="-1">
               <a:latin typeface="Arial"/>
             </a:endParaRPr>
           </a:p>
@@ -5749,7 +6923,7 @@
               </a:spcAft>
             </a:pPr>
             <a:r>
-              <a:rPr b="0" lang="cs-CZ" sz="3200" spc="-1" strike="noStrike">
+              <a:rPr lang="cs-CZ" sz="3200" b="0" strike="noStrike" spc="-1">
                 <a:solidFill>
                   <a:srgbClr val="008000"/>
                 </a:solidFill>
@@ -5759,7 +6933,7 @@
               <a:t>fro</a:t>
             </a:r>
             <a:r>
-              <a:rPr b="0" lang="cs-CZ" sz="3200" spc="-1" strike="noStrike">
+              <a:rPr lang="cs-CZ" sz="3200" b="0" strike="noStrike" spc="-1">
                 <a:solidFill>
                   <a:srgbClr val="000000"/>
                 </a:solidFill>
@@ -5769,9 +6943,9 @@
               <a:t>m</a:t>
             </a:r>
             <a:r>
-              <a:rPr b="0" lang="cs-CZ" sz="3200" spc="-1" strike="noStrike">
+              <a:rPr lang="cs-CZ" sz="3200" b="0" strike="noStrike" spc="-1">
                 <a:solidFill>
-                  <a:srgbClr val="0000ff"/>
+                  <a:srgbClr val="0000FF"/>
                 </a:solidFill>
                 <a:latin typeface="Courier New"/>
                 <a:ea typeface="DejaVu Sans"/>
@@ -5779,7 +6953,7 @@
               <a:t> microbi</a:t>
             </a:r>
             <a:r>
-              <a:rPr b="0" lang="cs-CZ" sz="3200" spc="-1" strike="noStrike">
+              <a:rPr lang="cs-CZ" sz="3200" b="0" strike="noStrike" spc="-1">
                 <a:solidFill>
                   <a:srgbClr val="000000"/>
                 </a:solidFill>
@@ -5789,7 +6963,7 @@
               <a:t>t</a:t>
             </a:r>
             <a:r>
-              <a:rPr b="0" lang="cs-CZ" sz="3200" spc="-1" strike="noStrike">
+              <a:rPr lang="cs-CZ" sz="3200" b="0" strike="noStrike" spc="-1">
                 <a:solidFill>
                   <a:srgbClr val="008000"/>
                 </a:solidFill>
@@ -5799,7 +6973,7 @@
               <a:t> impor</a:t>
             </a:r>
             <a:r>
-              <a:rPr b="0" lang="cs-CZ" sz="3200" spc="-1" strike="noStrike">
+              <a:rPr lang="cs-CZ" sz="3200" b="0" strike="noStrike" spc="-1">
                 <a:solidFill>
                   <a:srgbClr val="000000"/>
                 </a:solidFill>
@@ -5809,7 +6983,7 @@
               <a:t>t</a:t>
             </a:r>
             <a:r>
-              <a:rPr b="0" lang="cs-CZ" sz="3200" spc="-1" strike="noStrike">
+              <a:rPr lang="cs-CZ" sz="3200" b="0" strike="noStrike" spc="-1">
                 <a:solidFill>
                   <a:srgbClr val="666666"/>
                 </a:solidFill>
@@ -5819,7 +6993,7 @@
               <a:t> </a:t>
             </a:r>
             <a:r>
-              <a:rPr b="0" lang="cs-CZ" sz="3200" spc="-1" strike="noStrike">
+              <a:rPr lang="cs-CZ" sz="3200" b="0" strike="noStrike" spc="-1">
                 <a:solidFill>
                   <a:srgbClr val="000000"/>
                 </a:solidFill>
@@ -5828,7 +7002,7 @@
               </a:rPr>
               <a:t>*</a:t>
             </a:r>
-            <a:endParaRPr b="0" lang="cs-CZ" sz="3200" spc="-1" strike="noStrike">
+            <a:endParaRPr lang="cs-CZ" sz="3200" b="0" strike="noStrike" spc="-1">
               <a:latin typeface="Arial"/>
             </a:endParaRPr>
           </a:p>
@@ -5845,7 +7019,7 @@
               </a:spcAft>
             </a:pPr>
             <a:r>
-              <a:rPr b="0" lang="cs-CZ" sz="3200" spc="-1" strike="noStrike">
+              <a:rPr lang="cs-CZ" sz="3200" b="0" strike="noStrike" spc="-1">
                 <a:solidFill>
                   <a:srgbClr val="008000"/>
                 </a:solidFill>
@@ -5855,7 +7029,7 @@
               <a:t>impor</a:t>
             </a:r>
             <a:r>
-              <a:rPr b="0" lang="cs-CZ" sz="3200" spc="-1" strike="noStrike">
+              <a:rPr lang="cs-CZ" sz="3200" b="0" strike="noStrike" spc="-1">
                 <a:solidFill>
                   <a:srgbClr val="000000"/>
                 </a:solidFill>
@@ -5865,9 +7039,9 @@
               <a:t>t</a:t>
             </a:r>
             <a:r>
-              <a:rPr b="0" lang="cs-CZ" sz="3200" spc="-1" strike="noStrike">
+              <a:rPr lang="cs-CZ" sz="3200" b="0" strike="noStrike" spc="-1">
                 <a:solidFill>
-                  <a:srgbClr val="0000ff"/>
+                  <a:srgbClr val="0000FF"/>
                 </a:solidFill>
                 <a:latin typeface="Courier New"/>
                 <a:ea typeface="Noto Sans CJK SC Regular"/>
@@ -5875,7 +7049,7 @@
               <a:t> musi</a:t>
             </a:r>
             <a:r>
-              <a:rPr b="0" lang="cs-CZ" sz="3200" spc="-1" strike="noStrike">
+              <a:rPr lang="cs-CZ" sz="3200" b="0" strike="noStrike" spc="-1">
                 <a:solidFill>
                   <a:srgbClr val="000000"/>
                 </a:solidFill>
@@ -5884,7 +7058,7 @@
               </a:rPr>
               <a:t>c</a:t>
             </a:r>
-            <a:endParaRPr b="0" lang="cs-CZ" sz="3200" spc="-1" strike="noStrike">
+            <a:endParaRPr lang="cs-CZ" sz="3200" b="0" strike="noStrike" spc="-1">
               <a:latin typeface="Arial"/>
             </a:endParaRPr>
           </a:p>
@@ -5901,7 +7075,7 @@
               </a:spcAft>
             </a:pPr>
             <a:r>
-              <a:rPr b="0" lang="cs-CZ" sz="3200" spc="-1" strike="noStrike">
+              <a:rPr lang="cs-CZ" sz="3200" b="0" strike="noStrike" spc="-1">
                 <a:solidFill>
                   <a:srgbClr val="008000"/>
                 </a:solidFill>
@@ -5911,7 +7085,7 @@
               <a:t>whil</a:t>
             </a:r>
             <a:r>
-              <a:rPr b="0" lang="cs-CZ" sz="3200" spc="-1" strike="noStrike">
+              <a:rPr lang="cs-CZ" sz="3200" b="0" strike="noStrike" spc="-1">
                 <a:solidFill>
                   <a:srgbClr val="000000"/>
                 </a:solidFill>
@@ -5921,7 +7095,7 @@
               <a:t>e</a:t>
             </a:r>
             <a:r>
-              <a:rPr b="0" lang="cs-CZ" sz="3200" spc="-1" strike="noStrike">
+              <a:rPr lang="cs-CZ" sz="3200" b="0" strike="noStrike" spc="-1">
                 <a:solidFill>
                   <a:srgbClr val="008000"/>
                 </a:solidFill>
@@ -5931,7 +7105,7 @@
               <a:t> Tru</a:t>
             </a:r>
             <a:r>
-              <a:rPr b="0" lang="cs-CZ" sz="3200" spc="-1" strike="noStrike">
+              <a:rPr lang="cs-CZ" sz="3200" b="0" strike="noStrike" spc="-1">
                 <a:solidFill>
                   <a:srgbClr val="000000"/>
                 </a:solidFill>
@@ -5940,7 +7114,7 @@
               </a:rPr>
               <a:t>e:</a:t>
             </a:r>
-            <a:endParaRPr b="0" lang="cs-CZ" sz="3200" spc="-1" strike="noStrike">
+            <a:endParaRPr lang="cs-CZ" sz="3200" b="0" strike="noStrike" spc="-1">
               <a:latin typeface="Arial"/>
             </a:endParaRPr>
           </a:p>
@@ -5957,7 +7131,7 @@
               </a:spcAft>
             </a:pPr>
             <a:r>
-              <a:rPr b="0" lang="cs-CZ" sz="3200" spc="-1" strike="noStrike">
+              <a:rPr lang="cs-CZ" sz="3200" b="0" strike="noStrike" spc="-1">
                 <a:solidFill>
                   <a:srgbClr val="000000"/>
                 </a:solidFill>
@@ -5967,27 +7141,17 @@
               <a:t>   </a:t>
             </a:r>
             <a:r>
-              <a:rPr b="0" lang="cs-CZ" sz="3200" spc="-1" strike="noStrike">
+              <a:rPr lang="cs-CZ" sz="3200" b="0" strike="noStrike" spc="-1">
                 <a:solidFill>
                   <a:srgbClr val="008000"/>
                 </a:solidFill>
                 <a:latin typeface="Courier New"/>
                 <a:ea typeface="DejaVu Sans"/>
               </a:rPr>
-              <a:t> </a:t>
-            </a:r>
-            <a:r>
-              <a:rPr b="0" lang="cs-CZ" sz="3200" spc="-1" strike="noStrike">
-                <a:solidFill>
-                  <a:srgbClr val="008000"/>
-                </a:solidFill>
-                <a:latin typeface="Courier New"/>
-                <a:ea typeface="DejaVu Sans"/>
-              </a:rPr>
-              <a:t>i</a:t>
-            </a:r>
-            <a:r>
-              <a:rPr b="0" lang="cs-CZ" sz="3200" spc="-1" strike="noStrike">
+              <a:t> i</a:t>
+            </a:r>
+            <a:r>
+              <a:rPr lang="cs-CZ" sz="3200" b="0" strike="noStrike" spc="-1">
                 <a:solidFill>
                   <a:srgbClr val="000000"/>
                 </a:solidFill>
@@ -5997,7 +7161,7 @@
               <a:t>f button_</a:t>
             </a:r>
             <a:r>
-              <a:rPr b="0" lang="cs-CZ" sz="3200" spc="-1" strike="noStrike">
+              <a:rPr lang="cs-CZ" sz="3200" b="0" strike="noStrike" spc="-1">
                 <a:solidFill>
                   <a:srgbClr val="666666"/>
                 </a:solidFill>
@@ -6007,7 +7171,7 @@
               <a:t>a</a:t>
             </a:r>
             <a:r>
-              <a:rPr b="0" lang="cs-CZ" sz="3200" spc="-1" strike="noStrike">
+              <a:rPr lang="cs-CZ" sz="3200" b="0" strike="noStrike" spc="-1">
                 <a:solidFill>
                   <a:srgbClr val="000000"/>
                 </a:solidFill>
@@ -6016,7 +7180,7 @@
               </a:rPr>
               <a:t>.is_pressed():</a:t>
             </a:r>
-            <a:endParaRPr b="0" lang="cs-CZ" sz="3200" spc="-1" strike="noStrike">
+            <a:endParaRPr lang="cs-CZ" sz="3200" b="0" strike="noStrike" spc="-1">
               <a:latin typeface="Arial"/>
             </a:endParaRPr>
           </a:p>
@@ -6033,66 +7197,56 @@
               </a:spcAft>
             </a:pPr>
             <a:r>
-              <a:rPr b="0" lang="cs-CZ" sz="3200" spc="-1" strike="noStrike">
+              <a:rPr lang="cs-CZ" sz="3200" b="0" strike="noStrike" spc="-1">
                 <a:solidFill>
                   <a:srgbClr val="000000"/>
                 </a:solidFill>
                 <a:latin typeface="Courier New"/>
                 <a:ea typeface="DejaVu Sans"/>
               </a:rPr>
-              <a:t>        </a:t>
-            </a:r>
-            <a:r>
-              <a:rPr b="0" lang="cs-CZ" sz="3200" spc="-1" strike="noStrike">
+              <a:t>        displa</a:t>
+            </a:r>
+            <a:r>
+              <a:rPr lang="cs-CZ" sz="3200" b="0" strike="noStrike" spc="-1">
+                <a:solidFill>
+                  <a:srgbClr val="666666"/>
+                </a:solidFill>
+                <a:latin typeface="Courier New"/>
+                <a:ea typeface="DejaVu Sans"/>
+              </a:rPr>
+              <a:t>y</a:t>
+            </a:r>
+            <a:r>
+              <a:rPr lang="cs-CZ" sz="3200" b="0" strike="noStrike" spc="-1">
                 <a:solidFill>
                   <a:srgbClr val="000000"/>
                 </a:solidFill>
                 <a:latin typeface="Courier New"/>
                 <a:ea typeface="DejaVu Sans"/>
               </a:rPr>
-              <a:t>displa</a:t>
-            </a:r>
-            <a:r>
-              <a:rPr b="0" lang="cs-CZ" sz="3200" spc="-1" strike="noStrike">
+              <a:t>.show(Imag</a:t>
+            </a:r>
+            <a:r>
+              <a:rPr lang="cs-CZ" sz="3200" b="0" strike="noStrike" spc="-1">
                 <a:solidFill>
                   <a:srgbClr val="666666"/>
                 </a:solidFill>
                 <a:latin typeface="Courier New"/>
                 <a:ea typeface="DejaVu Sans"/>
               </a:rPr>
-              <a:t>y</a:t>
-            </a:r>
-            <a:r>
-              <a:rPr b="0" lang="cs-CZ" sz="3200" spc="-1" strike="noStrike">
+              <a:t>e</a:t>
+            </a:r>
+            <a:r>
+              <a:rPr lang="cs-CZ" sz="3200" b="0" strike="noStrike" spc="-1">
                 <a:solidFill>
                   <a:srgbClr val="000000"/>
                 </a:solidFill>
                 <a:latin typeface="Courier New"/>
                 <a:ea typeface="DejaVu Sans"/>
               </a:rPr>
-              <a:t>.show(Imag</a:t>
-            </a:r>
-            <a:r>
-              <a:rPr b="0" lang="cs-CZ" sz="3200" spc="-1" strike="noStrike">
-                <a:solidFill>
-                  <a:srgbClr val="666666"/>
-                </a:solidFill>
-                <a:latin typeface="Courier New"/>
-                <a:ea typeface="DejaVu Sans"/>
-              </a:rPr>
-              <a:t>e</a:t>
-            </a:r>
-            <a:r>
-              <a:rPr b="0" lang="cs-CZ" sz="3200" spc="-1" strike="noStrike">
-                <a:solidFill>
-                  <a:srgbClr val="000000"/>
-                </a:solidFill>
-                <a:latin typeface="Courier New"/>
-                <a:ea typeface="DejaVu Sans"/>
-              </a:rPr>
               <a:t>.HAPPY)</a:t>
             </a:r>
-            <a:endParaRPr b="0" lang="cs-CZ" sz="3200" spc="-1" strike="noStrike">
+            <a:endParaRPr lang="cs-CZ" sz="3200" b="0" strike="noStrike" spc="-1">
               <a:latin typeface="Arial"/>
             </a:endParaRPr>
           </a:p>
@@ -6109,27 +7263,37 @@
               </a:spcAft>
             </a:pPr>
             <a:r>
-              <a:rPr b="0" lang="cs-CZ" sz="3200" spc="-1" strike="noStrike">
+              <a:rPr lang="cs-CZ" sz="3200" b="0" strike="noStrike" spc="-1">
                 <a:solidFill>
                   <a:srgbClr val="000000"/>
                 </a:solidFill>
                 <a:latin typeface="Courier New"/>
                 <a:ea typeface="DejaVu Sans"/>
               </a:rPr>
-              <a:t>        </a:t>
-            </a:r>
-            <a:r>
-              <a:rPr b="0" lang="cs-CZ" sz="3200" spc="-1" strike="noStrike">
+              <a:t>        musi</a:t>
+            </a:r>
+            <a:r>
+              <a:rPr lang="cs-CZ" sz="3200" b="0" strike="noStrike" spc="-1">
+                <a:solidFill>
+                  <a:srgbClr val="666666"/>
+                </a:solidFill>
+                <a:latin typeface="Courier New"/>
+                <a:ea typeface="DejaVu Sans"/>
+              </a:rPr>
+              <a:t>c</a:t>
+            </a:r>
+            <a:r>
+              <a:rPr lang="cs-CZ" sz="3200" b="0" strike="noStrike" spc="-1">
                 <a:solidFill>
                   <a:srgbClr val="000000"/>
                 </a:solidFill>
                 <a:latin typeface="Courier New"/>
                 <a:ea typeface="DejaVu Sans"/>
               </a:rPr>
-              <a:t>musi</a:t>
-            </a:r>
-            <a:r>
-              <a:rPr b="0" lang="cs-CZ" sz="3200" spc="-1" strike="noStrike">
+              <a:t>.play(musi</a:t>
+            </a:r>
+            <a:r>
+              <a:rPr lang="cs-CZ" sz="3200" b="0" strike="noStrike" spc="-1">
                 <a:solidFill>
                   <a:srgbClr val="666666"/>
                 </a:solidFill>
@@ -6139,36 +7303,16 @@
               <a:t>c</a:t>
             </a:r>
             <a:r>
-              <a:rPr b="0" lang="cs-CZ" sz="3200" spc="-1" strike="noStrike">
+              <a:rPr lang="cs-CZ" sz="3200" b="0" strike="noStrike" spc="-1">
                 <a:solidFill>
                   <a:srgbClr val="000000"/>
                 </a:solidFill>
                 <a:latin typeface="Courier New"/>
                 <a:ea typeface="DejaVu Sans"/>
               </a:rPr>
-              <a:t>.play(musi</a:t>
-            </a:r>
-            <a:r>
-              <a:rPr b="0" lang="cs-CZ" sz="3200" spc="-1" strike="noStrike">
-                <a:solidFill>
-                  <a:srgbClr val="666666"/>
-                </a:solidFill>
-                <a:latin typeface="Courier New"/>
-                <a:ea typeface="DejaVu Sans"/>
-              </a:rPr>
-              <a:t>c</a:t>
-            </a:r>
-            <a:r>
-              <a:rPr b="0" lang="cs-CZ" sz="3200" spc="-1" strike="noStrike">
-                <a:solidFill>
-                  <a:srgbClr val="000000"/>
-                </a:solidFill>
-                <a:latin typeface="Courier New"/>
-                <a:ea typeface="DejaVu Sans"/>
-              </a:rPr>
               <a:t>.POWER_UP)</a:t>
             </a:r>
-            <a:endParaRPr b="0" lang="cs-CZ" sz="3200" spc="-1" strike="noStrike">
+            <a:endParaRPr lang="cs-CZ" sz="3200" b="0" strike="noStrike" spc="-1">
               <a:latin typeface="Arial"/>
             </a:endParaRPr>
           </a:p>
@@ -6185,7 +7329,7 @@
               </a:spcAft>
             </a:pPr>
             <a:r>
-              <a:rPr b="0" lang="cs-CZ" sz="3200" spc="-1" strike="noStrike">
+              <a:rPr lang="cs-CZ" sz="3200" b="0" strike="noStrike" spc="-1">
                 <a:solidFill>
                   <a:srgbClr val="000000"/>
                 </a:solidFill>
@@ -6195,27 +7339,17 @@
               <a:t>   </a:t>
             </a:r>
             <a:r>
-              <a:rPr b="0" lang="cs-CZ" sz="3200" spc="-1" strike="noStrike">
+              <a:rPr lang="cs-CZ" sz="3200" b="0" strike="noStrike" spc="-1">
                 <a:solidFill>
                   <a:srgbClr val="008000"/>
                 </a:solidFill>
                 <a:latin typeface="Courier New"/>
                 <a:ea typeface="DejaVu Sans"/>
               </a:rPr>
-              <a:t> </a:t>
-            </a:r>
-            <a:r>
-              <a:rPr b="0" lang="cs-CZ" sz="3200" spc="-1" strike="noStrike">
-                <a:solidFill>
-                  <a:srgbClr val="008000"/>
-                </a:solidFill>
-                <a:latin typeface="Courier New"/>
-                <a:ea typeface="DejaVu Sans"/>
-              </a:rPr>
-              <a:t>i</a:t>
-            </a:r>
-            <a:r>
-              <a:rPr b="0" lang="cs-CZ" sz="3200" spc="-1" strike="noStrike">
+              <a:t> i</a:t>
+            </a:r>
+            <a:r>
+              <a:rPr lang="cs-CZ" sz="3200" b="0" strike="noStrike" spc="-1">
                 <a:solidFill>
                   <a:srgbClr val="000000"/>
                 </a:solidFill>
@@ -6225,7 +7359,7 @@
               <a:t>f button_</a:t>
             </a:r>
             <a:r>
-              <a:rPr b="0" lang="cs-CZ" sz="3200" spc="-1" strike="noStrike">
+              <a:rPr lang="cs-CZ" sz="3200" b="0" strike="noStrike" spc="-1">
                 <a:solidFill>
                   <a:srgbClr val="666666"/>
                 </a:solidFill>
@@ -6235,7 +7369,7 @@
               <a:t>b</a:t>
             </a:r>
             <a:r>
-              <a:rPr b="0" lang="cs-CZ" sz="3200" spc="-1" strike="noStrike">
+              <a:rPr lang="cs-CZ" sz="3200" b="0" strike="noStrike" spc="-1">
                 <a:solidFill>
                   <a:srgbClr val="000000"/>
                 </a:solidFill>
@@ -6244,7 +7378,7 @@
               </a:rPr>
               <a:t>.is_pressed():</a:t>
             </a:r>
-            <a:endParaRPr b="0" lang="cs-CZ" sz="3200" spc="-1" strike="noStrike">
+            <a:endParaRPr lang="cs-CZ" sz="3200" b="0" strike="noStrike" spc="-1">
               <a:latin typeface="Arial"/>
             </a:endParaRPr>
           </a:p>
@@ -6261,66 +7395,56 @@
               </a:spcAft>
             </a:pPr>
             <a:r>
-              <a:rPr b="0" lang="cs-CZ" sz="3200" spc="-1" strike="noStrike">
+              <a:rPr lang="cs-CZ" sz="3200" b="0" strike="noStrike" spc="-1">
                 <a:solidFill>
                   <a:srgbClr val="000000"/>
                 </a:solidFill>
                 <a:latin typeface="Courier New"/>
                 <a:ea typeface="DejaVu Sans"/>
               </a:rPr>
-              <a:t>        </a:t>
-            </a:r>
-            <a:r>
-              <a:rPr b="0" lang="cs-CZ" sz="3200" spc="-1" strike="noStrike">
+              <a:t>        displa</a:t>
+            </a:r>
+            <a:r>
+              <a:rPr lang="cs-CZ" sz="3200" b="0" strike="noStrike" spc="-1">
+                <a:solidFill>
+                  <a:srgbClr val="666666"/>
+                </a:solidFill>
+                <a:latin typeface="Courier New"/>
+                <a:ea typeface="DejaVu Sans"/>
+              </a:rPr>
+              <a:t>y</a:t>
+            </a:r>
+            <a:r>
+              <a:rPr lang="cs-CZ" sz="3200" b="0" strike="noStrike" spc="-1">
                 <a:solidFill>
                   <a:srgbClr val="000000"/>
                 </a:solidFill>
                 <a:latin typeface="Courier New"/>
                 <a:ea typeface="DejaVu Sans"/>
               </a:rPr>
-              <a:t>displa</a:t>
-            </a:r>
-            <a:r>
-              <a:rPr b="0" lang="cs-CZ" sz="3200" spc="-1" strike="noStrike">
+              <a:t>.show(Imag</a:t>
+            </a:r>
+            <a:r>
+              <a:rPr lang="cs-CZ" sz="3200" b="0" strike="noStrike" spc="-1">
                 <a:solidFill>
                   <a:srgbClr val="666666"/>
                 </a:solidFill>
                 <a:latin typeface="Courier New"/>
                 <a:ea typeface="DejaVu Sans"/>
               </a:rPr>
-              <a:t>y</a:t>
-            </a:r>
-            <a:r>
-              <a:rPr b="0" lang="cs-CZ" sz="3200" spc="-1" strike="noStrike">
+              <a:t>e</a:t>
+            </a:r>
+            <a:r>
+              <a:rPr lang="cs-CZ" sz="3200" b="0" strike="noStrike" spc="-1">
                 <a:solidFill>
                   <a:srgbClr val="000000"/>
                 </a:solidFill>
                 <a:latin typeface="Courier New"/>
                 <a:ea typeface="DejaVu Sans"/>
               </a:rPr>
-              <a:t>.show(Imag</a:t>
-            </a:r>
-            <a:r>
-              <a:rPr b="0" lang="cs-CZ" sz="3200" spc="-1" strike="noStrike">
-                <a:solidFill>
-                  <a:srgbClr val="666666"/>
-                </a:solidFill>
-                <a:latin typeface="Courier New"/>
-                <a:ea typeface="DejaVu Sans"/>
-              </a:rPr>
-              <a:t>e</a:t>
-            </a:r>
-            <a:r>
-              <a:rPr b="0" lang="cs-CZ" sz="3200" spc="-1" strike="noStrike">
-                <a:solidFill>
-                  <a:srgbClr val="000000"/>
-                </a:solidFill>
-                <a:latin typeface="Courier New"/>
-                <a:ea typeface="DejaVu Sans"/>
-              </a:rPr>
               <a:t>.SAD)</a:t>
             </a:r>
-            <a:endParaRPr b="0" lang="cs-CZ" sz="3200" spc="-1" strike="noStrike">
+            <a:endParaRPr lang="cs-CZ" sz="3200" b="0" strike="noStrike" spc="-1">
               <a:latin typeface="Arial"/>
             </a:endParaRPr>
           </a:p>
@@ -6337,27 +7461,37 @@
               </a:spcAft>
             </a:pPr>
             <a:r>
-              <a:rPr b="0" lang="cs-CZ" sz="3200" spc="-1" strike="noStrike">
+              <a:rPr lang="cs-CZ" sz="3200" b="0" strike="noStrike" spc="-1">
                 <a:solidFill>
                   <a:srgbClr val="000000"/>
                 </a:solidFill>
                 <a:latin typeface="Courier New"/>
                 <a:ea typeface="DejaVu Sans"/>
               </a:rPr>
-              <a:t>        </a:t>
-            </a:r>
-            <a:r>
-              <a:rPr b="0" lang="cs-CZ" sz="3200" spc="-1" strike="noStrike">
+              <a:t>        musi</a:t>
+            </a:r>
+            <a:r>
+              <a:rPr lang="cs-CZ" sz="3200" b="0" strike="noStrike" spc="-1">
+                <a:solidFill>
+                  <a:srgbClr val="666666"/>
+                </a:solidFill>
+                <a:latin typeface="Courier New"/>
+                <a:ea typeface="DejaVu Sans"/>
+              </a:rPr>
+              <a:t>c</a:t>
+            </a:r>
+            <a:r>
+              <a:rPr lang="cs-CZ" sz="3200" b="0" strike="noStrike" spc="-1">
                 <a:solidFill>
                   <a:srgbClr val="000000"/>
                 </a:solidFill>
                 <a:latin typeface="Courier New"/>
                 <a:ea typeface="DejaVu Sans"/>
               </a:rPr>
-              <a:t>musi</a:t>
-            </a:r>
-            <a:r>
-              <a:rPr b="0" lang="cs-CZ" sz="3200" spc="-1" strike="noStrike">
+              <a:t>.play(musi</a:t>
+            </a:r>
+            <a:r>
+              <a:rPr lang="cs-CZ" sz="3200" b="0" strike="noStrike" spc="-1">
                 <a:solidFill>
                   <a:srgbClr val="666666"/>
                 </a:solidFill>
@@ -6367,36 +7501,16 @@
               <a:t>c</a:t>
             </a:r>
             <a:r>
-              <a:rPr b="0" lang="cs-CZ" sz="3200" spc="-1" strike="noStrike">
+              <a:rPr lang="cs-CZ" sz="3200" b="0" strike="noStrike" spc="-1">
                 <a:solidFill>
                   <a:srgbClr val="000000"/>
                 </a:solidFill>
                 <a:latin typeface="Courier New"/>
                 <a:ea typeface="DejaVu Sans"/>
               </a:rPr>
-              <a:t>.play(musi</a:t>
-            </a:r>
-            <a:r>
-              <a:rPr b="0" lang="cs-CZ" sz="3200" spc="-1" strike="noStrike">
-                <a:solidFill>
-                  <a:srgbClr val="666666"/>
-                </a:solidFill>
-                <a:latin typeface="Courier New"/>
-                <a:ea typeface="DejaVu Sans"/>
-              </a:rPr>
-              <a:t>c</a:t>
-            </a:r>
-            <a:r>
-              <a:rPr b="0" lang="cs-CZ" sz="3200" spc="-1" strike="noStrike">
-                <a:solidFill>
-                  <a:srgbClr val="000000"/>
-                </a:solidFill>
-                <a:latin typeface="Courier New"/>
-                <a:ea typeface="DejaVu Sans"/>
-              </a:rPr>
               <a:t>.POWER_DOWN)</a:t>
             </a:r>
-            <a:endParaRPr b="0" lang="cs-CZ" sz="3200" spc="-1" strike="noStrike">
+            <a:endParaRPr lang="cs-CZ" sz="3200" b="0" strike="noStrike" spc="-1">
               <a:latin typeface="Arial"/>
             </a:endParaRPr>
           </a:p>
@@ -6413,46 +7527,36 @@
               </a:spcAft>
             </a:pPr>
             <a:r>
-              <a:rPr b="0" lang="cs-CZ" sz="3200" spc="-1" strike="noStrike">
+              <a:rPr lang="cs-CZ" sz="3200" b="0" strike="noStrike" spc="-1">
                 <a:solidFill>
                   <a:srgbClr val="000000"/>
                 </a:solidFill>
                 <a:latin typeface="Courier New"/>
                 <a:ea typeface="DejaVu Sans"/>
               </a:rPr>
-              <a:t>    </a:t>
-            </a:r>
-            <a:r>
-              <a:rPr b="0" lang="cs-CZ" sz="3200" spc="-1" strike="noStrike">
+              <a:t>    displa</a:t>
+            </a:r>
+            <a:r>
+              <a:rPr lang="cs-CZ" sz="3200" b="0" strike="noStrike" spc="-1">
+                <a:solidFill>
+                  <a:srgbClr val="666666"/>
+                </a:solidFill>
+                <a:latin typeface="Courier New"/>
+                <a:ea typeface="DejaVu Sans"/>
+              </a:rPr>
+              <a:t>y</a:t>
+            </a:r>
+            <a:r>
+              <a:rPr lang="cs-CZ" sz="3200" b="0" strike="noStrike" spc="-1">
                 <a:solidFill>
                   <a:srgbClr val="000000"/>
                 </a:solidFill>
                 <a:latin typeface="Courier New"/>
                 <a:ea typeface="DejaVu Sans"/>
               </a:rPr>
-              <a:t>displa</a:t>
-            </a:r>
-            <a:r>
-              <a:rPr b="0" lang="cs-CZ" sz="3200" spc="-1" strike="noStrike">
-                <a:solidFill>
-                  <a:srgbClr val="666666"/>
-                </a:solidFill>
-                <a:latin typeface="Courier New"/>
-                <a:ea typeface="DejaVu Sans"/>
-              </a:rPr>
-              <a:t>y</a:t>
-            </a:r>
-            <a:r>
-              <a:rPr b="0" lang="cs-CZ" sz="3200" spc="-1" strike="noStrike">
-                <a:solidFill>
-                  <a:srgbClr val="000000"/>
-                </a:solidFill>
-                <a:latin typeface="Courier New"/>
-                <a:ea typeface="DejaVu Sans"/>
-              </a:rPr>
               <a:t>.clear()</a:t>
             </a:r>
-            <a:endParaRPr b="0" lang="cs-CZ" sz="3200" spc="-1" strike="noStrike">
+            <a:endParaRPr lang="cs-CZ" sz="3200" b="0" strike="noStrike" spc="-1">
               <a:latin typeface="Arial"/>
             </a:endParaRPr>
           </a:p>
@@ -6460,22 +7564,25 @@
       </p:sp>
     </p:spTree>
   </p:cSld>
+  <p:clrMapOvr>
+    <a:masterClrMapping/>
+  </p:clrMapOvr>
   <p:timing>
     <p:tnLst>
       <p:par>
-        <p:cTn id="7" dur="indefinite" restart="never" nodeType="tmRoot">
+        <p:cTn id="1" dur="indefinite" restart="never" nodeType="tmRoot">
           <p:childTnLst>
             <p:seq>
-              <p:cTn id="8" dur="indefinite" nodeType="mainSeq"/>
+              <p:cTn id="2" dur="indefinite" nodeType="mainSeq"/>
               <p:prevCondLst>
-                <p:cond delay="0" evt="onPrev">
+                <p:cond evt="onPrev" delay="0">
                   <p:tgtEl>
                     <p:sldTgt/>
                   </p:tgtEl>
                 </p:cond>
               </p:prevCondLst>
               <p:nextCondLst>
-                <p:cond delay="0" evt="onNext">
+                <p:cond evt="onNext" delay="0">
                   <p:tgtEl>
                     <p:sldTgt/>
                   </p:tgtEl>
@@ -6501,31 +7608,31 @@
         <a:sysClr val="window" lastClr="FFFFFF"/>
       </a:lt1>
       <a:dk2>
-        <a:srgbClr val="1f497d"/>
+        <a:srgbClr val="1F497D"/>
       </a:dk2>
       <a:lt2>
-        <a:srgbClr val="eeece1"/>
+        <a:srgbClr val="EEECE1"/>
       </a:lt2>
       <a:accent1>
-        <a:srgbClr val="4f81bd"/>
+        <a:srgbClr val="4F81BD"/>
       </a:accent1>
       <a:accent2>
-        <a:srgbClr val="c0504d"/>
+        <a:srgbClr val="C0504D"/>
       </a:accent2>
       <a:accent3>
-        <a:srgbClr val="9bbb59"/>
+        <a:srgbClr val="9BBB59"/>
       </a:accent3>
       <a:accent4>
-        <a:srgbClr val="8064a2"/>
+        <a:srgbClr val="8064A2"/>
       </a:accent4>
       <a:accent5>
-        <a:srgbClr val="4bacc6"/>
+        <a:srgbClr val="4BACC6"/>
       </a:accent5>
       <a:accent6>
-        <a:srgbClr val="f79646"/>
+        <a:srgbClr val="F79646"/>
       </a:accent6>
       <a:hlink>
-        <a:srgbClr val="0000ff"/>
+        <a:srgbClr val="0000FF"/>
       </a:hlink>
       <a:folHlink>
         <a:srgbClr val="800080"/>
@@ -6710,6 +7817,8 @@
       </a:bgFillStyleLst>
     </a:fmtScheme>
   </a:themeElements>
+  <a:objectDefaults/>
+  <a:extraClrSchemeLst/>
 </a:theme>
 </file>
 
@@ -6724,31 +7833,31 @@
         <a:sysClr val="window" lastClr="FFFFFF"/>
       </a:lt1>
       <a:dk2>
-        <a:srgbClr val="1f497d"/>
+        <a:srgbClr val="1F497D"/>
       </a:dk2>
       <a:lt2>
-        <a:srgbClr val="eeece1"/>
+        <a:srgbClr val="EEECE1"/>
       </a:lt2>
       <a:accent1>
-        <a:srgbClr val="4f81bd"/>
+        <a:srgbClr val="4F81BD"/>
       </a:accent1>
       <a:accent2>
-        <a:srgbClr val="c0504d"/>
+        <a:srgbClr val="C0504D"/>
       </a:accent2>
       <a:accent3>
-        <a:srgbClr val="9bbb59"/>
+        <a:srgbClr val="9BBB59"/>
       </a:accent3>
       <a:accent4>
-        <a:srgbClr val="8064a2"/>
+        <a:srgbClr val="8064A2"/>
       </a:accent4>
       <a:accent5>
-        <a:srgbClr val="4bacc6"/>
+        <a:srgbClr val="4BACC6"/>
       </a:accent5>
       <a:accent6>
-        <a:srgbClr val="f79646"/>
+        <a:srgbClr val="F79646"/>
       </a:accent6>
       <a:hlink>
-        <a:srgbClr val="0000ff"/>
+        <a:srgbClr val="0000FF"/>
       </a:hlink>
       <a:folHlink>
         <a:srgbClr val="800080"/>
@@ -6933,6 +8042,8 @@
       </a:bgFillStyleLst>
     </a:fmtScheme>
   </a:themeElements>
+  <a:objectDefaults/>
+  <a:extraClrSchemeLst/>
 </a:theme>
 </file>
 
@@ -6947,31 +8058,31 @@
         <a:sysClr val="window" lastClr="FFFFFF"/>
       </a:lt1>
       <a:dk2>
-        <a:srgbClr val="1f497d"/>
+        <a:srgbClr val="1F497D"/>
       </a:dk2>
       <a:lt2>
-        <a:srgbClr val="eeece1"/>
+        <a:srgbClr val="EEECE1"/>
       </a:lt2>
       <a:accent1>
-        <a:srgbClr val="4f81bd"/>
+        <a:srgbClr val="4F81BD"/>
       </a:accent1>
       <a:accent2>
-        <a:srgbClr val="c0504d"/>
+        <a:srgbClr val="C0504D"/>
       </a:accent2>
       <a:accent3>
-        <a:srgbClr val="9bbb59"/>
+        <a:srgbClr val="9BBB59"/>
       </a:accent3>
       <a:accent4>
-        <a:srgbClr val="8064a2"/>
+        <a:srgbClr val="8064A2"/>
       </a:accent4>
       <a:accent5>
-        <a:srgbClr val="4bacc6"/>
+        <a:srgbClr val="4BACC6"/>
       </a:accent5>
       <a:accent6>
-        <a:srgbClr val="f79646"/>
+        <a:srgbClr val="F79646"/>
       </a:accent6>
       <a:hlink>
-        <a:srgbClr val="0000ff"/>
+        <a:srgbClr val="0000FF"/>
       </a:hlink>
       <a:folHlink>
         <a:srgbClr val="800080"/>
@@ -7156,5 +8267,7 @@
       </a:bgFillStyleLst>
     </a:fmtScheme>
   </a:themeElements>
+  <a:objectDefaults/>
+  <a:extraClrSchemeLst/>
 </a:theme>
 </file>